--- a/Presentation/Presentation_Group 7.pptx
+++ b/Presentation/Presentation_Group 7.pptx
@@ -5,7 +5,7 @@
     <p:sldMasterId id="2147483725" r:id="rId1"/>
   </p:sldMasterIdLst>
   <p:notesMasterIdLst>
-    <p:notesMasterId r:id="rId8"/>
+    <p:notesMasterId r:id="rId20"/>
   </p:notesMasterIdLst>
   <p:sldIdLst>
     <p:sldId id="256" r:id="rId2"/>
@@ -13,7 +13,19 @@
     <p:sldId id="258" r:id="rId4"/>
     <p:sldId id="259" r:id="rId5"/>
     <p:sldId id="260" r:id="rId6"/>
-    <p:sldId id="261" r:id="rId7"/>
+    <p:sldId id="263" r:id="rId7"/>
+    <p:sldId id="264" r:id="rId8"/>
+    <p:sldId id="265" r:id="rId9"/>
+    <p:sldId id="266" r:id="rId10"/>
+    <p:sldId id="267" r:id="rId11"/>
+    <p:sldId id="268" r:id="rId12"/>
+    <p:sldId id="269" r:id="rId13"/>
+    <p:sldId id="270" r:id="rId14"/>
+    <p:sldId id="271" r:id="rId15"/>
+    <p:sldId id="272" r:id="rId16"/>
+    <p:sldId id="273" r:id="rId17"/>
+    <p:sldId id="262" r:id="rId18"/>
+    <p:sldId id="261" r:id="rId19"/>
   </p:sldIdLst>
   <p:sldSz cx="12192000" cy="6858000"/>
   <p:notesSz cx="6858000" cy="9144000"/>
@@ -530,6 +542,90 @@
             <a:fld id="{44803312-DAB7-B14E-AFBB-90B0AAE27D21}" type="slidenum">
               <a:rPr lang="en-US" smtClean="0"/>
               <a:t>3</a:t>
+            </a:fld>
+            <a:endParaRPr lang="en-US"/>
+          </a:p>
+        </p:txBody>
+      </p:sp>
+    </p:spTree>
+    <p:extLst>
+      <p:ext uri="{BB962C8B-B14F-4D97-AF65-F5344CB8AC3E}">
+        <p14:creationId xmlns:p14="http://schemas.microsoft.com/office/powerpoint/2010/main" val="4241640806"/>
+      </p:ext>
+    </p:extLst>
+  </p:cSld>
+  <p:clrMapOvr>
+    <a:masterClrMapping/>
+  </p:clrMapOvr>
+</p:notes>
+</file>
+
+<file path=ppt/notesSlides/notesSlide2.xml><?xml version="1.0" encoding="utf-8"?>
+<p:notes xmlns:a="http://schemas.openxmlformats.org/drawingml/2006/main" xmlns:r="http://schemas.openxmlformats.org/officeDocument/2006/relationships" xmlns:p="http://schemas.openxmlformats.org/presentationml/2006/main">
+  <p:cSld>
+    <p:spTree>
+      <p:nvGrpSpPr>
+        <p:cNvPr id="1" name=""/>
+        <p:cNvGrpSpPr/>
+        <p:nvPr/>
+      </p:nvGrpSpPr>
+      <p:grpSpPr>
+        <a:xfrm>
+          <a:off x="0" y="0"/>
+          <a:ext cx="0" cy="0"/>
+          <a:chOff x="0" y="0"/>
+          <a:chExt cx="0" cy="0"/>
+        </a:xfrm>
+      </p:grpSpPr>
+      <p:sp>
+        <p:nvSpPr>
+          <p:cNvPr id="2" name="Slide Image Placeholder 1"/>
+          <p:cNvSpPr>
+            <a:spLocks noGrp="1" noRot="1" noChangeAspect="1"/>
+          </p:cNvSpPr>
+          <p:nvPr>
+            <p:ph type="sldImg"/>
+          </p:nvPr>
+        </p:nvSpPr>
+        <p:spPr/>
+      </p:sp>
+      <p:sp>
+        <p:nvSpPr>
+          <p:cNvPr id="3" name="Notes Placeholder 2"/>
+          <p:cNvSpPr>
+            <a:spLocks noGrp="1"/>
+          </p:cNvSpPr>
+          <p:nvPr>
+            <p:ph type="body" idx="1"/>
+          </p:nvPr>
+        </p:nvSpPr>
+        <p:spPr/>
+        <p:txBody>
+          <a:bodyPr/>
+          <a:lstStyle/>
+          <a:p>
+            <a:endParaRPr lang="en-US" dirty="0"/>
+          </a:p>
+        </p:txBody>
+      </p:sp>
+      <p:sp>
+        <p:nvSpPr>
+          <p:cNvPr id="4" name="Slide Number Placeholder 3"/>
+          <p:cNvSpPr>
+            <a:spLocks noGrp="1"/>
+          </p:cNvSpPr>
+          <p:nvPr>
+            <p:ph type="sldNum" sz="quarter" idx="5"/>
+          </p:nvPr>
+        </p:nvSpPr>
+        <p:spPr/>
+        <p:txBody>
+          <a:bodyPr/>
+          <a:lstStyle/>
+          <a:p>
+            <a:fld id="{44803312-DAB7-B14E-AFBB-90B0AAE27D21}" type="slidenum">
+              <a:rPr lang="en-US" smtClean="0"/>
+              <a:t>6</a:t>
             </a:fld>
             <a:endParaRPr lang="en-US"/>
           </a:p>
@@ -5050,6 +5146,1772 @@
 </p:sld>
 </file>
 
+<file path=ppt/slides/slide10.xml><?xml version="1.0" encoding="utf-8"?>
+<p:sld xmlns:a="http://schemas.openxmlformats.org/drawingml/2006/main" xmlns:r="http://schemas.openxmlformats.org/officeDocument/2006/relationships" xmlns:p="http://schemas.openxmlformats.org/presentationml/2006/main">
+  <p:cSld>
+    <p:spTree>
+      <p:nvGrpSpPr>
+        <p:cNvPr id="1" name=""/>
+        <p:cNvGrpSpPr/>
+        <p:nvPr/>
+      </p:nvGrpSpPr>
+      <p:grpSpPr>
+        <a:xfrm>
+          <a:off x="0" y="0"/>
+          <a:ext cx="0" cy="0"/>
+          <a:chOff x="0" y="0"/>
+          <a:chExt cx="0" cy="0"/>
+        </a:xfrm>
+      </p:grpSpPr>
+      <p:sp>
+        <p:nvSpPr>
+          <p:cNvPr id="2" name="Date Placeholder 1">
+            <a:extLst>
+              <a:ext uri="{FF2B5EF4-FFF2-40B4-BE49-F238E27FC236}">
+                <a16:creationId xmlns:a16="http://schemas.microsoft.com/office/drawing/2014/main" id="{75C11686-81F8-A3A6-19A4-CC4BDDAEA177}"/>
+              </a:ext>
+            </a:extLst>
+          </p:cNvPr>
+          <p:cNvSpPr>
+            <a:spLocks noGrp="1"/>
+          </p:cNvSpPr>
+          <p:nvPr>
+            <p:ph type="dt" sz="half" idx="10"/>
+          </p:nvPr>
+        </p:nvSpPr>
+        <p:spPr/>
+        <p:txBody>
+          <a:bodyPr/>
+          <a:lstStyle/>
+          <a:p>
+            <a:fld id="{E0318DDB-88AC-4039-B59C-B05DC4C9C16C}" type="datetime1">
+              <a:rPr lang="en-US" smtClean="0"/>
+              <a:t>7/15/24</a:t>
+            </a:fld>
+            <a:endParaRPr lang="en-US"/>
+          </a:p>
+        </p:txBody>
+      </p:sp>
+      <p:sp>
+        <p:nvSpPr>
+          <p:cNvPr id="3" name="Footer Placeholder 2">
+            <a:extLst>
+              <a:ext uri="{FF2B5EF4-FFF2-40B4-BE49-F238E27FC236}">
+                <a16:creationId xmlns:a16="http://schemas.microsoft.com/office/drawing/2014/main" id="{E441B590-CE56-0C05-1870-87C5487B6EBF}"/>
+              </a:ext>
+            </a:extLst>
+          </p:cNvPr>
+          <p:cNvSpPr>
+            <a:spLocks noGrp="1"/>
+          </p:cNvSpPr>
+          <p:nvPr>
+            <p:ph type="ftr" sz="quarter" idx="11"/>
+          </p:nvPr>
+        </p:nvSpPr>
+        <p:spPr/>
+        <p:txBody>
+          <a:bodyPr/>
+          <a:lstStyle/>
+          <a:p>
+            <a:r>
+              <a:rPr lang="en-US" sz="2400" dirty="0"/>
+              <a:t>Growth by the years</a:t>
+            </a:r>
+          </a:p>
+        </p:txBody>
+      </p:sp>
+      <p:sp>
+        <p:nvSpPr>
+          <p:cNvPr id="4" name="Slide Number Placeholder 3">
+            <a:extLst>
+              <a:ext uri="{FF2B5EF4-FFF2-40B4-BE49-F238E27FC236}">
+                <a16:creationId xmlns:a16="http://schemas.microsoft.com/office/drawing/2014/main" id="{653608B1-EB66-8FDA-7AA2-18F10C5020D8}"/>
+              </a:ext>
+            </a:extLst>
+          </p:cNvPr>
+          <p:cNvSpPr>
+            <a:spLocks noGrp="1"/>
+          </p:cNvSpPr>
+          <p:nvPr>
+            <p:ph type="sldNum" sz="quarter" idx="12"/>
+          </p:nvPr>
+        </p:nvSpPr>
+        <p:spPr/>
+        <p:txBody>
+          <a:bodyPr/>
+          <a:lstStyle/>
+          <a:p>
+            <a:fld id="{81D2C36F-4504-47C0-B82F-A167342A2754}" type="slidenum">
+              <a:rPr lang="en-US" smtClean="0"/>
+              <a:t>10</a:t>
+            </a:fld>
+            <a:endParaRPr lang="en-US"/>
+          </a:p>
+        </p:txBody>
+      </p:sp>
+      <p:pic>
+        <p:nvPicPr>
+          <p:cNvPr id="6" name="Picture 5" descr="A graph with numbers and a bar chart&#10;&#10;Description automatically generated with medium confidence">
+            <a:extLst>
+              <a:ext uri="{FF2B5EF4-FFF2-40B4-BE49-F238E27FC236}">
+                <a16:creationId xmlns:a16="http://schemas.microsoft.com/office/drawing/2014/main" id="{5B9DD053-47C1-EEFD-0ACF-F32A0BFEF51B}"/>
+              </a:ext>
+            </a:extLst>
+          </p:cNvPr>
+          <p:cNvPicPr>
+            <a:picLocks noChangeAspect="1"/>
+          </p:cNvPicPr>
+          <p:nvPr/>
+        </p:nvPicPr>
+        <p:blipFill>
+          <a:blip r:embed="rId2"/>
+          <a:stretch>
+            <a:fillRect/>
+          </a:stretch>
+        </p:blipFill>
+        <p:spPr>
+          <a:xfrm>
+            <a:off x="503153" y="529803"/>
+            <a:ext cx="4844096" cy="3229397"/>
+          </a:xfrm>
+          <a:prstGeom prst="rect">
+            <a:avLst/>
+          </a:prstGeom>
+        </p:spPr>
+      </p:pic>
+      <p:pic>
+        <p:nvPicPr>
+          <p:cNvPr id="8" name="Picture 7" descr="A graph with numbers and lines&#10;&#10;Description automatically generated with medium confidence">
+            <a:extLst>
+              <a:ext uri="{FF2B5EF4-FFF2-40B4-BE49-F238E27FC236}">
+                <a16:creationId xmlns:a16="http://schemas.microsoft.com/office/drawing/2014/main" id="{17B3CB5B-7AB3-A890-11EF-4C691FA15BF4}"/>
+              </a:ext>
+            </a:extLst>
+          </p:cNvPr>
+          <p:cNvPicPr>
+            <a:picLocks noChangeAspect="1"/>
+          </p:cNvPicPr>
+          <p:nvPr/>
+        </p:nvPicPr>
+        <p:blipFill>
+          <a:blip r:embed="rId3"/>
+          <a:stretch>
+            <a:fillRect/>
+          </a:stretch>
+        </p:blipFill>
+        <p:spPr>
+          <a:xfrm>
+            <a:off x="5646079" y="2690075"/>
+            <a:ext cx="4844094" cy="3229396"/>
+          </a:xfrm>
+          <a:prstGeom prst="rect">
+            <a:avLst/>
+          </a:prstGeom>
+        </p:spPr>
+      </p:pic>
+      <p:sp>
+        <p:nvSpPr>
+          <p:cNvPr id="9" name="TextBox 8">
+            <a:extLst>
+              <a:ext uri="{FF2B5EF4-FFF2-40B4-BE49-F238E27FC236}">
+                <a16:creationId xmlns:a16="http://schemas.microsoft.com/office/drawing/2014/main" id="{5A866581-D4DC-F9DA-3B10-704F1C8DF90D}"/>
+              </a:ext>
+            </a:extLst>
+          </p:cNvPr>
+          <p:cNvSpPr txBox="1"/>
+          <p:nvPr/>
+        </p:nvSpPr>
+        <p:spPr>
+          <a:xfrm>
+            <a:off x="6947208" y="938529"/>
+            <a:ext cx="2241835" cy="830997"/>
+          </a:xfrm>
+          <a:prstGeom prst="rect">
+            <a:avLst/>
+          </a:prstGeom>
+          <a:noFill/>
+        </p:spPr>
+        <p:txBody>
+          <a:bodyPr wrap="square" rtlCol="0">
+            <a:spAutoFit/>
+          </a:bodyPr>
+          <a:lstStyle/>
+          <a:p>
+            <a:pPr algn="ctr"/>
+            <a:r>
+              <a:rPr lang="en-US" sz="1200" dirty="0"/>
+              <a:t>China had the highest growth from 2022 to 2023 with a growth of $52.93 Billion across all industries.</a:t>
+            </a:r>
+          </a:p>
+        </p:txBody>
+      </p:sp>
+      <p:sp>
+        <p:nvSpPr>
+          <p:cNvPr id="10" name="TextBox 9">
+            <a:extLst>
+              <a:ext uri="{FF2B5EF4-FFF2-40B4-BE49-F238E27FC236}">
+                <a16:creationId xmlns:a16="http://schemas.microsoft.com/office/drawing/2014/main" id="{B183F3E8-52AC-E833-0997-436C419279FA}"/>
+              </a:ext>
+            </a:extLst>
+          </p:cNvPr>
+          <p:cNvSpPr txBox="1"/>
+          <p:nvPr/>
+        </p:nvSpPr>
+        <p:spPr>
+          <a:xfrm>
+            <a:off x="1706165" y="4495322"/>
+            <a:ext cx="2438071" cy="646331"/>
+          </a:xfrm>
+          <a:prstGeom prst="rect">
+            <a:avLst/>
+          </a:prstGeom>
+          <a:noFill/>
+        </p:spPr>
+        <p:txBody>
+          <a:bodyPr wrap="square" rtlCol="0">
+            <a:spAutoFit/>
+          </a:bodyPr>
+          <a:lstStyle/>
+          <a:p>
+            <a:pPr algn="ctr"/>
+            <a:r>
+              <a:rPr lang="en-US" sz="1200" dirty="0"/>
+              <a:t>Whereas from 2023 to 2024, the United States experienced a growth of $100.10 Billion.</a:t>
+            </a:r>
+          </a:p>
+        </p:txBody>
+      </p:sp>
+    </p:spTree>
+    <p:extLst>
+      <p:ext uri="{BB962C8B-B14F-4D97-AF65-F5344CB8AC3E}">
+        <p14:creationId xmlns:p14="http://schemas.microsoft.com/office/powerpoint/2010/main" val="577103013"/>
+      </p:ext>
+    </p:extLst>
+  </p:cSld>
+  <p:clrMapOvr>
+    <a:masterClrMapping/>
+  </p:clrMapOvr>
+</p:sld>
+</file>
+
+<file path=ppt/slides/slide11.xml><?xml version="1.0" encoding="utf-8"?>
+<p:sld xmlns:a="http://schemas.openxmlformats.org/drawingml/2006/main" xmlns:r="http://schemas.openxmlformats.org/officeDocument/2006/relationships" xmlns:p="http://schemas.openxmlformats.org/presentationml/2006/main">
+  <p:cSld>
+    <p:spTree>
+      <p:nvGrpSpPr>
+        <p:cNvPr id="1" name=""/>
+        <p:cNvGrpSpPr/>
+        <p:nvPr/>
+      </p:nvGrpSpPr>
+      <p:grpSpPr>
+        <a:xfrm>
+          <a:off x="0" y="0"/>
+          <a:ext cx="0" cy="0"/>
+          <a:chOff x="0" y="0"/>
+          <a:chExt cx="0" cy="0"/>
+        </a:xfrm>
+      </p:grpSpPr>
+      <p:sp>
+        <p:nvSpPr>
+          <p:cNvPr id="2" name="Date Placeholder 1">
+            <a:extLst>
+              <a:ext uri="{FF2B5EF4-FFF2-40B4-BE49-F238E27FC236}">
+                <a16:creationId xmlns:a16="http://schemas.microsoft.com/office/drawing/2014/main" id="{84287A7B-EF13-D11F-9E26-417BEE276DD4}"/>
+              </a:ext>
+            </a:extLst>
+          </p:cNvPr>
+          <p:cNvSpPr>
+            <a:spLocks noGrp="1"/>
+          </p:cNvSpPr>
+          <p:nvPr>
+            <p:ph type="dt" sz="half" idx="10"/>
+          </p:nvPr>
+        </p:nvSpPr>
+        <p:spPr/>
+        <p:txBody>
+          <a:bodyPr/>
+          <a:lstStyle/>
+          <a:p>
+            <a:fld id="{E0318DDB-88AC-4039-B59C-B05DC4C9C16C}" type="datetime1">
+              <a:rPr lang="en-US" smtClean="0"/>
+              <a:t>7/15/24</a:t>
+            </a:fld>
+            <a:endParaRPr lang="en-US"/>
+          </a:p>
+        </p:txBody>
+      </p:sp>
+      <p:sp>
+        <p:nvSpPr>
+          <p:cNvPr id="3" name="Footer Placeholder 2">
+            <a:extLst>
+              <a:ext uri="{FF2B5EF4-FFF2-40B4-BE49-F238E27FC236}">
+                <a16:creationId xmlns:a16="http://schemas.microsoft.com/office/drawing/2014/main" id="{98F045D0-878A-D3F3-20BF-F389BF494674}"/>
+              </a:ext>
+            </a:extLst>
+          </p:cNvPr>
+          <p:cNvSpPr>
+            <a:spLocks noGrp="1"/>
+          </p:cNvSpPr>
+          <p:nvPr>
+            <p:ph type="ftr" sz="quarter" idx="11"/>
+          </p:nvPr>
+        </p:nvSpPr>
+        <p:spPr>
+          <a:xfrm rot="5400000">
+            <a:off x="8572653" y="3239434"/>
+            <a:ext cx="5436618" cy="365125"/>
+          </a:xfrm>
+        </p:spPr>
+        <p:txBody>
+          <a:bodyPr/>
+          <a:lstStyle/>
+          <a:p>
+            <a:r>
+              <a:rPr lang="en-US" sz="2000" dirty="0"/>
+              <a:t>Total growth by countries</a:t>
+            </a:r>
+          </a:p>
+        </p:txBody>
+      </p:sp>
+      <p:sp>
+        <p:nvSpPr>
+          <p:cNvPr id="4" name="Slide Number Placeholder 3">
+            <a:extLst>
+              <a:ext uri="{FF2B5EF4-FFF2-40B4-BE49-F238E27FC236}">
+                <a16:creationId xmlns:a16="http://schemas.microsoft.com/office/drawing/2014/main" id="{250044A8-3FB2-DA88-5F37-B6757AADB61A}"/>
+              </a:ext>
+            </a:extLst>
+          </p:cNvPr>
+          <p:cNvSpPr>
+            <a:spLocks noGrp="1"/>
+          </p:cNvSpPr>
+          <p:nvPr>
+            <p:ph type="sldNum" sz="quarter" idx="12"/>
+          </p:nvPr>
+        </p:nvSpPr>
+        <p:spPr/>
+        <p:txBody>
+          <a:bodyPr/>
+          <a:lstStyle/>
+          <a:p>
+            <a:fld id="{81D2C36F-4504-47C0-B82F-A167342A2754}" type="slidenum">
+              <a:rPr lang="en-US" smtClean="0"/>
+              <a:t>11</a:t>
+            </a:fld>
+            <a:endParaRPr lang="en-US"/>
+          </a:p>
+        </p:txBody>
+      </p:sp>
+      <p:pic>
+        <p:nvPicPr>
+          <p:cNvPr id="6" name="Picture 5" descr="A graph with numbers and a bar&#10;&#10;Description automatically generated">
+            <a:extLst>
+              <a:ext uri="{FF2B5EF4-FFF2-40B4-BE49-F238E27FC236}">
+                <a16:creationId xmlns:a16="http://schemas.microsoft.com/office/drawing/2014/main" id="{D137D0F9-B3A7-263C-CF19-93DED9AAAEC0}"/>
+              </a:ext>
+            </a:extLst>
+          </p:cNvPr>
+          <p:cNvPicPr>
+            <a:picLocks noChangeAspect="1"/>
+          </p:cNvPicPr>
+          <p:nvPr/>
+        </p:nvPicPr>
+        <p:blipFill>
+          <a:blip r:embed="rId2"/>
+          <a:stretch>
+            <a:fillRect/>
+          </a:stretch>
+        </p:blipFill>
+        <p:spPr>
+          <a:xfrm>
+            <a:off x="1387547" y="703687"/>
+            <a:ext cx="7600335" cy="5066890"/>
+          </a:xfrm>
+          <a:prstGeom prst="rect">
+            <a:avLst/>
+          </a:prstGeom>
+        </p:spPr>
+      </p:pic>
+    </p:spTree>
+    <p:extLst>
+      <p:ext uri="{BB962C8B-B14F-4D97-AF65-F5344CB8AC3E}">
+        <p14:creationId xmlns:p14="http://schemas.microsoft.com/office/powerpoint/2010/main" val="3264984904"/>
+      </p:ext>
+    </p:extLst>
+  </p:cSld>
+  <p:clrMapOvr>
+    <a:masterClrMapping/>
+  </p:clrMapOvr>
+</p:sld>
+</file>
+
+<file path=ppt/slides/slide12.xml><?xml version="1.0" encoding="utf-8"?>
+<p:sld xmlns:a="http://schemas.openxmlformats.org/drawingml/2006/main" xmlns:r="http://schemas.openxmlformats.org/officeDocument/2006/relationships" xmlns:p="http://schemas.openxmlformats.org/presentationml/2006/main">
+  <p:cSld>
+    <p:spTree>
+      <p:nvGrpSpPr>
+        <p:cNvPr id="1" name=""/>
+        <p:cNvGrpSpPr/>
+        <p:nvPr/>
+      </p:nvGrpSpPr>
+      <p:grpSpPr>
+        <a:xfrm>
+          <a:off x="0" y="0"/>
+          <a:ext cx="0" cy="0"/>
+          <a:chOff x="0" y="0"/>
+          <a:chExt cx="0" cy="0"/>
+        </a:xfrm>
+      </p:grpSpPr>
+      <p:sp>
+        <p:nvSpPr>
+          <p:cNvPr id="2" name="Date Placeholder 1">
+            <a:extLst>
+              <a:ext uri="{FF2B5EF4-FFF2-40B4-BE49-F238E27FC236}">
+                <a16:creationId xmlns:a16="http://schemas.microsoft.com/office/drawing/2014/main" id="{53D24E99-5EB8-1BFF-D472-55FEEA6C3684}"/>
+              </a:ext>
+            </a:extLst>
+          </p:cNvPr>
+          <p:cNvSpPr>
+            <a:spLocks noGrp="1"/>
+          </p:cNvSpPr>
+          <p:nvPr>
+            <p:ph type="dt" sz="half" idx="10"/>
+          </p:nvPr>
+        </p:nvSpPr>
+        <p:spPr/>
+        <p:txBody>
+          <a:bodyPr/>
+          <a:lstStyle/>
+          <a:p>
+            <a:fld id="{E0318DDB-88AC-4039-B59C-B05DC4C9C16C}" type="datetime1">
+              <a:rPr lang="en-US" smtClean="0"/>
+              <a:t>7/15/24</a:t>
+            </a:fld>
+            <a:endParaRPr lang="en-US"/>
+          </a:p>
+        </p:txBody>
+      </p:sp>
+      <p:sp>
+        <p:nvSpPr>
+          <p:cNvPr id="3" name="Footer Placeholder 2">
+            <a:extLst>
+              <a:ext uri="{FF2B5EF4-FFF2-40B4-BE49-F238E27FC236}">
+                <a16:creationId xmlns:a16="http://schemas.microsoft.com/office/drawing/2014/main" id="{7DE561E1-528E-0AE4-5B80-FCF5AC592DAB}"/>
+              </a:ext>
+            </a:extLst>
+          </p:cNvPr>
+          <p:cNvSpPr>
+            <a:spLocks noGrp="1"/>
+          </p:cNvSpPr>
+          <p:nvPr>
+            <p:ph type="ftr" sz="quarter" idx="11"/>
+          </p:nvPr>
+        </p:nvSpPr>
+        <p:spPr/>
+        <p:txBody>
+          <a:bodyPr/>
+          <a:lstStyle/>
+          <a:p>
+            <a:r>
+              <a:rPr lang="en-US" sz="2000" dirty="0"/>
+              <a:t>Total valuations / year</a:t>
+            </a:r>
+          </a:p>
+        </p:txBody>
+      </p:sp>
+      <p:sp>
+        <p:nvSpPr>
+          <p:cNvPr id="4" name="Slide Number Placeholder 3">
+            <a:extLst>
+              <a:ext uri="{FF2B5EF4-FFF2-40B4-BE49-F238E27FC236}">
+                <a16:creationId xmlns:a16="http://schemas.microsoft.com/office/drawing/2014/main" id="{F1469BF7-58C7-21BC-4ECE-1EEF93415A1C}"/>
+              </a:ext>
+            </a:extLst>
+          </p:cNvPr>
+          <p:cNvSpPr>
+            <a:spLocks noGrp="1"/>
+          </p:cNvSpPr>
+          <p:nvPr>
+            <p:ph type="sldNum" sz="quarter" idx="12"/>
+          </p:nvPr>
+        </p:nvSpPr>
+        <p:spPr/>
+        <p:txBody>
+          <a:bodyPr/>
+          <a:lstStyle/>
+          <a:p>
+            <a:fld id="{81D2C36F-4504-47C0-B82F-A167342A2754}" type="slidenum">
+              <a:rPr lang="en-US" smtClean="0"/>
+              <a:t>12</a:t>
+            </a:fld>
+            <a:endParaRPr lang="en-US"/>
+          </a:p>
+        </p:txBody>
+      </p:sp>
+      <p:pic>
+        <p:nvPicPr>
+          <p:cNvPr id="6" name="Picture 5" descr="A graph with different colored lines&#10;&#10;Description automatically generated">
+            <a:extLst>
+              <a:ext uri="{FF2B5EF4-FFF2-40B4-BE49-F238E27FC236}">
+                <a16:creationId xmlns:a16="http://schemas.microsoft.com/office/drawing/2014/main" id="{3503A7CC-3CAE-BC27-1C05-0B1300F81038}"/>
+              </a:ext>
+            </a:extLst>
+          </p:cNvPr>
+          <p:cNvPicPr>
+            <a:picLocks noChangeAspect="1"/>
+          </p:cNvPicPr>
+          <p:nvPr/>
+        </p:nvPicPr>
+        <p:blipFill>
+          <a:blip r:embed="rId2"/>
+          <a:stretch>
+            <a:fillRect/>
+          </a:stretch>
+        </p:blipFill>
+        <p:spPr>
+          <a:xfrm>
+            <a:off x="2644698" y="592175"/>
+            <a:ext cx="7772400" cy="5181600"/>
+          </a:xfrm>
+          <a:prstGeom prst="rect">
+            <a:avLst/>
+          </a:prstGeom>
+        </p:spPr>
+      </p:pic>
+      <p:sp>
+        <p:nvSpPr>
+          <p:cNvPr id="7" name="TextBox 6">
+            <a:extLst>
+              <a:ext uri="{FF2B5EF4-FFF2-40B4-BE49-F238E27FC236}">
+                <a16:creationId xmlns:a16="http://schemas.microsoft.com/office/drawing/2014/main" id="{49C7ED5C-7498-E4B4-037C-44F0364A6B19}"/>
+              </a:ext>
+            </a:extLst>
+          </p:cNvPr>
+          <p:cNvSpPr txBox="1"/>
+          <p:nvPr/>
+        </p:nvSpPr>
+        <p:spPr>
+          <a:xfrm>
+            <a:off x="686879" y="2767476"/>
+            <a:ext cx="1444852" cy="1200329"/>
+          </a:xfrm>
+          <a:prstGeom prst="rect">
+            <a:avLst/>
+          </a:prstGeom>
+          <a:noFill/>
+        </p:spPr>
+        <p:txBody>
+          <a:bodyPr wrap="square" rtlCol="0">
+            <a:spAutoFit/>
+          </a:bodyPr>
+          <a:lstStyle/>
+          <a:p>
+            <a:pPr algn="ctr"/>
+            <a:r>
+              <a:rPr lang="en-US" sz="1200" dirty="0"/>
+              <a:t>The United States and China are leading the world in their total valuation of all companies in their countries. </a:t>
+            </a:r>
+          </a:p>
+        </p:txBody>
+      </p:sp>
+    </p:spTree>
+    <p:extLst>
+      <p:ext uri="{BB962C8B-B14F-4D97-AF65-F5344CB8AC3E}">
+        <p14:creationId xmlns:p14="http://schemas.microsoft.com/office/powerpoint/2010/main" val="1668830955"/>
+      </p:ext>
+    </p:extLst>
+  </p:cSld>
+  <p:clrMapOvr>
+    <a:masterClrMapping/>
+  </p:clrMapOvr>
+</p:sld>
+</file>
+
+<file path=ppt/slides/slide13.xml><?xml version="1.0" encoding="utf-8"?>
+<p:sld xmlns:a="http://schemas.openxmlformats.org/drawingml/2006/main" xmlns:r="http://schemas.openxmlformats.org/officeDocument/2006/relationships" xmlns:p="http://schemas.openxmlformats.org/presentationml/2006/main">
+  <p:cSld>
+    <p:spTree>
+      <p:nvGrpSpPr>
+        <p:cNvPr id="1" name=""/>
+        <p:cNvGrpSpPr/>
+        <p:nvPr/>
+      </p:nvGrpSpPr>
+      <p:grpSpPr>
+        <a:xfrm>
+          <a:off x="0" y="0"/>
+          <a:ext cx="0" cy="0"/>
+          <a:chOff x="0" y="0"/>
+          <a:chExt cx="0" cy="0"/>
+        </a:xfrm>
+      </p:grpSpPr>
+      <p:sp>
+        <p:nvSpPr>
+          <p:cNvPr id="2" name="Date Placeholder 1">
+            <a:extLst>
+              <a:ext uri="{FF2B5EF4-FFF2-40B4-BE49-F238E27FC236}">
+                <a16:creationId xmlns:a16="http://schemas.microsoft.com/office/drawing/2014/main" id="{DD98F4F0-852C-8680-6196-1C8D0B8F2175}"/>
+              </a:ext>
+            </a:extLst>
+          </p:cNvPr>
+          <p:cNvSpPr>
+            <a:spLocks noGrp="1"/>
+          </p:cNvSpPr>
+          <p:nvPr>
+            <p:ph type="dt" sz="half" idx="10"/>
+          </p:nvPr>
+        </p:nvSpPr>
+        <p:spPr/>
+        <p:txBody>
+          <a:bodyPr/>
+          <a:lstStyle/>
+          <a:p>
+            <a:fld id="{E0318DDB-88AC-4039-B59C-B05DC4C9C16C}" type="datetime1">
+              <a:rPr lang="en-US" smtClean="0"/>
+              <a:t>7/15/24</a:t>
+            </a:fld>
+            <a:endParaRPr lang="en-US"/>
+          </a:p>
+        </p:txBody>
+      </p:sp>
+      <p:sp>
+        <p:nvSpPr>
+          <p:cNvPr id="3" name="Footer Placeholder 2">
+            <a:extLst>
+              <a:ext uri="{FF2B5EF4-FFF2-40B4-BE49-F238E27FC236}">
+                <a16:creationId xmlns:a16="http://schemas.microsoft.com/office/drawing/2014/main" id="{8FABD6CA-CD93-EA09-61AB-4C185DEEBE15}"/>
+              </a:ext>
+            </a:extLst>
+          </p:cNvPr>
+          <p:cNvSpPr>
+            <a:spLocks noGrp="1"/>
+          </p:cNvSpPr>
+          <p:nvPr>
+            <p:ph type="ftr" sz="quarter" idx="11"/>
+          </p:nvPr>
+        </p:nvSpPr>
+        <p:spPr/>
+        <p:txBody>
+          <a:bodyPr/>
+          <a:lstStyle/>
+          <a:p>
+            <a:r>
+              <a:rPr lang="en-US" sz="2000" dirty="0"/>
+              <a:t>Total valuations</a:t>
+            </a:r>
+          </a:p>
+        </p:txBody>
+      </p:sp>
+      <p:sp>
+        <p:nvSpPr>
+          <p:cNvPr id="4" name="Slide Number Placeholder 3">
+            <a:extLst>
+              <a:ext uri="{FF2B5EF4-FFF2-40B4-BE49-F238E27FC236}">
+                <a16:creationId xmlns:a16="http://schemas.microsoft.com/office/drawing/2014/main" id="{DCF61CCA-AA79-6935-AFF1-22192E56CA4B}"/>
+              </a:ext>
+            </a:extLst>
+          </p:cNvPr>
+          <p:cNvSpPr>
+            <a:spLocks noGrp="1"/>
+          </p:cNvSpPr>
+          <p:nvPr>
+            <p:ph type="sldNum" sz="quarter" idx="12"/>
+          </p:nvPr>
+        </p:nvSpPr>
+        <p:spPr/>
+        <p:txBody>
+          <a:bodyPr/>
+          <a:lstStyle/>
+          <a:p>
+            <a:fld id="{81D2C36F-4504-47C0-B82F-A167342A2754}" type="slidenum">
+              <a:rPr lang="en-US" smtClean="0"/>
+              <a:t>13</a:t>
+            </a:fld>
+            <a:endParaRPr lang="en-US"/>
+          </a:p>
+        </p:txBody>
+      </p:sp>
+      <p:pic>
+        <p:nvPicPr>
+          <p:cNvPr id="6" name="Picture 5" descr="A graph of a graph with colored lines&#10;&#10;Description automatically generated with medium confidence">
+            <a:extLst>
+              <a:ext uri="{FF2B5EF4-FFF2-40B4-BE49-F238E27FC236}">
+                <a16:creationId xmlns:a16="http://schemas.microsoft.com/office/drawing/2014/main" id="{BF285D50-2659-AB3E-0B81-4176BFC5F8FF}"/>
+              </a:ext>
+            </a:extLst>
+          </p:cNvPr>
+          <p:cNvPicPr>
+            <a:picLocks noChangeAspect="1"/>
+          </p:cNvPicPr>
+          <p:nvPr/>
+        </p:nvPicPr>
+        <p:blipFill>
+          <a:blip r:embed="rId2"/>
+          <a:stretch>
+            <a:fillRect/>
+          </a:stretch>
+        </p:blipFill>
+        <p:spPr>
+          <a:xfrm>
+            <a:off x="1449658" y="597662"/>
+            <a:ext cx="7772400" cy="5181600"/>
+          </a:xfrm>
+          <a:prstGeom prst="rect">
+            <a:avLst/>
+          </a:prstGeom>
+        </p:spPr>
+      </p:pic>
+    </p:spTree>
+    <p:extLst>
+      <p:ext uri="{BB962C8B-B14F-4D97-AF65-F5344CB8AC3E}">
+        <p14:creationId xmlns:p14="http://schemas.microsoft.com/office/powerpoint/2010/main" val="3960742477"/>
+      </p:ext>
+    </p:extLst>
+  </p:cSld>
+  <p:clrMapOvr>
+    <a:masterClrMapping/>
+  </p:clrMapOvr>
+</p:sld>
+</file>
+
+<file path=ppt/slides/slide14.xml><?xml version="1.0" encoding="utf-8"?>
+<p:sld xmlns:a="http://schemas.openxmlformats.org/drawingml/2006/main" xmlns:r="http://schemas.openxmlformats.org/officeDocument/2006/relationships" xmlns:p="http://schemas.openxmlformats.org/presentationml/2006/main">
+  <p:cSld>
+    <p:spTree>
+      <p:nvGrpSpPr>
+        <p:cNvPr id="1" name=""/>
+        <p:cNvGrpSpPr/>
+        <p:nvPr/>
+      </p:nvGrpSpPr>
+      <p:grpSpPr>
+        <a:xfrm>
+          <a:off x="0" y="0"/>
+          <a:ext cx="0" cy="0"/>
+          <a:chOff x="0" y="0"/>
+          <a:chExt cx="0" cy="0"/>
+        </a:xfrm>
+      </p:grpSpPr>
+      <p:sp>
+        <p:nvSpPr>
+          <p:cNvPr id="2" name="Date Placeholder 1">
+            <a:extLst>
+              <a:ext uri="{FF2B5EF4-FFF2-40B4-BE49-F238E27FC236}">
+                <a16:creationId xmlns:a16="http://schemas.microsoft.com/office/drawing/2014/main" id="{E17AD82F-FB71-7F46-7F31-3FDD20F773FA}"/>
+              </a:ext>
+            </a:extLst>
+          </p:cNvPr>
+          <p:cNvSpPr>
+            <a:spLocks noGrp="1"/>
+          </p:cNvSpPr>
+          <p:nvPr>
+            <p:ph type="dt" sz="half" idx="10"/>
+          </p:nvPr>
+        </p:nvSpPr>
+        <p:spPr/>
+        <p:txBody>
+          <a:bodyPr/>
+          <a:lstStyle/>
+          <a:p>
+            <a:fld id="{E0318DDB-88AC-4039-B59C-B05DC4C9C16C}" type="datetime1">
+              <a:rPr lang="en-US" smtClean="0"/>
+              <a:t>7/15/24</a:t>
+            </a:fld>
+            <a:endParaRPr lang="en-US"/>
+          </a:p>
+        </p:txBody>
+      </p:sp>
+      <p:sp>
+        <p:nvSpPr>
+          <p:cNvPr id="3" name="Footer Placeholder 2">
+            <a:extLst>
+              <a:ext uri="{FF2B5EF4-FFF2-40B4-BE49-F238E27FC236}">
+                <a16:creationId xmlns:a16="http://schemas.microsoft.com/office/drawing/2014/main" id="{A81B217C-58E3-A60A-57D0-9E68FE088E5A}"/>
+              </a:ext>
+            </a:extLst>
+          </p:cNvPr>
+          <p:cNvSpPr>
+            <a:spLocks noGrp="1"/>
+          </p:cNvSpPr>
+          <p:nvPr>
+            <p:ph type="ftr" sz="quarter" idx="11"/>
+          </p:nvPr>
+        </p:nvSpPr>
+        <p:spPr/>
+        <p:txBody>
+          <a:bodyPr/>
+          <a:lstStyle/>
+          <a:p>
+            <a:r>
+              <a:rPr lang="en-US" sz="2000" dirty="0"/>
+              <a:t>Country vs industry</a:t>
+            </a:r>
+          </a:p>
+        </p:txBody>
+      </p:sp>
+      <p:sp>
+        <p:nvSpPr>
+          <p:cNvPr id="4" name="Slide Number Placeholder 3">
+            <a:extLst>
+              <a:ext uri="{FF2B5EF4-FFF2-40B4-BE49-F238E27FC236}">
+                <a16:creationId xmlns:a16="http://schemas.microsoft.com/office/drawing/2014/main" id="{0AC24976-BDF6-D616-AC26-18E9126C809E}"/>
+              </a:ext>
+            </a:extLst>
+          </p:cNvPr>
+          <p:cNvSpPr>
+            <a:spLocks noGrp="1"/>
+          </p:cNvSpPr>
+          <p:nvPr>
+            <p:ph type="sldNum" sz="quarter" idx="12"/>
+          </p:nvPr>
+        </p:nvSpPr>
+        <p:spPr/>
+        <p:txBody>
+          <a:bodyPr/>
+          <a:lstStyle/>
+          <a:p>
+            <a:fld id="{81D2C36F-4504-47C0-B82F-A167342A2754}" type="slidenum">
+              <a:rPr lang="en-US" smtClean="0"/>
+              <a:t>14</a:t>
+            </a:fld>
+            <a:endParaRPr lang="en-US"/>
+          </a:p>
+        </p:txBody>
+      </p:sp>
+      <p:pic>
+        <p:nvPicPr>
+          <p:cNvPr id="6" name="Picture 5" descr="A graph with different colored bars&#10;&#10;Description automatically generated">
+            <a:extLst>
+              <a:ext uri="{FF2B5EF4-FFF2-40B4-BE49-F238E27FC236}">
+                <a16:creationId xmlns:a16="http://schemas.microsoft.com/office/drawing/2014/main" id="{6CF6C512-076E-0EB4-7073-2CD8A70BA033}"/>
+              </a:ext>
+            </a:extLst>
+          </p:cNvPr>
+          <p:cNvPicPr>
+            <a:picLocks noChangeAspect="1"/>
+          </p:cNvPicPr>
+          <p:nvPr/>
+        </p:nvPicPr>
+        <p:blipFill>
+          <a:blip r:embed="rId2"/>
+          <a:stretch>
+            <a:fillRect/>
+          </a:stretch>
+        </p:blipFill>
+        <p:spPr>
+          <a:xfrm>
+            <a:off x="628652" y="615176"/>
+            <a:ext cx="7772400" cy="5181600"/>
+          </a:xfrm>
+          <a:prstGeom prst="rect">
+            <a:avLst/>
+          </a:prstGeom>
+        </p:spPr>
+      </p:pic>
+      <p:sp>
+        <p:nvSpPr>
+          <p:cNvPr id="8" name="TextBox 7">
+            <a:extLst>
+              <a:ext uri="{FF2B5EF4-FFF2-40B4-BE49-F238E27FC236}">
+                <a16:creationId xmlns:a16="http://schemas.microsoft.com/office/drawing/2014/main" id="{B69739D7-7A44-77D6-6123-2F242FE58D13}"/>
+              </a:ext>
+            </a:extLst>
+          </p:cNvPr>
+          <p:cNvSpPr txBox="1"/>
+          <p:nvPr/>
+        </p:nvSpPr>
+        <p:spPr>
+          <a:xfrm>
+            <a:off x="8920001" y="2698144"/>
+            <a:ext cx="1382751" cy="1015663"/>
+          </a:xfrm>
+          <a:prstGeom prst="rect">
+            <a:avLst/>
+          </a:prstGeom>
+          <a:noFill/>
+        </p:spPr>
+        <p:txBody>
+          <a:bodyPr wrap="square" rtlCol="0">
+            <a:spAutoFit/>
+          </a:bodyPr>
+          <a:lstStyle/>
+          <a:p>
+            <a:pPr algn="ctr"/>
+            <a:r>
+              <a:rPr lang="en-US" sz="1000" dirty="0"/>
+              <a:t>The United States is also leading in the number of unicorn companies at 397 as China is next with 66 companies.</a:t>
+            </a:r>
+          </a:p>
+        </p:txBody>
+      </p:sp>
+    </p:spTree>
+    <p:extLst>
+      <p:ext uri="{BB962C8B-B14F-4D97-AF65-F5344CB8AC3E}">
+        <p14:creationId xmlns:p14="http://schemas.microsoft.com/office/powerpoint/2010/main" val="1951129719"/>
+      </p:ext>
+    </p:extLst>
+  </p:cSld>
+  <p:clrMapOvr>
+    <a:masterClrMapping/>
+  </p:clrMapOvr>
+</p:sld>
+</file>
+
+<file path=ppt/slides/slide15.xml><?xml version="1.0" encoding="utf-8"?>
+<p:sld xmlns:a="http://schemas.openxmlformats.org/drawingml/2006/main" xmlns:r="http://schemas.openxmlformats.org/officeDocument/2006/relationships" xmlns:p="http://schemas.openxmlformats.org/presentationml/2006/main">
+  <p:cSld>
+    <p:spTree>
+      <p:nvGrpSpPr>
+        <p:cNvPr id="1" name=""/>
+        <p:cNvGrpSpPr/>
+        <p:nvPr/>
+      </p:nvGrpSpPr>
+      <p:grpSpPr>
+        <a:xfrm>
+          <a:off x="0" y="0"/>
+          <a:ext cx="0" cy="0"/>
+          <a:chOff x="0" y="0"/>
+          <a:chExt cx="0" cy="0"/>
+        </a:xfrm>
+      </p:grpSpPr>
+      <p:sp>
+        <p:nvSpPr>
+          <p:cNvPr id="2" name="Date Placeholder 1">
+            <a:extLst>
+              <a:ext uri="{FF2B5EF4-FFF2-40B4-BE49-F238E27FC236}">
+                <a16:creationId xmlns:a16="http://schemas.microsoft.com/office/drawing/2014/main" id="{0D4F317B-0AA5-399B-33C3-09D549C80118}"/>
+              </a:ext>
+            </a:extLst>
+          </p:cNvPr>
+          <p:cNvSpPr>
+            <a:spLocks noGrp="1"/>
+          </p:cNvSpPr>
+          <p:nvPr>
+            <p:ph type="dt" sz="half" idx="10"/>
+          </p:nvPr>
+        </p:nvSpPr>
+        <p:spPr/>
+        <p:txBody>
+          <a:bodyPr/>
+          <a:lstStyle/>
+          <a:p>
+            <a:fld id="{E0318DDB-88AC-4039-B59C-B05DC4C9C16C}" type="datetime1">
+              <a:rPr lang="en-US" smtClean="0"/>
+              <a:t>7/15/24</a:t>
+            </a:fld>
+            <a:endParaRPr lang="en-US"/>
+          </a:p>
+        </p:txBody>
+      </p:sp>
+      <p:sp>
+        <p:nvSpPr>
+          <p:cNvPr id="3" name="Footer Placeholder 2">
+            <a:extLst>
+              <a:ext uri="{FF2B5EF4-FFF2-40B4-BE49-F238E27FC236}">
+                <a16:creationId xmlns:a16="http://schemas.microsoft.com/office/drawing/2014/main" id="{EF7DD794-3A27-3522-3301-7B31C829C6DE}"/>
+              </a:ext>
+            </a:extLst>
+          </p:cNvPr>
+          <p:cNvSpPr>
+            <a:spLocks noGrp="1"/>
+          </p:cNvSpPr>
+          <p:nvPr>
+            <p:ph type="ftr" sz="quarter" idx="11"/>
+          </p:nvPr>
+        </p:nvSpPr>
+        <p:spPr/>
+        <p:txBody>
+          <a:bodyPr/>
+          <a:lstStyle/>
+          <a:p>
+            <a:r>
+              <a:rPr lang="en-US" sz="2000" dirty="0"/>
+              <a:t>Country vs industry</a:t>
+            </a:r>
+          </a:p>
+        </p:txBody>
+      </p:sp>
+      <p:sp>
+        <p:nvSpPr>
+          <p:cNvPr id="4" name="Slide Number Placeholder 3">
+            <a:extLst>
+              <a:ext uri="{FF2B5EF4-FFF2-40B4-BE49-F238E27FC236}">
+                <a16:creationId xmlns:a16="http://schemas.microsoft.com/office/drawing/2014/main" id="{DB6FB32E-BBA5-5A81-16D2-1CAC99897B2C}"/>
+              </a:ext>
+            </a:extLst>
+          </p:cNvPr>
+          <p:cNvSpPr>
+            <a:spLocks noGrp="1"/>
+          </p:cNvSpPr>
+          <p:nvPr>
+            <p:ph type="sldNum" sz="quarter" idx="12"/>
+          </p:nvPr>
+        </p:nvSpPr>
+        <p:spPr/>
+        <p:txBody>
+          <a:bodyPr/>
+          <a:lstStyle/>
+          <a:p>
+            <a:fld id="{81D2C36F-4504-47C0-B82F-A167342A2754}" type="slidenum">
+              <a:rPr lang="en-US" smtClean="0"/>
+              <a:t>15</a:t>
+            </a:fld>
+            <a:endParaRPr lang="en-US"/>
+          </a:p>
+        </p:txBody>
+      </p:sp>
+      <p:pic>
+        <p:nvPicPr>
+          <p:cNvPr id="6" name="Picture 5" descr="A screenshot of a graph&#10;&#10;Description automatically generated">
+            <a:extLst>
+              <a:ext uri="{FF2B5EF4-FFF2-40B4-BE49-F238E27FC236}">
+                <a16:creationId xmlns:a16="http://schemas.microsoft.com/office/drawing/2014/main" id="{6D9007BD-6A77-DF59-660E-6A7632F03C89}"/>
+              </a:ext>
+            </a:extLst>
+          </p:cNvPr>
+          <p:cNvPicPr>
+            <a:picLocks noChangeAspect="1"/>
+          </p:cNvPicPr>
+          <p:nvPr/>
+        </p:nvPicPr>
+        <p:blipFill>
+          <a:blip r:embed="rId2"/>
+          <a:stretch>
+            <a:fillRect/>
+          </a:stretch>
+        </p:blipFill>
+        <p:spPr>
+          <a:xfrm>
+            <a:off x="1767079" y="625628"/>
+            <a:ext cx="7744911" cy="5163274"/>
+          </a:xfrm>
+          <a:prstGeom prst="rect">
+            <a:avLst/>
+          </a:prstGeom>
+        </p:spPr>
+      </p:pic>
+    </p:spTree>
+    <p:extLst>
+      <p:ext uri="{BB962C8B-B14F-4D97-AF65-F5344CB8AC3E}">
+        <p14:creationId xmlns:p14="http://schemas.microsoft.com/office/powerpoint/2010/main" val="3487780638"/>
+      </p:ext>
+    </p:extLst>
+  </p:cSld>
+  <p:clrMapOvr>
+    <a:masterClrMapping/>
+  </p:clrMapOvr>
+</p:sld>
+</file>
+
+<file path=ppt/slides/slide16.xml><?xml version="1.0" encoding="utf-8"?>
+<p:sld xmlns:a="http://schemas.openxmlformats.org/drawingml/2006/main" xmlns:r="http://schemas.openxmlformats.org/officeDocument/2006/relationships" xmlns:p="http://schemas.openxmlformats.org/presentationml/2006/main">
+  <p:cSld>
+    <p:spTree>
+      <p:nvGrpSpPr>
+        <p:cNvPr id="1" name=""/>
+        <p:cNvGrpSpPr/>
+        <p:nvPr/>
+      </p:nvGrpSpPr>
+      <p:grpSpPr>
+        <a:xfrm>
+          <a:off x="0" y="0"/>
+          <a:ext cx="0" cy="0"/>
+          <a:chOff x="0" y="0"/>
+          <a:chExt cx="0" cy="0"/>
+        </a:xfrm>
+      </p:grpSpPr>
+      <p:sp>
+        <p:nvSpPr>
+          <p:cNvPr id="2" name="Date Placeholder 1">
+            <a:extLst>
+              <a:ext uri="{FF2B5EF4-FFF2-40B4-BE49-F238E27FC236}">
+                <a16:creationId xmlns:a16="http://schemas.microsoft.com/office/drawing/2014/main" id="{A47F981B-59FC-9363-BEAB-94EE60BEC4A7}"/>
+              </a:ext>
+            </a:extLst>
+          </p:cNvPr>
+          <p:cNvSpPr>
+            <a:spLocks noGrp="1"/>
+          </p:cNvSpPr>
+          <p:nvPr>
+            <p:ph type="dt" sz="half" idx="10"/>
+          </p:nvPr>
+        </p:nvSpPr>
+        <p:spPr/>
+        <p:txBody>
+          <a:bodyPr/>
+          <a:lstStyle/>
+          <a:p>
+            <a:fld id="{E0318DDB-88AC-4039-B59C-B05DC4C9C16C}" type="datetime1">
+              <a:rPr lang="en-US" smtClean="0"/>
+              <a:t>7/15/24</a:t>
+            </a:fld>
+            <a:endParaRPr lang="en-US"/>
+          </a:p>
+        </p:txBody>
+      </p:sp>
+      <p:sp>
+        <p:nvSpPr>
+          <p:cNvPr id="3" name="Footer Placeholder 2">
+            <a:extLst>
+              <a:ext uri="{FF2B5EF4-FFF2-40B4-BE49-F238E27FC236}">
+                <a16:creationId xmlns:a16="http://schemas.microsoft.com/office/drawing/2014/main" id="{B7FB764E-529E-0A5B-A434-DD6A652CE0F7}"/>
+              </a:ext>
+            </a:extLst>
+          </p:cNvPr>
+          <p:cNvSpPr>
+            <a:spLocks noGrp="1"/>
+          </p:cNvSpPr>
+          <p:nvPr>
+            <p:ph type="ftr" sz="quarter" idx="11"/>
+          </p:nvPr>
+        </p:nvSpPr>
+        <p:spPr/>
+        <p:txBody>
+          <a:bodyPr/>
+          <a:lstStyle/>
+          <a:p>
+            <a:endParaRPr lang="en-US"/>
+          </a:p>
+        </p:txBody>
+      </p:sp>
+      <p:sp>
+        <p:nvSpPr>
+          <p:cNvPr id="4" name="Slide Number Placeholder 3">
+            <a:extLst>
+              <a:ext uri="{FF2B5EF4-FFF2-40B4-BE49-F238E27FC236}">
+                <a16:creationId xmlns:a16="http://schemas.microsoft.com/office/drawing/2014/main" id="{A542DD41-D3D2-682D-1EF0-0045434B1F26}"/>
+              </a:ext>
+            </a:extLst>
+          </p:cNvPr>
+          <p:cNvSpPr>
+            <a:spLocks noGrp="1"/>
+          </p:cNvSpPr>
+          <p:nvPr>
+            <p:ph type="sldNum" sz="quarter" idx="12"/>
+          </p:nvPr>
+        </p:nvSpPr>
+        <p:spPr/>
+        <p:txBody>
+          <a:bodyPr/>
+          <a:lstStyle/>
+          <a:p>
+            <a:fld id="{81D2C36F-4504-47C0-B82F-A167342A2754}" type="slidenum">
+              <a:rPr lang="en-US" smtClean="0"/>
+              <a:t>16</a:t>
+            </a:fld>
+            <a:endParaRPr lang="en-US"/>
+          </a:p>
+        </p:txBody>
+      </p:sp>
+      <p:pic>
+        <p:nvPicPr>
+          <p:cNvPr id="6" name="Picture 5" descr="A graph of a graph with numbers and text&#10;&#10;Description automatically generated with medium confidence">
+            <a:extLst>
+              <a:ext uri="{FF2B5EF4-FFF2-40B4-BE49-F238E27FC236}">
+                <a16:creationId xmlns:a16="http://schemas.microsoft.com/office/drawing/2014/main" id="{F0A43ED1-B265-CB46-3DAB-E1C2CE72BE7F}"/>
+              </a:ext>
+            </a:extLst>
+          </p:cNvPr>
+          <p:cNvPicPr>
+            <a:picLocks noChangeAspect="1"/>
+          </p:cNvPicPr>
+          <p:nvPr/>
+        </p:nvPicPr>
+        <p:blipFill>
+          <a:blip r:embed="rId2"/>
+          <a:stretch>
+            <a:fillRect/>
+          </a:stretch>
+        </p:blipFill>
+        <p:spPr>
+          <a:xfrm>
+            <a:off x="512803" y="1190934"/>
+            <a:ext cx="7838226" cy="3919113"/>
+          </a:xfrm>
+          <a:prstGeom prst="rect">
+            <a:avLst/>
+          </a:prstGeom>
+        </p:spPr>
+      </p:pic>
+      <p:sp>
+        <p:nvSpPr>
+          <p:cNvPr id="8" name="TextBox 7">
+            <a:extLst>
+              <a:ext uri="{FF2B5EF4-FFF2-40B4-BE49-F238E27FC236}">
+                <a16:creationId xmlns:a16="http://schemas.microsoft.com/office/drawing/2014/main" id="{F98B1637-6B4A-9EDE-B2A2-3E5E6E3C373C}"/>
+              </a:ext>
+            </a:extLst>
+          </p:cNvPr>
+          <p:cNvSpPr txBox="1"/>
+          <p:nvPr/>
+        </p:nvSpPr>
+        <p:spPr>
+          <a:xfrm>
+            <a:off x="8586439" y="2411826"/>
+            <a:ext cx="1694985" cy="1477328"/>
+          </a:xfrm>
+          <a:prstGeom prst="rect">
+            <a:avLst/>
+          </a:prstGeom>
+          <a:noFill/>
+        </p:spPr>
+        <p:txBody>
+          <a:bodyPr wrap="square" rtlCol="0">
+            <a:spAutoFit/>
+          </a:bodyPr>
+          <a:lstStyle/>
+          <a:p>
+            <a:pPr algn="ctr"/>
+            <a:r>
+              <a:rPr lang="en-US" sz="1000" dirty="0"/>
+              <a:t>From a total of 1189 select investors, Accel has invested the most, in 62 companies. Accel has invested mainly in internet software &amp; services. Other industries include cybersecurity, artificial intelligence,  health, hardware, and more.</a:t>
+            </a:r>
+          </a:p>
+        </p:txBody>
+      </p:sp>
+    </p:spTree>
+    <p:extLst>
+      <p:ext uri="{BB962C8B-B14F-4D97-AF65-F5344CB8AC3E}">
+        <p14:creationId xmlns:p14="http://schemas.microsoft.com/office/powerpoint/2010/main" val="1535627098"/>
+      </p:ext>
+    </p:extLst>
+  </p:cSld>
+  <p:clrMapOvr>
+    <a:masterClrMapping/>
+  </p:clrMapOvr>
+</p:sld>
+</file>
+
+<file path=ppt/slides/slide17.xml><?xml version="1.0" encoding="utf-8"?>
+<p:sld xmlns:a="http://schemas.openxmlformats.org/drawingml/2006/main" xmlns:r="http://schemas.openxmlformats.org/officeDocument/2006/relationships" xmlns:p="http://schemas.openxmlformats.org/presentationml/2006/main">
+  <p:cSld>
+    <p:spTree>
+      <p:nvGrpSpPr>
+        <p:cNvPr id="1" name=""/>
+        <p:cNvGrpSpPr/>
+        <p:nvPr/>
+      </p:nvGrpSpPr>
+      <p:grpSpPr>
+        <a:xfrm>
+          <a:off x="0" y="0"/>
+          <a:ext cx="0" cy="0"/>
+          <a:chOff x="0" y="0"/>
+          <a:chExt cx="0" cy="0"/>
+        </a:xfrm>
+      </p:grpSpPr>
+      <p:sp>
+        <p:nvSpPr>
+          <p:cNvPr id="2" name="Date Placeholder 1">
+            <a:extLst>
+              <a:ext uri="{FF2B5EF4-FFF2-40B4-BE49-F238E27FC236}">
+                <a16:creationId xmlns:a16="http://schemas.microsoft.com/office/drawing/2014/main" id="{2057B4EC-A9FC-9F11-0382-3F7DCF05BEFC}"/>
+              </a:ext>
+            </a:extLst>
+          </p:cNvPr>
+          <p:cNvSpPr>
+            <a:spLocks noGrp="1"/>
+          </p:cNvSpPr>
+          <p:nvPr>
+            <p:ph type="dt" sz="half" idx="10"/>
+          </p:nvPr>
+        </p:nvSpPr>
+        <p:spPr/>
+        <p:txBody>
+          <a:bodyPr/>
+          <a:lstStyle/>
+          <a:p>
+            <a:r>
+              <a:rPr lang="en-US" dirty="0"/>
+              <a:t>SOURCES IN APPENDIX</a:t>
+            </a:r>
+          </a:p>
+        </p:txBody>
+      </p:sp>
+      <p:sp>
+        <p:nvSpPr>
+          <p:cNvPr id="3" name="Footer Placeholder 2">
+            <a:extLst>
+              <a:ext uri="{FF2B5EF4-FFF2-40B4-BE49-F238E27FC236}">
+                <a16:creationId xmlns:a16="http://schemas.microsoft.com/office/drawing/2014/main" id="{BCBF9281-1C29-F707-BB8C-C2C70A32D511}"/>
+              </a:ext>
+            </a:extLst>
+          </p:cNvPr>
+          <p:cNvSpPr>
+            <a:spLocks noGrp="1"/>
+          </p:cNvSpPr>
+          <p:nvPr>
+            <p:ph type="ftr" sz="quarter" idx="11"/>
+          </p:nvPr>
+        </p:nvSpPr>
+        <p:spPr/>
+        <p:txBody>
+          <a:bodyPr/>
+          <a:lstStyle/>
+          <a:p>
+            <a:r>
+              <a:rPr lang="en-US" sz="2400" dirty="0"/>
+              <a:t>OBSERVATIONS</a:t>
+            </a:r>
+          </a:p>
+        </p:txBody>
+      </p:sp>
+      <p:sp>
+        <p:nvSpPr>
+          <p:cNvPr id="4" name="Slide Number Placeholder 3">
+            <a:extLst>
+              <a:ext uri="{FF2B5EF4-FFF2-40B4-BE49-F238E27FC236}">
+                <a16:creationId xmlns:a16="http://schemas.microsoft.com/office/drawing/2014/main" id="{60B090CC-CB4F-8AD9-B960-E4A4B7FFA54D}"/>
+              </a:ext>
+            </a:extLst>
+          </p:cNvPr>
+          <p:cNvSpPr>
+            <a:spLocks noGrp="1"/>
+          </p:cNvSpPr>
+          <p:nvPr>
+            <p:ph type="sldNum" sz="quarter" idx="12"/>
+          </p:nvPr>
+        </p:nvSpPr>
+        <p:spPr/>
+        <p:txBody>
+          <a:bodyPr/>
+          <a:lstStyle/>
+          <a:p>
+            <a:fld id="{81D2C36F-4504-47C0-B82F-A167342A2754}" type="slidenum">
+              <a:rPr lang="en-US" smtClean="0"/>
+              <a:t>17</a:t>
+            </a:fld>
+            <a:endParaRPr lang="en-US"/>
+          </a:p>
+        </p:txBody>
+      </p:sp>
+      <p:sp>
+        <p:nvSpPr>
+          <p:cNvPr id="5" name="TextBox 4">
+            <a:extLst>
+              <a:ext uri="{FF2B5EF4-FFF2-40B4-BE49-F238E27FC236}">
+                <a16:creationId xmlns:a16="http://schemas.microsoft.com/office/drawing/2014/main" id="{C45815B2-5CA8-0CAF-3550-33B222DA7881}"/>
+              </a:ext>
+            </a:extLst>
+          </p:cNvPr>
+          <p:cNvSpPr txBox="1"/>
+          <p:nvPr/>
+        </p:nvSpPr>
+        <p:spPr>
+          <a:xfrm>
+            <a:off x="718475" y="430621"/>
+            <a:ext cx="8644858" cy="5632311"/>
+          </a:xfrm>
+          <a:prstGeom prst="rect">
+            <a:avLst/>
+          </a:prstGeom>
+          <a:noFill/>
+        </p:spPr>
+        <p:txBody>
+          <a:bodyPr wrap="square" rtlCol="0">
+            <a:spAutoFit/>
+          </a:bodyPr>
+          <a:lstStyle/>
+          <a:p>
+            <a:r>
+              <a:rPr lang="en-US" b="1" dirty="0"/>
+              <a:t>Valuation Trends</a:t>
+            </a:r>
+            <a:r>
+              <a:rPr lang="en-US" dirty="0"/>
+              <a:t>:</a:t>
+            </a:r>
+          </a:p>
+          <a:p>
+            <a:pPr>
+              <a:buFont typeface="Arial" panose="020B0604020202020204" pitchFamily="34" charset="0"/>
+              <a:buChar char="•"/>
+            </a:pPr>
+            <a:r>
+              <a:rPr lang="en-US" dirty="0"/>
+              <a:t>Significant growth is observed in companies within the Artificial Intelligence and Other industries from 2022 to 2024, while industries like E-commerce &amp; Direct-to-Consumer and Edtech have shown notable declines over the same period.</a:t>
+            </a:r>
+          </a:p>
+          <a:p>
+            <a:r>
+              <a:rPr lang="en-US" b="1" dirty="0"/>
+              <a:t>Geographic Distribution</a:t>
+            </a:r>
+            <a:r>
+              <a:rPr lang="en-US" dirty="0"/>
+              <a:t>:</a:t>
+            </a:r>
+          </a:p>
+          <a:p>
+            <a:pPr>
+              <a:buFont typeface="Arial" panose="020B0604020202020204" pitchFamily="34" charset="0"/>
+              <a:buChar char="•"/>
+            </a:pPr>
+            <a:r>
+              <a:rPr lang="en-US" dirty="0"/>
+              <a:t>The dataset includes companies from diverse geographic locations, with a significant presence in the United States and China. Notable cities with high valuation companies include San Francisco, Beijing, and Shenzhen.</a:t>
+            </a:r>
+          </a:p>
+          <a:p>
+            <a:r>
+              <a:rPr lang="en-US" b="1" dirty="0"/>
+              <a:t>Date of Joining</a:t>
+            </a:r>
+            <a:r>
+              <a:rPr lang="en-US" dirty="0"/>
+              <a:t>:</a:t>
+            </a:r>
+          </a:p>
+          <a:p>
+            <a:pPr>
+              <a:buFont typeface="Arial" panose="020B0604020202020204" pitchFamily="34" charset="0"/>
+              <a:buChar char="•"/>
+            </a:pPr>
+            <a:r>
+              <a:rPr lang="en-US" dirty="0"/>
+              <a:t>A noticeable trend is the influx of high-valuation companies joining around the years 2017 and 2018, indicating a peak period for startup formations and investments.</a:t>
+            </a:r>
+          </a:p>
+          <a:p>
+            <a:r>
+              <a:rPr lang="en-US" b="1" dirty="0"/>
+              <a:t>Industry Distribution</a:t>
+            </a:r>
+            <a:r>
+              <a:rPr lang="en-US" dirty="0"/>
+              <a:t>:</a:t>
+            </a:r>
+          </a:p>
+          <a:p>
+            <a:pPr>
+              <a:buFont typeface="Arial" panose="020B0604020202020204" pitchFamily="34" charset="0"/>
+              <a:buChar char="•"/>
+            </a:pPr>
+            <a:r>
+              <a:rPr lang="en-US" dirty="0"/>
+              <a:t>The dataset is well-represented across various industries, with a strong emphasis on emerging sectors such as Artificial Intelligence, Data Management &amp; Analytics, and Internet Software &amp; Services, indicating a focus on technology-driven growth.</a:t>
+            </a:r>
+          </a:p>
+          <a:p>
+            <a:r>
+              <a:rPr lang="en-US" b="1" dirty="0"/>
+              <a:t>Investor Influence</a:t>
+            </a:r>
+            <a:r>
+              <a:rPr lang="en-US" dirty="0"/>
+              <a:t>:</a:t>
+            </a:r>
+          </a:p>
+          <a:p>
+            <a:pPr>
+              <a:buFont typeface="Arial" panose="020B0604020202020204" pitchFamily="34" charset="0"/>
+              <a:buChar char="•"/>
+            </a:pPr>
+            <a:r>
+              <a:rPr lang="en-US" dirty="0"/>
+              <a:t>Prominent investors like Sequoia Capital, Tiger Global Management, and Andreessen Horowitz are recurrently mentioned, highlighting their significant role in funding and supporting high-valuation startups across multiple industries.</a:t>
+            </a:r>
+          </a:p>
+          <a:p>
+            <a:endParaRPr lang="en-US" dirty="0"/>
+          </a:p>
+        </p:txBody>
+      </p:sp>
+      <p:pic>
+        <p:nvPicPr>
+          <p:cNvPr id="6" name="Graphic 5" descr="Unicorn outline">
+            <a:extLst>
+              <a:ext uri="{FF2B5EF4-FFF2-40B4-BE49-F238E27FC236}">
+                <a16:creationId xmlns:a16="http://schemas.microsoft.com/office/drawing/2014/main" id="{D8B59B3A-FD1B-E35C-38F7-650F2B1B36F2}"/>
+              </a:ext>
+            </a:extLst>
+          </p:cNvPr>
+          <p:cNvPicPr>
+            <a:picLocks noChangeAspect="1"/>
+          </p:cNvPicPr>
+          <p:nvPr/>
+        </p:nvPicPr>
+        <p:blipFill>
+          <a:blip r:embed="rId2">
+            <a:extLst>
+              <a:ext uri="{96DAC541-7B7A-43D3-8B79-37D633B846F1}">
+                <asvg:svgBlip xmlns:asvg="http://schemas.microsoft.com/office/drawing/2016/SVG/main" r:embed="rId3"/>
+              </a:ext>
+            </a:extLst>
+          </a:blip>
+          <a:stretch>
+            <a:fillRect/>
+          </a:stretch>
+        </p:blipFill>
+        <p:spPr>
+          <a:xfrm>
+            <a:off x="11021482" y="5120360"/>
+            <a:ext cx="552346" cy="552346"/>
+          </a:xfrm>
+          <a:prstGeom prst="rect">
+            <a:avLst/>
+          </a:prstGeom>
+        </p:spPr>
+      </p:pic>
+    </p:spTree>
+    <p:extLst>
+      <p:ext uri="{BB962C8B-B14F-4D97-AF65-F5344CB8AC3E}">
+        <p14:creationId xmlns:p14="http://schemas.microsoft.com/office/powerpoint/2010/main" val="4153962363"/>
+      </p:ext>
+    </p:extLst>
+  </p:cSld>
+  <p:clrMapOvr>
+    <a:masterClrMapping/>
+  </p:clrMapOvr>
+</p:sld>
+</file>
+
+<file path=ppt/slides/slide18.xml><?xml version="1.0" encoding="utf-8"?>
+<p:sld xmlns:a="http://schemas.openxmlformats.org/drawingml/2006/main" xmlns:r="http://schemas.openxmlformats.org/officeDocument/2006/relationships" xmlns:p="http://schemas.openxmlformats.org/presentationml/2006/main">
+  <p:cSld>
+    <p:spTree>
+      <p:nvGrpSpPr>
+        <p:cNvPr id="1" name=""/>
+        <p:cNvGrpSpPr/>
+        <p:nvPr/>
+      </p:nvGrpSpPr>
+      <p:grpSpPr>
+        <a:xfrm>
+          <a:off x="0" y="0"/>
+          <a:ext cx="0" cy="0"/>
+          <a:chOff x="0" y="0"/>
+          <a:chExt cx="0" cy="0"/>
+        </a:xfrm>
+      </p:grpSpPr>
+      <p:sp>
+        <p:nvSpPr>
+          <p:cNvPr id="2" name="Date Placeholder 1">
+            <a:extLst>
+              <a:ext uri="{FF2B5EF4-FFF2-40B4-BE49-F238E27FC236}">
+                <a16:creationId xmlns:a16="http://schemas.microsoft.com/office/drawing/2014/main" id="{66B1ECA5-644F-AF76-C9EE-9056A48E1162}"/>
+              </a:ext>
+            </a:extLst>
+          </p:cNvPr>
+          <p:cNvSpPr>
+            <a:spLocks noGrp="1"/>
+          </p:cNvSpPr>
+          <p:nvPr>
+            <p:ph type="dt" sz="half" idx="10"/>
+          </p:nvPr>
+        </p:nvSpPr>
+        <p:spPr/>
+        <p:txBody>
+          <a:bodyPr/>
+          <a:lstStyle/>
+          <a:p>
+            <a:fld id="{E0318DDB-88AC-4039-B59C-B05DC4C9C16C}" type="datetime1">
+              <a:rPr lang="en-US" smtClean="0"/>
+              <a:t>7/15/24</a:t>
+            </a:fld>
+            <a:endParaRPr lang="en-US" dirty="0"/>
+          </a:p>
+        </p:txBody>
+      </p:sp>
+      <p:sp>
+        <p:nvSpPr>
+          <p:cNvPr id="4" name="Slide Number Placeholder 3">
+            <a:extLst>
+              <a:ext uri="{FF2B5EF4-FFF2-40B4-BE49-F238E27FC236}">
+                <a16:creationId xmlns:a16="http://schemas.microsoft.com/office/drawing/2014/main" id="{137CC4E6-D852-3907-100A-AA924CEB085C}"/>
+              </a:ext>
+            </a:extLst>
+          </p:cNvPr>
+          <p:cNvSpPr>
+            <a:spLocks noGrp="1"/>
+          </p:cNvSpPr>
+          <p:nvPr>
+            <p:ph type="sldNum" sz="quarter" idx="12"/>
+          </p:nvPr>
+        </p:nvSpPr>
+        <p:spPr/>
+        <p:txBody>
+          <a:bodyPr/>
+          <a:lstStyle/>
+          <a:p>
+            <a:fld id="{81D2C36F-4504-47C0-B82F-A167342A2754}" type="slidenum">
+              <a:rPr lang="en-US" smtClean="0"/>
+              <a:t>18</a:t>
+            </a:fld>
+            <a:endParaRPr lang="en-US"/>
+          </a:p>
+        </p:txBody>
+      </p:sp>
+      <p:sp>
+        <p:nvSpPr>
+          <p:cNvPr id="6" name="TextBox 5">
+            <a:extLst>
+              <a:ext uri="{FF2B5EF4-FFF2-40B4-BE49-F238E27FC236}">
+                <a16:creationId xmlns:a16="http://schemas.microsoft.com/office/drawing/2014/main" id="{0A280019-26DA-862A-0FB3-5E66E674A86C}"/>
+              </a:ext>
+            </a:extLst>
+          </p:cNvPr>
+          <p:cNvSpPr txBox="1"/>
+          <p:nvPr/>
+        </p:nvSpPr>
+        <p:spPr>
+          <a:xfrm>
+            <a:off x="628652" y="906839"/>
+            <a:ext cx="9709148" cy="3139321"/>
+          </a:xfrm>
+          <a:prstGeom prst="rect">
+            <a:avLst/>
+          </a:prstGeom>
+          <a:noFill/>
+        </p:spPr>
+        <p:txBody>
+          <a:bodyPr wrap="square" rtlCol="0">
+            <a:spAutoFit/>
+          </a:bodyPr>
+          <a:lstStyle/>
+          <a:p>
+            <a:r>
+              <a:rPr lang="en-US" dirty="0"/>
+              <a:t>Data Set Sources: </a:t>
+            </a:r>
+          </a:p>
+          <a:p>
+            <a:endParaRPr lang="en-US" dirty="0"/>
+          </a:p>
+          <a:p>
+            <a:r>
+              <a:rPr lang="en-US" dirty="0"/>
+              <a:t>CB Insights:</a:t>
+            </a:r>
+          </a:p>
+          <a:p>
+            <a:r>
+              <a:rPr lang="en-US" dirty="0"/>
+              <a:t> </a:t>
+            </a:r>
+          </a:p>
+          <a:p>
+            <a:r>
+              <a:rPr lang="en-US" dirty="0"/>
+              <a:t>	- https://</a:t>
+            </a:r>
+            <a:r>
+              <a:rPr lang="en-US" dirty="0" err="1"/>
+              <a:t>www.cbinsights.com</a:t>
+            </a:r>
+            <a:r>
+              <a:rPr lang="en-US" dirty="0"/>
+              <a:t>/research-unicorn-companies</a:t>
+            </a:r>
+          </a:p>
+          <a:p>
+            <a:endParaRPr lang="en-US" dirty="0"/>
+          </a:p>
+          <a:p>
+            <a:r>
+              <a:rPr lang="en-US" dirty="0"/>
+              <a:t>Kaggle: </a:t>
+            </a:r>
+          </a:p>
+          <a:p>
+            <a:endParaRPr lang="en-US" dirty="0"/>
+          </a:p>
+          <a:p>
+            <a:r>
+              <a:rPr lang="en-US" dirty="0"/>
+              <a:t>	- https://</a:t>
+            </a:r>
+            <a:r>
+              <a:rPr lang="en-US" dirty="0" err="1"/>
+              <a:t>www.kaggle.com</a:t>
+            </a:r>
+            <a:r>
+              <a:rPr lang="en-US" dirty="0"/>
+              <a:t>/datasets/</a:t>
+            </a:r>
+            <a:r>
+              <a:rPr lang="en-US" dirty="0" err="1"/>
+              <a:t>tahzeer</a:t>
+            </a:r>
+            <a:r>
+              <a:rPr lang="en-US" dirty="0"/>
+              <a:t>/unicorn-startup-companies-july-2023</a:t>
+            </a:r>
+          </a:p>
+          <a:p>
+            <a:r>
+              <a:rPr lang="en-US" dirty="0"/>
+              <a:t>	- https://</a:t>
+            </a:r>
+            <a:r>
+              <a:rPr lang="en-US" dirty="0" err="1"/>
+              <a:t>www.kaggle.com</a:t>
+            </a:r>
+            <a:r>
+              <a:rPr lang="en-US" dirty="0"/>
+              <a:t>/datasets/</a:t>
+            </a:r>
+            <a:r>
+              <a:rPr lang="en-US" dirty="0" err="1"/>
+              <a:t>ramjasmaurya</a:t>
+            </a:r>
+            <a:r>
+              <a:rPr lang="en-US" dirty="0"/>
+              <a:t>/unicorn-startups</a:t>
+            </a:r>
+          </a:p>
+          <a:p>
+            <a:r>
+              <a:rPr lang="en-US" dirty="0"/>
+              <a:t> </a:t>
+            </a:r>
+          </a:p>
+        </p:txBody>
+      </p:sp>
+      <p:sp>
+        <p:nvSpPr>
+          <p:cNvPr id="7" name="TextBox 6">
+            <a:extLst>
+              <a:ext uri="{FF2B5EF4-FFF2-40B4-BE49-F238E27FC236}">
+                <a16:creationId xmlns:a16="http://schemas.microsoft.com/office/drawing/2014/main" id="{63D999B6-05AF-5AD3-9B80-35582EBD3205}"/>
+              </a:ext>
+            </a:extLst>
+          </p:cNvPr>
+          <p:cNvSpPr txBox="1"/>
+          <p:nvPr/>
+        </p:nvSpPr>
+        <p:spPr>
+          <a:xfrm>
+            <a:off x="10928323" y="1243390"/>
+            <a:ext cx="738664" cy="4371220"/>
+          </a:xfrm>
+          <a:prstGeom prst="rect">
+            <a:avLst/>
+          </a:prstGeom>
+          <a:noFill/>
+        </p:spPr>
+        <p:txBody>
+          <a:bodyPr vert="vert" wrap="square" rtlCol="0">
+            <a:spAutoFit/>
+          </a:bodyPr>
+          <a:lstStyle/>
+          <a:p>
+            <a:r>
+              <a:rPr lang="en-US" sz="3600" dirty="0"/>
+              <a:t>sources</a:t>
+            </a:r>
+          </a:p>
+        </p:txBody>
+      </p:sp>
+    </p:spTree>
+    <p:extLst>
+      <p:ext uri="{BB962C8B-B14F-4D97-AF65-F5344CB8AC3E}">
+        <p14:creationId xmlns:p14="http://schemas.microsoft.com/office/powerpoint/2010/main" val="1136109393"/>
+      </p:ext>
+    </p:extLst>
+  </p:cSld>
+  <p:clrMapOvr>
+    <a:masterClrMapping/>
+  </p:clrMapOvr>
+</p:sld>
+</file>
+
 <file path=ppt/slides/slide2.xml><?xml version="1.0" encoding="utf-8"?>
 <p:sld xmlns:a="http://schemas.openxmlformats.org/drawingml/2006/main" xmlns:r="http://schemas.openxmlformats.org/officeDocument/2006/relationships" xmlns:p="http://schemas.openxmlformats.org/presentationml/2006/main">
   <p:cSld>
@@ -5898,7 +7760,7 @@
         <p:spPr>
           <a:xfrm>
             <a:off x="11020656" y="430621"/>
-            <a:ext cx="553998" cy="5125052"/>
+            <a:ext cx="553998" cy="3950879"/>
           </a:xfrm>
           <a:prstGeom prst="rect">
             <a:avLst/>
@@ -6100,7 +7962,7 @@
           <p:cNvPr id="2" name="Date Placeholder 1">
             <a:extLst>
               <a:ext uri="{FF2B5EF4-FFF2-40B4-BE49-F238E27FC236}">
-                <a16:creationId xmlns:a16="http://schemas.microsoft.com/office/drawing/2014/main" id="{66B1ECA5-644F-AF76-C9EE-9056A48E1162}"/>
+                <a16:creationId xmlns:a16="http://schemas.microsoft.com/office/drawing/2014/main" id="{3A033E41-DBD4-5FE0-B239-58D751562EAF}"/>
               </a:ext>
             </a:extLst>
           </p:cNvPr>
@@ -6116,11 +7978,10 @@
           <a:bodyPr/>
           <a:lstStyle/>
           <a:p>
-            <a:fld id="{E0318DDB-88AC-4039-B59C-B05DC4C9C16C}" type="datetime1">
-              <a:rPr lang="en-US" smtClean="0"/>
-              <a:t>7/15/24</a:t>
-            </a:fld>
-            <a:endParaRPr lang="en-US" dirty="0"/>
+            <a:r>
+              <a:rPr lang="en-US" dirty="0"/>
+              <a:t>Sources in appendix</a:t>
+            </a:r>
           </a:p>
         </p:txBody>
       </p:sp>
@@ -6129,7 +7990,7 @@
           <p:cNvPr id="4" name="Slide Number Placeholder 3">
             <a:extLst>
               <a:ext uri="{FF2B5EF4-FFF2-40B4-BE49-F238E27FC236}">
-                <a16:creationId xmlns:a16="http://schemas.microsoft.com/office/drawing/2014/main" id="{137CC4E6-D852-3907-100A-AA924CEB085C}"/>
+                <a16:creationId xmlns:a16="http://schemas.microsoft.com/office/drawing/2014/main" id="{0739BE85-B876-E9D5-E544-5366F70AC5F6}"/>
               </a:ext>
             </a:extLst>
           </p:cNvPr>
@@ -6149,16 +8010,16 @@
               <a:rPr lang="en-US" smtClean="0"/>
               <a:t>6</a:t>
             </a:fld>
-            <a:endParaRPr lang="en-US"/>
-          </a:p>
-        </p:txBody>
-      </p:sp>
-      <p:sp>
-        <p:nvSpPr>
-          <p:cNvPr id="6" name="TextBox 5">
-            <a:extLst>
-              <a:ext uri="{FF2B5EF4-FFF2-40B4-BE49-F238E27FC236}">
-                <a16:creationId xmlns:a16="http://schemas.microsoft.com/office/drawing/2014/main" id="{0A280019-26DA-862A-0FB3-5E66E674A86C}"/>
+            <a:endParaRPr lang="en-US" dirty="0"/>
+          </a:p>
+        </p:txBody>
+      </p:sp>
+      <p:sp>
+        <p:nvSpPr>
+          <p:cNvPr id="12" name="TextBox 11">
+            <a:extLst>
+              <a:ext uri="{FF2B5EF4-FFF2-40B4-BE49-F238E27FC236}">
+                <a16:creationId xmlns:a16="http://schemas.microsoft.com/office/drawing/2014/main" id="{FC023EED-83A2-EE41-F65B-C278C651B8AE}"/>
               </a:ext>
             </a:extLst>
           </p:cNvPr>
@@ -6167,8 +8028,8 @@
         </p:nvSpPr>
         <p:spPr>
           <a:xfrm>
-            <a:off x="628652" y="906839"/>
-            <a:ext cx="9709148" cy="3139321"/>
+            <a:off x="11034811" y="694279"/>
+            <a:ext cx="553998" cy="4861393"/>
           </a:xfrm>
           <a:prstGeom prst="rect">
             <a:avLst/>
@@ -6176,115 +8037,24 @@
           <a:noFill/>
         </p:spPr>
         <p:txBody>
-          <a:bodyPr wrap="square" rtlCol="0">
+          <a:bodyPr vert="vert" wrap="square" rtlCol="0" anchor="ctr" anchorCtr="0">
             <a:spAutoFit/>
           </a:bodyPr>
           <a:lstStyle/>
           <a:p>
             <a:r>
-              <a:rPr lang="en-US" dirty="0"/>
-              <a:t>Data Set Sources: </a:t>
-            </a:r>
-          </a:p>
-          <a:p>
-            <a:endParaRPr lang="en-US" dirty="0"/>
-          </a:p>
-          <a:p>
-            <a:r>
-              <a:rPr lang="en-US" dirty="0"/>
-              <a:t>CB Insights:</a:t>
-            </a:r>
-          </a:p>
-          <a:p>
-            <a:r>
-              <a:rPr lang="en-US" dirty="0"/>
-              <a:t> </a:t>
-            </a:r>
-          </a:p>
-          <a:p>
-            <a:r>
-              <a:rPr lang="en-US" dirty="0"/>
-              <a:t>	- https://</a:t>
-            </a:r>
-            <a:r>
-              <a:rPr lang="en-US" dirty="0" err="1"/>
-              <a:t>www.cbinsights.com</a:t>
-            </a:r>
-            <a:r>
-              <a:rPr lang="en-US" dirty="0"/>
-              <a:t>/research-unicorn-companies</a:t>
-            </a:r>
-          </a:p>
-          <a:p>
-            <a:endParaRPr lang="en-US" dirty="0"/>
-          </a:p>
-          <a:p>
-            <a:r>
-              <a:rPr lang="en-US" dirty="0"/>
-              <a:t>Kaggle: </a:t>
-            </a:r>
-          </a:p>
-          <a:p>
-            <a:endParaRPr lang="en-US" dirty="0"/>
-          </a:p>
-          <a:p>
-            <a:r>
-              <a:rPr lang="en-US" dirty="0"/>
-              <a:t>	- https://</a:t>
-            </a:r>
-            <a:r>
-              <a:rPr lang="en-US" dirty="0" err="1"/>
-              <a:t>www.kaggle.com</a:t>
-            </a:r>
-            <a:r>
-              <a:rPr lang="en-US" dirty="0"/>
-              <a:t>/datasets/</a:t>
-            </a:r>
-            <a:r>
-              <a:rPr lang="en-US" dirty="0" err="1"/>
-              <a:t>tahzeer</a:t>
-            </a:r>
-            <a:r>
-              <a:rPr lang="en-US" dirty="0"/>
-              <a:t>/unicorn-startup-companies-july-2023</a:t>
-            </a:r>
-          </a:p>
-          <a:p>
-            <a:r>
-              <a:rPr lang="en-US" dirty="0"/>
-              <a:t>	- https://</a:t>
-            </a:r>
-            <a:r>
-              <a:rPr lang="en-US" dirty="0" err="1"/>
-              <a:t>www.kaggle.com</a:t>
-            </a:r>
-            <a:r>
-              <a:rPr lang="en-US" dirty="0"/>
-              <a:t>/datasets/</a:t>
-            </a:r>
-            <a:r>
-              <a:rPr lang="en-US" dirty="0" err="1"/>
-              <a:t>ramjasmaurya</a:t>
-            </a:r>
-            <a:r>
-              <a:rPr lang="en-US" dirty="0"/>
-              <a:t>/unicorn-startups</a:t>
-            </a:r>
-          </a:p>
-          <a:p>
-            <a:r>
-              <a:rPr lang="en-US" dirty="0"/>
-              <a:t> </a:t>
-            </a:r>
-          </a:p>
-        </p:txBody>
-      </p:sp>
-      <p:sp>
-        <p:nvSpPr>
-          <p:cNvPr id="7" name="TextBox 6">
-            <a:extLst>
-              <a:ext uri="{FF2B5EF4-FFF2-40B4-BE49-F238E27FC236}">
-                <a16:creationId xmlns:a16="http://schemas.microsoft.com/office/drawing/2014/main" id="{63D999B6-05AF-5AD3-9B80-35582EBD3205}"/>
+              <a:rPr lang="en-US" sz="2400" dirty="0"/>
+              <a:t>Average CAGR by Country</a:t>
+            </a:r>
+          </a:p>
+        </p:txBody>
+      </p:sp>
+      <p:sp>
+        <p:nvSpPr>
+          <p:cNvPr id="13" name="TextBox 12">
+            <a:extLst>
+              <a:ext uri="{FF2B5EF4-FFF2-40B4-BE49-F238E27FC236}">
+                <a16:creationId xmlns:a16="http://schemas.microsoft.com/office/drawing/2014/main" id="{E060C937-F666-920C-C07A-F6D3864463E0}"/>
               </a:ext>
             </a:extLst>
           </p:cNvPr>
@@ -6293,31 +8063,949 @@
         </p:nvSpPr>
         <p:spPr>
           <a:xfrm>
-            <a:off x="10928323" y="1243390"/>
-            <a:ext cx="738664" cy="4371220"/>
+            <a:off x="8189844" y="681059"/>
+            <a:ext cx="2467644" cy="830997"/>
           </a:xfrm>
           <a:prstGeom prst="rect">
             <a:avLst/>
           </a:prstGeom>
           <a:noFill/>
-        </p:spPr>
-        <p:txBody>
-          <a:bodyPr vert="vert" wrap="square" rtlCol="0">
+          <a:effectLst>
+            <a:glow rad="127000">
+              <a:schemeClr val="accent1"/>
+            </a:glow>
+          </a:effectLst>
+        </p:spPr>
+        <p:txBody>
+          <a:bodyPr wrap="square" rtlCol="0">
             <a:spAutoFit/>
           </a:bodyPr>
           <a:lstStyle/>
           <a:p>
             <a:r>
-              <a:rPr lang="en-US" sz="3600" dirty="0"/>
-              <a:t>sources</a:t>
-            </a:r>
-          </a:p>
-        </p:txBody>
-      </p:sp>
+              <a:rPr lang="en-US" sz="1200" dirty="0">
+                <a:solidFill>
+                  <a:schemeClr val="tx1">
+                    <a:alpha val="84000"/>
+                  </a:schemeClr>
+                </a:solidFill>
+              </a:rPr>
+              <a:t>Compounded Annual Growth Rate (CAGR) is the average annual growth rate over the past two years (2022 to 2023 and 2023 to 2024).</a:t>
+            </a:r>
+          </a:p>
+        </p:txBody>
+      </p:sp>
+      <p:pic>
+        <p:nvPicPr>
+          <p:cNvPr id="5" name="Picture 4" descr="A graph of the average cagr by country&#10;&#10;Description automatically generated">
+            <a:extLst>
+              <a:ext uri="{FF2B5EF4-FFF2-40B4-BE49-F238E27FC236}">
+                <a16:creationId xmlns:a16="http://schemas.microsoft.com/office/drawing/2014/main" id="{5E4E538F-3D6F-9ED8-2118-F510F4F91BE7}"/>
+              </a:ext>
+            </a:extLst>
+          </p:cNvPr>
+          <p:cNvPicPr>
+            <a:picLocks noChangeAspect="1"/>
+          </p:cNvPicPr>
+          <p:nvPr/>
+        </p:nvPicPr>
+        <p:blipFill>
+          <a:blip r:embed="rId3">
+            <a:alphaModFix amt="85000"/>
+          </a:blip>
+          <a:stretch>
+            <a:fillRect/>
+          </a:stretch>
+        </p:blipFill>
+        <p:spPr>
+          <a:xfrm>
+            <a:off x="573321" y="694280"/>
+            <a:ext cx="7510179" cy="4966212"/>
+          </a:xfrm>
+          <a:prstGeom prst="rect">
+            <a:avLst/>
+          </a:prstGeom>
+        </p:spPr>
+      </p:pic>
+      <p:sp>
+        <p:nvSpPr>
+          <p:cNvPr id="7" name="TextBox 6">
+            <a:extLst>
+              <a:ext uri="{FF2B5EF4-FFF2-40B4-BE49-F238E27FC236}">
+                <a16:creationId xmlns:a16="http://schemas.microsoft.com/office/drawing/2014/main" id="{FAE351FA-AD07-4DB6-5A38-56E693CD3393}"/>
+              </a:ext>
+            </a:extLst>
+          </p:cNvPr>
+          <p:cNvSpPr txBox="1"/>
+          <p:nvPr/>
+        </p:nvSpPr>
+        <p:spPr>
+          <a:xfrm>
+            <a:off x="8189844" y="1556656"/>
+            <a:ext cx="2467644" cy="830997"/>
+          </a:xfrm>
+          <a:prstGeom prst="rect">
+            <a:avLst/>
+          </a:prstGeom>
+          <a:noFill/>
+          <a:effectLst>
+            <a:glow rad="127000">
+              <a:schemeClr val="accent1"/>
+            </a:glow>
+          </a:effectLst>
+        </p:spPr>
+        <p:txBody>
+          <a:bodyPr wrap="square" rtlCol="0">
+            <a:spAutoFit/>
+          </a:bodyPr>
+          <a:lstStyle/>
+          <a:p>
+            <a:r>
+              <a:rPr lang="en-US" sz="1200" dirty="0">
+                <a:solidFill>
+                  <a:schemeClr val="tx1">
+                    <a:alpha val="84000"/>
+                  </a:schemeClr>
+                </a:solidFill>
+              </a:rPr>
+              <a:t>Lithuania leads with an average CAGR of 18.46%.</a:t>
+            </a:r>
+          </a:p>
+          <a:p>
+            <a:pPr marL="171450" indent="-171450">
+              <a:buFont typeface="Arial" panose="020B0604020202020204" pitchFamily="34" charset="0"/>
+              <a:buChar char="•"/>
+            </a:pPr>
+            <a:r>
+              <a:rPr lang="en-US" sz="1200" dirty="0">
+                <a:solidFill>
+                  <a:schemeClr val="tx1">
+                    <a:alpha val="84000"/>
+                  </a:schemeClr>
+                </a:solidFill>
+              </a:rPr>
+              <a:t>Focus on external markets</a:t>
+            </a:r>
+          </a:p>
+          <a:p>
+            <a:pPr marL="171450" indent="-171450">
+              <a:buFont typeface="Arial" panose="020B0604020202020204" pitchFamily="34" charset="0"/>
+              <a:buChar char="•"/>
+            </a:pPr>
+            <a:r>
+              <a:rPr lang="en-US" sz="1200" dirty="0">
+                <a:solidFill>
+                  <a:schemeClr val="tx1">
+                    <a:alpha val="84000"/>
+                  </a:schemeClr>
+                </a:solidFill>
+              </a:rPr>
+              <a:t>Collaborate ecosystem</a:t>
+            </a:r>
+          </a:p>
+        </p:txBody>
+      </p:sp>
+      <p:sp>
+        <p:nvSpPr>
+          <p:cNvPr id="8" name="TextBox 7">
+            <a:extLst>
+              <a:ext uri="{FF2B5EF4-FFF2-40B4-BE49-F238E27FC236}">
+                <a16:creationId xmlns:a16="http://schemas.microsoft.com/office/drawing/2014/main" id="{43EE508A-7F62-A32A-7E00-C54915392372}"/>
+              </a:ext>
+            </a:extLst>
+          </p:cNvPr>
+          <p:cNvSpPr txBox="1"/>
+          <p:nvPr/>
+        </p:nvSpPr>
+        <p:spPr>
+          <a:xfrm>
+            <a:off x="8189844" y="2432253"/>
+            <a:ext cx="2467644" cy="1015663"/>
+          </a:xfrm>
+          <a:prstGeom prst="rect">
+            <a:avLst/>
+          </a:prstGeom>
+          <a:noFill/>
+          <a:effectLst>
+            <a:glow rad="127000">
+              <a:schemeClr val="accent1"/>
+            </a:glow>
+          </a:effectLst>
+        </p:spPr>
+        <p:txBody>
+          <a:bodyPr wrap="square" rtlCol="0">
+            <a:spAutoFit/>
+          </a:bodyPr>
+          <a:lstStyle/>
+          <a:p>
+            <a:r>
+              <a:rPr lang="en-US" sz="1200" dirty="0">
+                <a:solidFill>
+                  <a:schemeClr val="tx1">
+                    <a:alpha val="84000"/>
+                  </a:schemeClr>
+                </a:solidFill>
+              </a:rPr>
+              <a:t>Top three countries in terms of avg. CAGR are European</a:t>
+            </a:r>
+          </a:p>
+          <a:p>
+            <a:pPr marL="171450" indent="-171450">
+              <a:buFont typeface="Arial" panose="020B0604020202020204" pitchFamily="34" charset="0"/>
+              <a:buChar char="•"/>
+            </a:pPr>
+            <a:r>
+              <a:rPr lang="en-US" sz="1200" dirty="0">
+                <a:solidFill>
+                  <a:schemeClr val="tx1">
+                    <a:alpha val="84000"/>
+                  </a:schemeClr>
+                </a:solidFill>
+              </a:rPr>
+              <a:t>A potential greater growth trajectory in Europe in terms of the global startup ecosystem</a:t>
+            </a:r>
+          </a:p>
+        </p:txBody>
+      </p:sp>
+      <p:sp>
+        <p:nvSpPr>
+          <p:cNvPr id="9" name="TextBox 8">
+            <a:extLst>
+              <a:ext uri="{FF2B5EF4-FFF2-40B4-BE49-F238E27FC236}">
+                <a16:creationId xmlns:a16="http://schemas.microsoft.com/office/drawing/2014/main" id="{C5013E13-DFAE-67EF-BF0E-788A2737AAAE}"/>
+              </a:ext>
+            </a:extLst>
+          </p:cNvPr>
+          <p:cNvSpPr txBox="1"/>
+          <p:nvPr/>
+        </p:nvSpPr>
+        <p:spPr>
+          <a:xfrm>
+            <a:off x="8189844" y="3492516"/>
+            <a:ext cx="2467644" cy="1569660"/>
+          </a:xfrm>
+          <a:prstGeom prst="rect">
+            <a:avLst/>
+          </a:prstGeom>
+          <a:noFill/>
+          <a:effectLst>
+            <a:glow rad="127000">
+              <a:schemeClr val="accent1"/>
+            </a:glow>
+          </a:effectLst>
+        </p:spPr>
+        <p:txBody>
+          <a:bodyPr wrap="square" rtlCol="0">
+            <a:spAutoFit/>
+          </a:bodyPr>
+          <a:lstStyle/>
+          <a:p>
+            <a:r>
+              <a:rPr lang="en-US" sz="1200" dirty="0">
+                <a:solidFill>
+                  <a:schemeClr val="tx1">
+                    <a:alpha val="84000"/>
+                  </a:schemeClr>
+                </a:solidFill>
+              </a:rPr>
+              <a:t>U.S. and China lead in the number of unicorn startups but exhibit lower growth rates.</a:t>
+            </a:r>
+          </a:p>
+          <a:p>
+            <a:pPr marL="171450" indent="-171450">
+              <a:buFont typeface="Arial" panose="020B0604020202020204" pitchFamily="34" charset="0"/>
+              <a:buChar char="•"/>
+            </a:pPr>
+            <a:r>
+              <a:rPr lang="en-US" sz="1200" dirty="0">
+                <a:solidFill>
+                  <a:schemeClr val="tx1">
+                    <a:alpha val="84000"/>
+                  </a:schemeClr>
+                </a:solidFill>
+              </a:rPr>
+              <a:t>Suggests that a larger volume of unicorn startups may impede overall growth due to greater competition, market saturation, and a focus on internal markets</a:t>
+            </a:r>
+          </a:p>
+        </p:txBody>
+      </p:sp>
+      <p:pic>
+        <p:nvPicPr>
+          <p:cNvPr id="3" name="Graphic 2" descr="Unicorn outline">
+            <a:extLst>
+              <a:ext uri="{FF2B5EF4-FFF2-40B4-BE49-F238E27FC236}">
+                <a16:creationId xmlns:a16="http://schemas.microsoft.com/office/drawing/2014/main" id="{CA658597-7809-FFA0-2E6F-65980775091D}"/>
+              </a:ext>
+            </a:extLst>
+          </p:cNvPr>
+          <p:cNvPicPr>
+            <a:picLocks noChangeAspect="1"/>
+          </p:cNvPicPr>
+          <p:nvPr/>
+        </p:nvPicPr>
+        <p:blipFill>
+          <a:blip r:embed="rId4">
+            <a:extLst>
+              <a:ext uri="{96DAC541-7B7A-43D3-8B79-37D633B846F1}">
+                <asvg:svgBlip xmlns:asvg="http://schemas.microsoft.com/office/drawing/2016/SVG/main" r:embed="rId5"/>
+              </a:ext>
+            </a:extLst>
+          </a:blip>
+          <a:stretch>
+            <a:fillRect/>
+          </a:stretch>
+        </p:blipFill>
+        <p:spPr>
+          <a:xfrm>
+            <a:off x="10921179" y="4920085"/>
+            <a:ext cx="752952" cy="752952"/>
+          </a:xfrm>
+          <a:prstGeom prst="rect">
+            <a:avLst/>
+          </a:prstGeom>
+        </p:spPr>
+      </p:pic>
     </p:spTree>
     <p:extLst>
       <p:ext uri="{BB962C8B-B14F-4D97-AF65-F5344CB8AC3E}">
-        <p14:creationId xmlns:p14="http://schemas.microsoft.com/office/powerpoint/2010/main" val="1136109393"/>
+        <p14:creationId xmlns:p14="http://schemas.microsoft.com/office/powerpoint/2010/main" val="1432133157"/>
+      </p:ext>
+    </p:extLst>
+  </p:cSld>
+  <p:clrMapOvr>
+    <a:masterClrMapping/>
+  </p:clrMapOvr>
+</p:sld>
+</file>
+
+<file path=ppt/slides/slide7.xml><?xml version="1.0" encoding="utf-8"?>
+<p:sld xmlns:a="http://schemas.openxmlformats.org/drawingml/2006/main" xmlns:r="http://schemas.openxmlformats.org/officeDocument/2006/relationships" xmlns:p="http://schemas.openxmlformats.org/presentationml/2006/main">
+  <p:cSld>
+    <p:spTree>
+      <p:nvGrpSpPr>
+        <p:cNvPr id="1" name=""/>
+        <p:cNvGrpSpPr/>
+        <p:nvPr/>
+      </p:nvGrpSpPr>
+      <p:grpSpPr>
+        <a:xfrm>
+          <a:off x="0" y="0"/>
+          <a:ext cx="0" cy="0"/>
+          <a:chOff x="0" y="0"/>
+          <a:chExt cx="0" cy="0"/>
+        </a:xfrm>
+      </p:grpSpPr>
+      <p:sp>
+        <p:nvSpPr>
+          <p:cNvPr id="2" name="Date Placeholder 1">
+            <a:extLst>
+              <a:ext uri="{FF2B5EF4-FFF2-40B4-BE49-F238E27FC236}">
+                <a16:creationId xmlns:a16="http://schemas.microsoft.com/office/drawing/2014/main" id="{C0D22E1B-6156-EC6F-2154-490BCB57BE7F}"/>
+              </a:ext>
+            </a:extLst>
+          </p:cNvPr>
+          <p:cNvSpPr>
+            <a:spLocks noGrp="1"/>
+          </p:cNvSpPr>
+          <p:nvPr>
+            <p:ph type="dt" sz="half" idx="10"/>
+          </p:nvPr>
+        </p:nvSpPr>
+        <p:spPr/>
+        <p:txBody>
+          <a:bodyPr/>
+          <a:lstStyle/>
+          <a:p>
+            <a:r>
+              <a:rPr lang="en-US" dirty="0"/>
+              <a:t>Sources in appendix</a:t>
+            </a:r>
+          </a:p>
+        </p:txBody>
+      </p:sp>
+      <p:sp>
+        <p:nvSpPr>
+          <p:cNvPr id="4" name="Slide Number Placeholder 3">
+            <a:extLst>
+              <a:ext uri="{FF2B5EF4-FFF2-40B4-BE49-F238E27FC236}">
+                <a16:creationId xmlns:a16="http://schemas.microsoft.com/office/drawing/2014/main" id="{6FE02D2A-4F23-44D7-6B62-223F2DCF3CC6}"/>
+              </a:ext>
+            </a:extLst>
+          </p:cNvPr>
+          <p:cNvSpPr>
+            <a:spLocks noGrp="1"/>
+          </p:cNvSpPr>
+          <p:nvPr>
+            <p:ph type="sldNum" sz="quarter" idx="12"/>
+          </p:nvPr>
+        </p:nvSpPr>
+        <p:spPr/>
+        <p:txBody>
+          <a:bodyPr/>
+          <a:lstStyle/>
+          <a:p>
+            <a:fld id="{81D2C36F-4504-47C0-B82F-A167342A2754}" type="slidenum">
+              <a:rPr lang="en-US" smtClean="0"/>
+              <a:t>7</a:t>
+            </a:fld>
+            <a:endParaRPr lang="en-US"/>
+          </a:p>
+        </p:txBody>
+      </p:sp>
+      <p:sp>
+        <p:nvSpPr>
+          <p:cNvPr id="5" name="TextBox 4">
+            <a:extLst>
+              <a:ext uri="{FF2B5EF4-FFF2-40B4-BE49-F238E27FC236}">
+                <a16:creationId xmlns:a16="http://schemas.microsoft.com/office/drawing/2014/main" id="{FD25F694-5A7C-E0B2-2402-B8272ADCFDB9}"/>
+              </a:ext>
+            </a:extLst>
+          </p:cNvPr>
+          <p:cNvSpPr txBox="1"/>
+          <p:nvPr/>
+        </p:nvSpPr>
+        <p:spPr>
+          <a:xfrm>
+            <a:off x="11020656" y="866474"/>
+            <a:ext cx="553998" cy="3984926"/>
+          </a:xfrm>
+          <a:prstGeom prst="rect">
+            <a:avLst/>
+          </a:prstGeom>
+          <a:noFill/>
+        </p:spPr>
+        <p:txBody>
+          <a:bodyPr vert="vert" wrap="square" rtlCol="0" anchor="ctr" anchorCtr="0">
+            <a:spAutoFit/>
+          </a:bodyPr>
+          <a:lstStyle/>
+          <a:p>
+            <a:r>
+              <a:rPr lang="en-US" sz="2400" dirty="0"/>
+              <a:t>Map Visualizations by Country</a:t>
+            </a:r>
+          </a:p>
+        </p:txBody>
+      </p:sp>
+      <p:pic>
+        <p:nvPicPr>
+          <p:cNvPr id="8" name="Picture 7" descr="A map of the world with different colored circles&#10;&#10;Description automatically generated">
+            <a:extLst>
+              <a:ext uri="{FF2B5EF4-FFF2-40B4-BE49-F238E27FC236}">
+                <a16:creationId xmlns:a16="http://schemas.microsoft.com/office/drawing/2014/main" id="{A2B7B572-26BB-8A31-F208-36D4B4BB388F}"/>
+              </a:ext>
+            </a:extLst>
+          </p:cNvPr>
+          <p:cNvPicPr>
+            <a:picLocks noChangeAspect="1"/>
+          </p:cNvPicPr>
+          <p:nvPr/>
+        </p:nvPicPr>
+        <p:blipFill>
+          <a:blip r:embed="rId2">
+            <a:alphaModFix amt="85000"/>
+          </a:blip>
+          <a:stretch>
+            <a:fillRect/>
+          </a:stretch>
+        </p:blipFill>
+        <p:spPr>
+          <a:xfrm>
+            <a:off x="731647" y="595331"/>
+            <a:ext cx="9724458" cy="5125052"/>
+          </a:xfrm>
+          <a:prstGeom prst="rect">
+            <a:avLst/>
+          </a:prstGeom>
+        </p:spPr>
+      </p:pic>
+      <p:pic>
+        <p:nvPicPr>
+          <p:cNvPr id="15" name="Picture 14" descr="A close-up of a white background&#10;&#10;Description automatically generated">
+            <a:extLst>
+              <a:ext uri="{FF2B5EF4-FFF2-40B4-BE49-F238E27FC236}">
+                <a16:creationId xmlns:a16="http://schemas.microsoft.com/office/drawing/2014/main" id="{2979733E-C8FF-35A1-705F-5FD03390EFBA}"/>
+              </a:ext>
+            </a:extLst>
+          </p:cNvPr>
+          <p:cNvPicPr>
+            <a:picLocks noChangeAspect="1"/>
+          </p:cNvPicPr>
+          <p:nvPr/>
+        </p:nvPicPr>
+        <p:blipFill>
+          <a:blip r:embed="rId3"/>
+          <a:stretch>
+            <a:fillRect/>
+          </a:stretch>
+        </p:blipFill>
+        <p:spPr>
+          <a:xfrm>
+            <a:off x="7160358" y="2048515"/>
+            <a:ext cx="1435100" cy="596900"/>
+          </a:xfrm>
+          <a:prstGeom prst="rect">
+            <a:avLst/>
+          </a:prstGeom>
+        </p:spPr>
+      </p:pic>
+      <p:pic>
+        <p:nvPicPr>
+          <p:cNvPr id="17" name="Picture 16" descr="A screenshot of a phone&#10;&#10;Description automatically generated">
+            <a:extLst>
+              <a:ext uri="{FF2B5EF4-FFF2-40B4-BE49-F238E27FC236}">
+                <a16:creationId xmlns:a16="http://schemas.microsoft.com/office/drawing/2014/main" id="{4E812441-3BC8-93F7-08AC-134A30306EAA}"/>
+              </a:ext>
+            </a:extLst>
+          </p:cNvPr>
+          <p:cNvPicPr>
+            <a:picLocks noChangeAspect="1"/>
+          </p:cNvPicPr>
+          <p:nvPr/>
+        </p:nvPicPr>
+        <p:blipFill>
+          <a:blip r:embed="rId4"/>
+          <a:stretch>
+            <a:fillRect/>
+          </a:stretch>
+        </p:blipFill>
+        <p:spPr>
+          <a:xfrm>
+            <a:off x="2390042" y="2346965"/>
+            <a:ext cx="1612900" cy="584200"/>
+          </a:xfrm>
+          <a:prstGeom prst="rect">
+            <a:avLst/>
+          </a:prstGeom>
+        </p:spPr>
+      </p:pic>
+      <p:pic>
+        <p:nvPicPr>
+          <p:cNvPr id="3" name="Graphic 2" descr="Unicorn outline">
+            <a:extLst>
+              <a:ext uri="{FF2B5EF4-FFF2-40B4-BE49-F238E27FC236}">
+                <a16:creationId xmlns:a16="http://schemas.microsoft.com/office/drawing/2014/main" id="{90268624-63CB-4673-CE61-AFCEE1A6A908}"/>
+              </a:ext>
+            </a:extLst>
+          </p:cNvPr>
+          <p:cNvPicPr>
+            <a:picLocks noChangeAspect="1"/>
+          </p:cNvPicPr>
+          <p:nvPr/>
+        </p:nvPicPr>
+        <p:blipFill>
+          <a:blip r:embed="rId5">
+            <a:extLst>
+              <a:ext uri="{96DAC541-7B7A-43D3-8B79-37D633B846F1}">
+                <asvg:svgBlip xmlns:asvg="http://schemas.microsoft.com/office/drawing/2016/SVG/main" r:embed="rId6"/>
+              </a:ext>
+            </a:extLst>
+          </a:blip>
+          <a:stretch>
+            <a:fillRect/>
+          </a:stretch>
+        </p:blipFill>
+        <p:spPr>
+          <a:xfrm>
+            <a:off x="10921179" y="4920085"/>
+            <a:ext cx="752952" cy="752952"/>
+          </a:xfrm>
+          <a:prstGeom prst="rect">
+            <a:avLst/>
+          </a:prstGeom>
+        </p:spPr>
+      </p:pic>
+    </p:spTree>
+    <p:extLst>
+      <p:ext uri="{BB962C8B-B14F-4D97-AF65-F5344CB8AC3E}">
+        <p14:creationId xmlns:p14="http://schemas.microsoft.com/office/powerpoint/2010/main" val="2489491464"/>
+      </p:ext>
+    </p:extLst>
+  </p:cSld>
+  <p:clrMapOvr>
+    <a:masterClrMapping/>
+  </p:clrMapOvr>
+</p:sld>
+</file>
+
+<file path=ppt/slides/slide8.xml><?xml version="1.0" encoding="utf-8"?>
+<p:sld xmlns:a="http://schemas.openxmlformats.org/drawingml/2006/main" xmlns:r="http://schemas.openxmlformats.org/officeDocument/2006/relationships" xmlns:p="http://schemas.openxmlformats.org/presentationml/2006/main">
+  <p:cSld>
+    <p:spTree>
+      <p:nvGrpSpPr>
+        <p:cNvPr id="1" name=""/>
+        <p:cNvGrpSpPr/>
+        <p:nvPr/>
+      </p:nvGrpSpPr>
+      <p:grpSpPr>
+        <a:xfrm>
+          <a:off x="0" y="0"/>
+          <a:ext cx="0" cy="0"/>
+          <a:chOff x="0" y="0"/>
+          <a:chExt cx="0" cy="0"/>
+        </a:xfrm>
+      </p:grpSpPr>
+      <p:sp>
+        <p:nvSpPr>
+          <p:cNvPr id="2" name="Date Placeholder 1">
+            <a:extLst>
+              <a:ext uri="{FF2B5EF4-FFF2-40B4-BE49-F238E27FC236}">
+                <a16:creationId xmlns:a16="http://schemas.microsoft.com/office/drawing/2014/main" id="{ADA253D3-77D1-C125-17FF-AE9DFAFD1351}"/>
+              </a:ext>
+            </a:extLst>
+          </p:cNvPr>
+          <p:cNvSpPr>
+            <a:spLocks noGrp="1"/>
+          </p:cNvSpPr>
+          <p:nvPr>
+            <p:ph type="dt" sz="half" idx="10"/>
+          </p:nvPr>
+        </p:nvSpPr>
+        <p:spPr/>
+        <p:txBody>
+          <a:bodyPr/>
+          <a:lstStyle/>
+          <a:p>
+            <a:r>
+              <a:rPr lang="en-US"/>
+              <a:t>Sources in appendix</a:t>
+            </a:r>
+            <a:endParaRPr lang="en-US" dirty="0"/>
+          </a:p>
+        </p:txBody>
+      </p:sp>
+      <p:sp>
+        <p:nvSpPr>
+          <p:cNvPr id="4" name="Slide Number Placeholder 3">
+            <a:extLst>
+              <a:ext uri="{FF2B5EF4-FFF2-40B4-BE49-F238E27FC236}">
+                <a16:creationId xmlns:a16="http://schemas.microsoft.com/office/drawing/2014/main" id="{8F99F634-080E-E56C-3F04-2CEED5A6BF5F}"/>
+              </a:ext>
+            </a:extLst>
+          </p:cNvPr>
+          <p:cNvSpPr>
+            <a:spLocks noGrp="1"/>
+          </p:cNvSpPr>
+          <p:nvPr>
+            <p:ph type="sldNum" sz="quarter" idx="12"/>
+          </p:nvPr>
+        </p:nvSpPr>
+        <p:spPr>
+          <a:xfrm>
+            <a:off x="10821893" y="5762967"/>
+            <a:ext cx="951908" cy="754673"/>
+          </a:xfrm>
+        </p:spPr>
+        <p:txBody>
+          <a:bodyPr/>
+          <a:lstStyle/>
+          <a:p>
+            <a:fld id="{81D2C36F-4504-47C0-B82F-A167342A2754}" type="slidenum">
+              <a:rPr lang="en-US" smtClean="0"/>
+              <a:t>8</a:t>
+            </a:fld>
+            <a:endParaRPr lang="en-US" dirty="0"/>
+          </a:p>
+        </p:txBody>
+      </p:sp>
+      <p:sp>
+        <p:nvSpPr>
+          <p:cNvPr id="5" name="TextBox 4">
+            <a:extLst>
+              <a:ext uri="{FF2B5EF4-FFF2-40B4-BE49-F238E27FC236}">
+                <a16:creationId xmlns:a16="http://schemas.microsoft.com/office/drawing/2014/main" id="{F5A88D7D-1ECD-6FE6-8965-DA3A386CEF84}"/>
+              </a:ext>
+            </a:extLst>
+          </p:cNvPr>
+          <p:cNvSpPr txBox="1"/>
+          <p:nvPr/>
+        </p:nvSpPr>
+        <p:spPr>
+          <a:xfrm>
+            <a:off x="11020848" y="523574"/>
+            <a:ext cx="553998" cy="4689199"/>
+          </a:xfrm>
+          <a:prstGeom prst="rect">
+            <a:avLst/>
+          </a:prstGeom>
+          <a:noFill/>
+        </p:spPr>
+        <p:txBody>
+          <a:bodyPr vert="vert" wrap="square" rtlCol="0" anchor="ctr" anchorCtr="0">
+            <a:spAutoFit/>
+          </a:bodyPr>
+          <a:lstStyle/>
+          <a:p>
+            <a:r>
+              <a:rPr lang="en-US" sz="2400"/>
+              <a:t>MAP VISUALIZATIONS BY COUNTRY</a:t>
+            </a:r>
+            <a:endParaRPr lang="en-US" sz="2400" dirty="0"/>
+          </a:p>
+        </p:txBody>
+      </p:sp>
+      <p:pic>
+        <p:nvPicPr>
+          <p:cNvPr id="11" name="Picture 10" descr="A map of the world with red and green dots&#10;&#10;Description automatically generated">
+            <a:extLst>
+              <a:ext uri="{FF2B5EF4-FFF2-40B4-BE49-F238E27FC236}">
+                <a16:creationId xmlns:a16="http://schemas.microsoft.com/office/drawing/2014/main" id="{FEECC4B1-A776-E3A5-DAD5-8AFC9A37DA5B}"/>
+              </a:ext>
+            </a:extLst>
+          </p:cNvPr>
+          <p:cNvPicPr>
+            <a:picLocks noChangeAspect="1"/>
+          </p:cNvPicPr>
+          <p:nvPr/>
+        </p:nvPicPr>
+        <p:blipFill>
+          <a:blip r:embed="rId2">
+            <a:alphaModFix amt="85000"/>
+          </a:blip>
+          <a:stretch>
+            <a:fillRect/>
+          </a:stretch>
+        </p:blipFill>
+        <p:spPr>
+          <a:xfrm>
+            <a:off x="617154" y="732123"/>
+            <a:ext cx="9968672" cy="4823550"/>
+          </a:xfrm>
+          <a:prstGeom prst="rect">
+            <a:avLst/>
+          </a:prstGeom>
+        </p:spPr>
+      </p:pic>
+      <p:pic>
+        <p:nvPicPr>
+          <p:cNvPr id="3" name="Graphic 2" descr="Unicorn outline">
+            <a:extLst>
+              <a:ext uri="{FF2B5EF4-FFF2-40B4-BE49-F238E27FC236}">
+                <a16:creationId xmlns:a16="http://schemas.microsoft.com/office/drawing/2014/main" id="{96F23266-2402-0BCF-0B1E-BD24AA514E96}"/>
+              </a:ext>
+            </a:extLst>
+          </p:cNvPr>
+          <p:cNvPicPr>
+            <a:picLocks noChangeAspect="1"/>
+          </p:cNvPicPr>
+          <p:nvPr/>
+        </p:nvPicPr>
+        <p:blipFill>
+          <a:blip r:embed="rId3">
+            <a:extLst>
+              <a:ext uri="{96DAC541-7B7A-43D3-8B79-37D633B846F1}">
+                <asvg:svgBlip xmlns:asvg="http://schemas.microsoft.com/office/drawing/2016/SVG/main" r:embed="rId4"/>
+              </a:ext>
+            </a:extLst>
+          </a:blip>
+          <a:stretch>
+            <a:fillRect/>
+          </a:stretch>
+        </p:blipFill>
+        <p:spPr>
+          <a:xfrm>
+            <a:off x="10980053" y="5237879"/>
+            <a:ext cx="635588" cy="635588"/>
+          </a:xfrm>
+          <a:prstGeom prst="rect">
+            <a:avLst/>
+          </a:prstGeom>
+        </p:spPr>
+      </p:pic>
+    </p:spTree>
+    <p:extLst>
+      <p:ext uri="{BB962C8B-B14F-4D97-AF65-F5344CB8AC3E}">
+        <p14:creationId xmlns:p14="http://schemas.microsoft.com/office/powerpoint/2010/main" val="687165093"/>
+      </p:ext>
+    </p:extLst>
+  </p:cSld>
+  <p:clrMapOvr>
+    <a:masterClrMapping/>
+  </p:clrMapOvr>
+</p:sld>
+</file>
+
+<file path=ppt/slides/slide9.xml><?xml version="1.0" encoding="utf-8"?>
+<p:sld xmlns:a="http://schemas.openxmlformats.org/drawingml/2006/main" xmlns:r="http://schemas.openxmlformats.org/officeDocument/2006/relationships" xmlns:p="http://schemas.openxmlformats.org/presentationml/2006/main">
+  <p:cSld>
+    <p:spTree>
+      <p:nvGrpSpPr>
+        <p:cNvPr id="1" name=""/>
+        <p:cNvGrpSpPr/>
+        <p:nvPr/>
+      </p:nvGrpSpPr>
+      <p:grpSpPr>
+        <a:xfrm>
+          <a:off x="0" y="0"/>
+          <a:ext cx="0" cy="0"/>
+          <a:chOff x="0" y="0"/>
+          <a:chExt cx="0" cy="0"/>
+        </a:xfrm>
+      </p:grpSpPr>
+      <p:sp>
+        <p:nvSpPr>
+          <p:cNvPr id="2" name="Date Placeholder 1">
+            <a:extLst>
+              <a:ext uri="{FF2B5EF4-FFF2-40B4-BE49-F238E27FC236}">
+                <a16:creationId xmlns:a16="http://schemas.microsoft.com/office/drawing/2014/main" id="{ADA253D3-77D1-C125-17FF-AE9DFAFD1351}"/>
+              </a:ext>
+            </a:extLst>
+          </p:cNvPr>
+          <p:cNvSpPr>
+            <a:spLocks noGrp="1"/>
+          </p:cNvSpPr>
+          <p:nvPr>
+            <p:ph type="dt" sz="half" idx="10"/>
+          </p:nvPr>
+        </p:nvSpPr>
+        <p:spPr/>
+        <p:txBody>
+          <a:bodyPr/>
+          <a:lstStyle/>
+          <a:p>
+            <a:r>
+              <a:rPr lang="en-US" dirty="0"/>
+              <a:t>Sources in appendix</a:t>
+            </a:r>
+          </a:p>
+        </p:txBody>
+      </p:sp>
+      <p:sp>
+        <p:nvSpPr>
+          <p:cNvPr id="4" name="Slide Number Placeholder 3">
+            <a:extLst>
+              <a:ext uri="{FF2B5EF4-FFF2-40B4-BE49-F238E27FC236}">
+                <a16:creationId xmlns:a16="http://schemas.microsoft.com/office/drawing/2014/main" id="{8F99F634-080E-E56C-3F04-2CEED5A6BF5F}"/>
+              </a:ext>
+            </a:extLst>
+          </p:cNvPr>
+          <p:cNvSpPr>
+            <a:spLocks noGrp="1"/>
+          </p:cNvSpPr>
+          <p:nvPr>
+            <p:ph type="sldNum" sz="quarter" idx="12"/>
+          </p:nvPr>
+        </p:nvSpPr>
+        <p:spPr/>
+        <p:txBody>
+          <a:bodyPr/>
+          <a:lstStyle/>
+          <a:p>
+            <a:fld id="{81D2C36F-4504-47C0-B82F-A167342A2754}" type="slidenum">
+              <a:rPr lang="en-US" smtClean="0"/>
+              <a:t>9</a:t>
+            </a:fld>
+            <a:endParaRPr lang="en-US"/>
+          </a:p>
+        </p:txBody>
+      </p:sp>
+      <p:sp>
+        <p:nvSpPr>
+          <p:cNvPr id="5" name="TextBox 4">
+            <a:extLst>
+              <a:ext uri="{FF2B5EF4-FFF2-40B4-BE49-F238E27FC236}">
+                <a16:creationId xmlns:a16="http://schemas.microsoft.com/office/drawing/2014/main" id="{F5A88D7D-1ECD-6FE6-8965-DA3A386CEF84}"/>
+              </a:ext>
+            </a:extLst>
+          </p:cNvPr>
+          <p:cNvSpPr txBox="1"/>
+          <p:nvPr/>
+        </p:nvSpPr>
+        <p:spPr>
+          <a:xfrm>
+            <a:off x="11020656" y="586620"/>
+            <a:ext cx="553998" cy="4620380"/>
+          </a:xfrm>
+          <a:prstGeom prst="rect">
+            <a:avLst/>
+          </a:prstGeom>
+          <a:noFill/>
+        </p:spPr>
+        <p:txBody>
+          <a:bodyPr vert="vert" wrap="square" rtlCol="0" anchor="ctr" anchorCtr="0">
+            <a:spAutoFit/>
+          </a:bodyPr>
+          <a:lstStyle/>
+          <a:p>
+            <a:r>
+              <a:rPr lang="en-US" sz="2400" dirty="0"/>
+              <a:t>MAP VISUALIZATIONS BY STARTUP</a:t>
+            </a:r>
+          </a:p>
+        </p:txBody>
+      </p:sp>
+      <p:pic>
+        <p:nvPicPr>
+          <p:cNvPr id="6" name="Picture 5" descr="A map of the world with red dots&#10;&#10;Description automatically generated">
+            <a:extLst>
+              <a:ext uri="{FF2B5EF4-FFF2-40B4-BE49-F238E27FC236}">
+                <a16:creationId xmlns:a16="http://schemas.microsoft.com/office/drawing/2014/main" id="{FC89E191-8AF6-7C24-8111-D2805F49D97A}"/>
+              </a:ext>
+            </a:extLst>
+          </p:cNvPr>
+          <p:cNvPicPr>
+            <a:picLocks noChangeAspect="1"/>
+          </p:cNvPicPr>
+          <p:nvPr/>
+        </p:nvPicPr>
+        <p:blipFill>
+          <a:blip r:embed="rId2">
+            <a:alphaModFix amt="85000"/>
+          </a:blip>
+          <a:stretch>
+            <a:fillRect/>
+          </a:stretch>
+        </p:blipFill>
+        <p:spPr>
+          <a:xfrm>
+            <a:off x="617346" y="739321"/>
+            <a:ext cx="9750952" cy="4819650"/>
+          </a:xfrm>
+          <a:prstGeom prst="rect">
+            <a:avLst/>
+          </a:prstGeom>
+        </p:spPr>
+      </p:pic>
+      <p:pic>
+        <p:nvPicPr>
+          <p:cNvPr id="3" name="Graphic 2" descr="Unicorn outline">
+            <a:extLst>
+              <a:ext uri="{FF2B5EF4-FFF2-40B4-BE49-F238E27FC236}">
+                <a16:creationId xmlns:a16="http://schemas.microsoft.com/office/drawing/2014/main" id="{5A28ACF8-93BA-713F-A48B-A14B8D861EC8}"/>
+              </a:ext>
+            </a:extLst>
+          </p:cNvPr>
+          <p:cNvPicPr>
+            <a:picLocks noChangeAspect="1"/>
+          </p:cNvPicPr>
+          <p:nvPr/>
+        </p:nvPicPr>
+        <p:blipFill>
+          <a:blip r:embed="rId3">
+            <a:extLst>
+              <a:ext uri="{96DAC541-7B7A-43D3-8B79-37D633B846F1}">
+                <asvg:svgBlip xmlns:asvg="http://schemas.microsoft.com/office/drawing/2016/SVG/main" r:embed="rId4"/>
+              </a:ext>
+            </a:extLst>
+          </a:blip>
+          <a:stretch>
+            <a:fillRect/>
+          </a:stretch>
+        </p:blipFill>
+        <p:spPr>
+          <a:xfrm>
+            <a:off x="11020656" y="5281972"/>
+            <a:ext cx="553998" cy="553998"/>
+          </a:xfrm>
+          <a:prstGeom prst="rect">
+            <a:avLst/>
+          </a:prstGeom>
+        </p:spPr>
+      </p:pic>
+    </p:spTree>
+    <p:extLst>
+      <p:ext uri="{BB962C8B-B14F-4D97-AF65-F5344CB8AC3E}">
+        <p14:creationId xmlns:p14="http://schemas.microsoft.com/office/powerpoint/2010/main" val="2954475692"/>
       </p:ext>
     </p:extLst>
   </p:cSld>

--- a/Presentation/Presentation_Group 7.pptx
+++ b/Presentation/Presentation_Group 7.pptx
@@ -5214,7 +5214,11 @@
           <a:lstStyle/>
           <a:p>
             <a:r>
-              <a:rPr lang="en-US" sz="2400" dirty="0"/>
+              <a:rPr lang="en-US" sz="2400" b="0" dirty="0">
+                <a:solidFill>
+                  <a:schemeClr val="tx1"/>
+                </a:solidFill>
+              </a:rPr>
               <a:t>Growth by the years</a:t>
             </a:r>
           </a:p>
@@ -5264,7 +5268,9 @@
           <p:nvPr/>
         </p:nvPicPr>
         <p:blipFill>
-          <a:blip r:embed="rId2"/>
+          <a:blip r:embed="rId2">
+            <a:alphaModFix amt="85000"/>
+          </a:blip>
           <a:stretch>
             <a:fillRect/>
           </a:stretch>
@@ -5294,7 +5300,9 @@
           <p:nvPr/>
         </p:nvPicPr>
         <p:blipFill>
-          <a:blip r:embed="rId3"/>
+          <a:blip r:embed="rId3">
+            <a:alphaModFix amt="85000"/>
+          </a:blip>
           <a:stretch>
             <a:fillRect/>
           </a:stretch>
@@ -5381,6 +5389,42 @@
           </a:p>
         </p:txBody>
       </p:sp>
+      <p:pic>
+        <p:nvPicPr>
+          <p:cNvPr id="7" name="Graphic 6" descr="Unicorn outline">
+            <a:extLst>
+              <a:ext uri="{FF2B5EF4-FFF2-40B4-BE49-F238E27FC236}">
+                <a16:creationId xmlns:a16="http://schemas.microsoft.com/office/drawing/2014/main" id="{70ADEE73-32BD-3546-6E5F-964CE4704327}"/>
+              </a:ext>
+            </a:extLst>
+          </p:cNvPr>
+          <p:cNvPicPr>
+            <a:picLocks noChangeAspect="1"/>
+          </p:cNvPicPr>
+          <p:nvPr/>
+        </p:nvPicPr>
+        <p:blipFill>
+          <a:blip r:embed="rId4">
+            <a:extLst>
+              <a:ext uri="{96DAC541-7B7A-43D3-8B79-37D633B846F1}">
+                <asvg:svgBlip xmlns:asvg="http://schemas.microsoft.com/office/drawing/2016/SVG/main" r:embed="rId5"/>
+              </a:ext>
+            </a:extLst>
+          </a:blip>
+          <a:stretch>
+            <a:fillRect/>
+          </a:stretch>
+        </p:blipFill>
+        <p:spPr>
+          <a:xfrm>
+            <a:off x="11020656" y="5281972"/>
+            <a:ext cx="553998" cy="553998"/>
+          </a:xfrm>
+          <a:prstGeom prst="rect">
+            <a:avLst/>
+          </a:prstGeom>
+        </p:spPr>
+      </p:pic>
     </p:spTree>
     <p:extLst>
       <p:ext uri="{BB962C8B-B14F-4D97-AF65-F5344CB8AC3E}">
@@ -5458,8 +5502,8 @@
         </p:nvSpPr>
         <p:spPr>
           <a:xfrm rot="5400000">
-            <a:off x="8572653" y="3239434"/>
-            <a:ext cx="5436618" cy="365125"/>
+            <a:off x="8676611" y="2869101"/>
+            <a:ext cx="5242085" cy="365125"/>
           </a:xfrm>
         </p:spPr>
         <p:txBody>
@@ -5467,7 +5511,11 @@
           <a:lstStyle/>
           <a:p>
             <a:r>
-              <a:rPr lang="en-US" sz="2000" dirty="0"/>
+              <a:rPr lang="en-US" sz="2400" b="0" dirty="0">
+                <a:solidFill>
+                  <a:schemeClr val="tx1"/>
+                </a:solidFill>
+              </a:rPr>
               <a:t>Total growth by countries</a:t>
             </a:r>
           </a:p>
@@ -5517,7 +5565,9 @@
           <p:nvPr/>
         </p:nvPicPr>
         <p:blipFill>
-          <a:blip r:embed="rId2"/>
+          <a:blip r:embed="rId2">
+            <a:alphaModFix amt="85000"/>
+          </a:blip>
           <a:stretch>
             <a:fillRect/>
           </a:stretch>
@@ -5526,6 +5576,42 @@
           <a:xfrm>
             <a:off x="1387547" y="703687"/>
             <a:ext cx="7600335" cy="5066890"/>
+          </a:xfrm>
+          <a:prstGeom prst="rect">
+            <a:avLst/>
+          </a:prstGeom>
+        </p:spPr>
+      </p:pic>
+      <p:pic>
+        <p:nvPicPr>
+          <p:cNvPr id="5" name="Graphic 4" descr="Unicorn outline">
+            <a:extLst>
+              <a:ext uri="{FF2B5EF4-FFF2-40B4-BE49-F238E27FC236}">
+                <a16:creationId xmlns:a16="http://schemas.microsoft.com/office/drawing/2014/main" id="{B4677955-0673-757B-8961-A1FE28119420}"/>
+              </a:ext>
+            </a:extLst>
+          </p:cNvPr>
+          <p:cNvPicPr>
+            <a:picLocks noChangeAspect="1"/>
+          </p:cNvPicPr>
+          <p:nvPr/>
+        </p:nvPicPr>
+        <p:blipFill>
+          <a:blip r:embed="rId3">
+            <a:extLst>
+              <a:ext uri="{96DAC541-7B7A-43D3-8B79-37D633B846F1}">
+                <asvg:svgBlip xmlns:asvg="http://schemas.microsoft.com/office/drawing/2016/SVG/main" r:embed="rId4"/>
+              </a:ext>
+            </a:extLst>
+          </a:blip>
+          <a:stretch>
+            <a:fillRect/>
+          </a:stretch>
+        </p:blipFill>
+        <p:spPr>
+          <a:xfrm>
+            <a:off x="10137399" y="5395707"/>
+            <a:ext cx="553998" cy="553998"/>
           </a:xfrm>
           <a:prstGeom prst="rect">
             <a:avLst/>
@@ -5607,13 +5693,22 @@
             <p:ph type="ftr" sz="quarter" idx="11"/>
           </p:nvPr>
         </p:nvSpPr>
-        <p:spPr/>
+        <p:spPr>
+          <a:xfrm rot="5400000">
+            <a:off x="9028340" y="2678925"/>
+            <a:ext cx="4538625" cy="365125"/>
+          </a:xfrm>
+        </p:spPr>
         <p:txBody>
           <a:bodyPr/>
           <a:lstStyle/>
           <a:p>
             <a:r>
-              <a:rPr lang="en-US" sz="2000" dirty="0"/>
+              <a:rPr lang="en-US" sz="2400" b="0" dirty="0">
+                <a:solidFill>
+                  <a:schemeClr val="tx1"/>
+                </a:solidFill>
+              </a:rPr>
               <a:t>Total valuations / year</a:t>
             </a:r>
           </a:p>
@@ -5663,7 +5758,9 @@
           <p:nvPr/>
         </p:nvPicPr>
         <p:blipFill>
-          <a:blip r:embed="rId2"/>
+          <a:blip r:embed="rId2">
+            <a:alphaModFix amt="85000"/>
+          </a:blip>
           <a:stretch>
             <a:fillRect/>
           </a:stretch>
@@ -5693,7 +5790,7 @@
         <p:spPr>
           <a:xfrm>
             <a:off x="686879" y="2767476"/>
-            <a:ext cx="1444852" cy="1200329"/>
+            <a:ext cx="1553216" cy="1200329"/>
           </a:xfrm>
           <a:prstGeom prst="rect">
             <a:avLst/>
@@ -5714,6 +5811,42 @@
           </a:p>
         </p:txBody>
       </p:sp>
+      <p:pic>
+        <p:nvPicPr>
+          <p:cNvPr id="5" name="Graphic 4" descr="Unicorn outline">
+            <a:extLst>
+              <a:ext uri="{FF2B5EF4-FFF2-40B4-BE49-F238E27FC236}">
+                <a16:creationId xmlns:a16="http://schemas.microsoft.com/office/drawing/2014/main" id="{647933F5-2B59-BE0E-A1B5-EADD8D96BED8}"/>
+              </a:ext>
+            </a:extLst>
+          </p:cNvPr>
+          <p:cNvPicPr>
+            <a:picLocks noChangeAspect="1"/>
+          </p:cNvPicPr>
+          <p:nvPr/>
+        </p:nvPicPr>
+        <p:blipFill>
+          <a:blip r:embed="rId3">
+            <a:extLst>
+              <a:ext uri="{96DAC541-7B7A-43D3-8B79-37D633B846F1}">
+                <asvg:svgBlip xmlns:asvg="http://schemas.microsoft.com/office/drawing/2016/SVG/main" r:embed="rId4"/>
+              </a:ext>
+            </a:extLst>
+          </a:blip>
+          <a:stretch>
+            <a:fillRect/>
+          </a:stretch>
+        </p:blipFill>
+        <p:spPr>
+          <a:xfrm>
+            <a:off x="628652" y="5219777"/>
+            <a:ext cx="553998" cy="553998"/>
+          </a:xfrm>
+          <a:prstGeom prst="rect">
+            <a:avLst/>
+          </a:prstGeom>
+        </p:spPr>
+      </p:pic>
     </p:spTree>
     <p:extLst>
       <p:ext uri="{BB962C8B-B14F-4D97-AF65-F5344CB8AC3E}">
@@ -5795,7 +5928,11 @@
           <a:lstStyle/>
           <a:p>
             <a:r>
-              <a:rPr lang="en-US" sz="2000" dirty="0"/>
+              <a:rPr lang="en-US" sz="2400" b="0" dirty="0">
+                <a:solidFill>
+                  <a:schemeClr val="tx1"/>
+                </a:solidFill>
+              </a:rPr>
               <a:t>Total valuations</a:t>
             </a:r>
           </a:p>
@@ -5845,7 +5982,9 @@
           <p:nvPr/>
         </p:nvPicPr>
         <p:blipFill>
-          <a:blip r:embed="rId2"/>
+          <a:blip r:embed="rId2">
+            <a:alphaModFix amt="85000"/>
+          </a:blip>
           <a:stretch>
             <a:fillRect/>
           </a:stretch>
@@ -5854,6 +5993,42 @@
           <a:xfrm>
             <a:off x="1449658" y="597662"/>
             <a:ext cx="7772400" cy="5181600"/>
+          </a:xfrm>
+          <a:prstGeom prst="rect">
+            <a:avLst/>
+          </a:prstGeom>
+        </p:spPr>
+      </p:pic>
+      <p:pic>
+        <p:nvPicPr>
+          <p:cNvPr id="5" name="Graphic 4" descr="Unicorn outline">
+            <a:extLst>
+              <a:ext uri="{FF2B5EF4-FFF2-40B4-BE49-F238E27FC236}">
+                <a16:creationId xmlns:a16="http://schemas.microsoft.com/office/drawing/2014/main" id="{8058C4CB-C5CF-C0B5-77D7-B2CA24786610}"/>
+              </a:ext>
+            </a:extLst>
+          </p:cNvPr>
+          <p:cNvPicPr>
+            <a:picLocks noChangeAspect="1"/>
+          </p:cNvPicPr>
+          <p:nvPr/>
+        </p:nvPicPr>
+        <p:blipFill>
+          <a:blip r:embed="rId3">
+            <a:extLst>
+              <a:ext uri="{96DAC541-7B7A-43D3-8B79-37D633B846F1}">
+                <asvg:svgBlip xmlns:asvg="http://schemas.microsoft.com/office/drawing/2016/SVG/main" r:embed="rId4"/>
+              </a:ext>
+            </a:extLst>
+          </a:blip>
+          <a:stretch>
+            <a:fillRect/>
+          </a:stretch>
+        </p:blipFill>
+        <p:spPr>
+          <a:xfrm>
+            <a:off x="9969854" y="426688"/>
+            <a:ext cx="553998" cy="553998"/>
           </a:xfrm>
           <a:prstGeom prst="rect">
             <a:avLst/>
@@ -5941,7 +6116,11 @@
           <a:lstStyle/>
           <a:p>
             <a:r>
-              <a:rPr lang="en-US" sz="2000" dirty="0"/>
+              <a:rPr lang="en-US" sz="2400" b="0" dirty="0">
+                <a:solidFill>
+                  <a:schemeClr val="tx1"/>
+                </a:solidFill>
+              </a:rPr>
               <a:t>Country vs industry</a:t>
             </a:r>
           </a:p>
@@ -5991,7 +6170,9 @@
           <p:nvPr/>
         </p:nvPicPr>
         <p:blipFill>
-          <a:blip r:embed="rId2"/>
+          <a:blip r:embed="rId2">
+            <a:alphaModFix amt="85000"/>
+          </a:blip>
           <a:stretch>
             <a:fillRect/>
           </a:stretch>
@@ -6042,6 +6223,42 @@
           </a:p>
         </p:txBody>
       </p:sp>
+      <p:pic>
+        <p:nvPicPr>
+          <p:cNvPr id="5" name="Graphic 4" descr="Unicorn outline">
+            <a:extLst>
+              <a:ext uri="{FF2B5EF4-FFF2-40B4-BE49-F238E27FC236}">
+                <a16:creationId xmlns:a16="http://schemas.microsoft.com/office/drawing/2014/main" id="{BDEE4917-C96A-C260-7594-C639CCA1BADA}"/>
+              </a:ext>
+            </a:extLst>
+          </p:cNvPr>
+          <p:cNvPicPr>
+            <a:picLocks noChangeAspect="1"/>
+          </p:cNvPicPr>
+          <p:nvPr/>
+        </p:nvPicPr>
+        <p:blipFill>
+          <a:blip r:embed="rId3">
+            <a:extLst>
+              <a:ext uri="{96DAC541-7B7A-43D3-8B79-37D633B846F1}">
+                <asvg:svgBlip xmlns:asvg="http://schemas.microsoft.com/office/drawing/2016/SVG/main" r:embed="rId4"/>
+              </a:ext>
+            </a:extLst>
+          </a:blip>
+          <a:stretch>
+            <a:fillRect/>
+          </a:stretch>
+        </p:blipFill>
+        <p:spPr>
+          <a:xfrm>
+            <a:off x="10025753" y="5395707"/>
+            <a:ext cx="553998" cy="553998"/>
+          </a:xfrm>
+          <a:prstGeom prst="rect">
+            <a:avLst/>
+          </a:prstGeom>
+        </p:spPr>
+      </p:pic>
     </p:spTree>
     <p:extLst>
       <p:ext uri="{BB962C8B-B14F-4D97-AF65-F5344CB8AC3E}">
@@ -6123,7 +6340,11 @@
           <a:lstStyle/>
           <a:p>
             <a:r>
-              <a:rPr lang="en-US" sz="2000" dirty="0"/>
+              <a:rPr lang="en-US" sz="2400" b="0" dirty="0">
+                <a:solidFill>
+                  <a:schemeClr val="tx1"/>
+                </a:solidFill>
+              </a:rPr>
               <a:t>Country vs industry</a:t>
             </a:r>
           </a:p>
@@ -6173,7 +6394,9 @@
           <p:nvPr/>
         </p:nvPicPr>
         <p:blipFill>
-          <a:blip r:embed="rId2"/>
+          <a:blip r:embed="rId2">
+            <a:alphaModFix amt="85000"/>
+          </a:blip>
           <a:stretch>
             <a:fillRect/>
           </a:stretch>
@@ -6182,6 +6405,42 @@
           <a:xfrm>
             <a:off x="1767079" y="625628"/>
             <a:ext cx="7744911" cy="5163274"/>
+          </a:xfrm>
+          <a:prstGeom prst="rect">
+            <a:avLst/>
+          </a:prstGeom>
+        </p:spPr>
+      </p:pic>
+      <p:pic>
+        <p:nvPicPr>
+          <p:cNvPr id="5" name="Graphic 4" descr="Unicorn outline">
+            <a:extLst>
+              <a:ext uri="{FF2B5EF4-FFF2-40B4-BE49-F238E27FC236}">
+                <a16:creationId xmlns:a16="http://schemas.microsoft.com/office/drawing/2014/main" id="{18CBAD37-3156-A287-722E-6D4C459A2FE8}"/>
+              </a:ext>
+            </a:extLst>
+          </p:cNvPr>
+          <p:cNvPicPr>
+            <a:picLocks noChangeAspect="1"/>
+          </p:cNvPicPr>
+          <p:nvPr/>
+        </p:nvPicPr>
+        <p:blipFill>
+          <a:blip r:embed="rId3">
+            <a:extLst>
+              <a:ext uri="{96DAC541-7B7A-43D3-8B79-37D633B846F1}">
+                <asvg:svgBlip xmlns:asvg="http://schemas.microsoft.com/office/drawing/2016/SVG/main" r:embed="rId4"/>
+              </a:ext>
+            </a:extLst>
+          </a:blip>
+          <a:stretch>
+            <a:fillRect/>
+          </a:stretch>
+        </p:blipFill>
+        <p:spPr>
+          <a:xfrm>
+            <a:off x="628652" y="488098"/>
+            <a:ext cx="431178" cy="431178"/>
           </a:xfrm>
           <a:prstGeom prst="rect">
             <a:avLst/>
@@ -6263,12 +6522,24 @@
             <p:ph type="ftr" sz="quarter" idx="11"/>
           </p:nvPr>
         </p:nvSpPr>
-        <p:spPr/>
+        <p:spPr>
+          <a:xfrm rot="5400000">
+            <a:off x="9547304" y="2264783"/>
+            <a:ext cx="3487315" cy="365125"/>
+          </a:xfrm>
+        </p:spPr>
         <p:txBody>
           <a:bodyPr/>
           <a:lstStyle/>
           <a:p>
-            <a:endParaRPr lang="en-US"/>
+            <a:r>
+              <a:rPr lang="en-US" sz="2400" b="0" dirty="0">
+                <a:solidFill>
+                  <a:schemeClr val="tx1"/>
+                </a:solidFill>
+              </a:rPr>
+              <a:t>SELECT INVESTORS</a:t>
+            </a:r>
           </a:p>
         </p:txBody>
       </p:sp>
@@ -6316,7 +6587,9 @@
           <p:nvPr/>
         </p:nvPicPr>
         <p:blipFill>
-          <a:blip r:embed="rId2"/>
+          <a:blip r:embed="rId2">
+            <a:alphaModFix amt="85000"/>
+          </a:blip>
           <a:stretch>
             <a:fillRect/>
           </a:stretch>
@@ -6367,6 +6640,42 @@
           </a:p>
         </p:txBody>
       </p:sp>
+      <p:pic>
+        <p:nvPicPr>
+          <p:cNvPr id="5" name="Graphic 4" descr="Unicorn outline">
+            <a:extLst>
+              <a:ext uri="{FF2B5EF4-FFF2-40B4-BE49-F238E27FC236}">
+                <a16:creationId xmlns:a16="http://schemas.microsoft.com/office/drawing/2014/main" id="{7E6B52D2-88DD-029A-19AA-3669FE86A9F6}"/>
+              </a:ext>
+            </a:extLst>
+          </p:cNvPr>
+          <p:cNvPicPr>
+            <a:picLocks noChangeAspect="1"/>
+          </p:cNvPicPr>
+          <p:nvPr/>
+        </p:nvPicPr>
+        <p:blipFill>
+          <a:blip r:embed="rId3">
+            <a:extLst>
+              <a:ext uri="{96DAC541-7B7A-43D3-8B79-37D633B846F1}">
+                <asvg:svgBlip xmlns:asvg="http://schemas.microsoft.com/office/drawing/2016/SVG/main" r:embed="rId4"/>
+              </a:ext>
+            </a:extLst>
+          </a:blip>
+          <a:stretch>
+            <a:fillRect/>
+          </a:stretch>
+        </p:blipFill>
+        <p:spPr>
+          <a:xfrm>
+            <a:off x="10004425" y="5395707"/>
+            <a:ext cx="553998" cy="553998"/>
+          </a:xfrm>
+          <a:prstGeom prst="rect">
+            <a:avLst/>
+          </a:prstGeom>
+        </p:spPr>
+      </p:pic>
     </p:spTree>
     <p:extLst>
       <p:ext uri="{BB962C8B-B14F-4D97-AF65-F5344CB8AC3E}">
@@ -7491,7 +7800,7 @@
         <p:spPr>
           <a:xfrm>
             <a:off x="11020656" y="547654"/>
-            <a:ext cx="553998" cy="5125052"/>
+            <a:ext cx="553998" cy="3855422"/>
           </a:xfrm>
           <a:prstGeom prst="rect">
             <a:avLst/>
@@ -7650,7 +7959,7 @@
         </p:blipFill>
         <p:spPr>
           <a:xfrm>
-            <a:off x="10875113" y="5037891"/>
+            <a:off x="9974898" y="5236853"/>
             <a:ext cx="754673" cy="754673"/>
           </a:xfrm>
           <a:prstGeom prst="rect">
@@ -7919,7 +8228,7 @@
         </p:blipFill>
         <p:spPr>
           <a:xfrm>
-            <a:off x="10921179" y="4920085"/>
+            <a:off x="9702236" y="430621"/>
             <a:ext cx="752952" cy="752952"/>
           </a:xfrm>
           <a:prstGeom prst="rect">
@@ -8607,8 +8916,8 @@
         </p:blipFill>
         <p:spPr>
           <a:xfrm>
-            <a:off x="10921179" y="4920085"/>
-            <a:ext cx="752952" cy="752952"/>
+            <a:off x="9985428" y="484142"/>
+            <a:ext cx="653475" cy="653475"/>
           </a:xfrm>
           <a:prstGeom prst="rect">
             <a:avLst/>
@@ -8994,7 +9303,7 @@
         </p:blipFill>
         <p:spPr>
           <a:xfrm>
-            <a:off x="11020656" y="5281972"/>
+            <a:off x="11020656" y="5214243"/>
             <a:ext cx="553998" cy="553998"/>
           </a:xfrm>
           <a:prstGeom prst="rect">

--- a/Presentation/Presentation_Group 7.pptx
+++ b/Presentation/Presentation_Group 7.pptx
@@ -5,7 +5,7 @@
     <p:sldMasterId id="2147483725" r:id="rId1"/>
   </p:sldMasterIdLst>
   <p:notesMasterIdLst>
-    <p:notesMasterId r:id="rId20"/>
+    <p:notesMasterId r:id="rId29"/>
   </p:notesMasterIdLst>
   <p:sldIdLst>
     <p:sldId id="256" r:id="rId2"/>
@@ -24,8 +24,17 @@
     <p:sldId id="271" r:id="rId15"/>
     <p:sldId id="272" r:id="rId16"/>
     <p:sldId id="273" r:id="rId17"/>
-    <p:sldId id="262" r:id="rId18"/>
-    <p:sldId id="261" r:id="rId19"/>
+    <p:sldId id="274" r:id="rId18"/>
+    <p:sldId id="275" r:id="rId19"/>
+    <p:sldId id="276" r:id="rId20"/>
+    <p:sldId id="277" r:id="rId21"/>
+    <p:sldId id="278" r:id="rId22"/>
+    <p:sldId id="279" r:id="rId23"/>
+    <p:sldId id="280" r:id="rId24"/>
+    <p:sldId id="281" r:id="rId25"/>
+    <p:sldId id="282" r:id="rId26"/>
+    <p:sldId id="262" r:id="rId27"/>
+    <p:sldId id="261" r:id="rId28"/>
   </p:sldIdLst>
   <p:sldSz cx="12192000" cy="6858000"/>
   <p:notesSz cx="6858000" cy="9144000"/>
@@ -635,6 +644,90 @@
     <p:extLst>
       <p:ext uri="{BB962C8B-B14F-4D97-AF65-F5344CB8AC3E}">
         <p14:creationId xmlns:p14="http://schemas.microsoft.com/office/powerpoint/2010/main" val="4241640806"/>
+      </p:ext>
+    </p:extLst>
+  </p:cSld>
+  <p:clrMapOvr>
+    <a:masterClrMapping/>
+  </p:clrMapOvr>
+</p:notes>
+</file>
+
+<file path=ppt/notesSlides/notesSlide3.xml><?xml version="1.0" encoding="utf-8"?>
+<p:notes xmlns:a="http://schemas.openxmlformats.org/drawingml/2006/main" xmlns:r="http://schemas.openxmlformats.org/officeDocument/2006/relationships" xmlns:p="http://schemas.openxmlformats.org/presentationml/2006/main">
+  <p:cSld>
+    <p:spTree>
+      <p:nvGrpSpPr>
+        <p:cNvPr id="1" name=""/>
+        <p:cNvGrpSpPr/>
+        <p:nvPr/>
+      </p:nvGrpSpPr>
+      <p:grpSpPr>
+        <a:xfrm>
+          <a:off x="0" y="0"/>
+          <a:ext cx="0" cy="0"/>
+          <a:chOff x="0" y="0"/>
+          <a:chExt cx="0" cy="0"/>
+        </a:xfrm>
+      </p:grpSpPr>
+      <p:sp>
+        <p:nvSpPr>
+          <p:cNvPr id="2" name="Slide Image Placeholder 1"/>
+          <p:cNvSpPr>
+            <a:spLocks noGrp="1" noRot="1" noChangeAspect="1"/>
+          </p:cNvSpPr>
+          <p:nvPr>
+            <p:ph type="sldImg"/>
+          </p:nvPr>
+        </p:nvSpPr>
+        <p:spPr/>
+      </p:sp>
+      <p:sp>
+        <p:nvSpPr>
+          <p:cNvPr id="3" name="Notes Placeholder 2"/>
+          <p:cNvSpPr>
+            <a:spLocks noGrp="1"/>
+          </p:cNvSpPr>
+          <p:nvPr>
+            <p:ph type="body" idx="1"/>
+          </p:nvPr>
+        </p:nvSpPr>
+        <p:spPr/>
+        <p:txBody>
+          <a:bodyPr/>
+          <a:lstStyle/>
+          <a:p>
+            <a:endParaRPr lang="en-US" dirty="0"/>
+          </a:p>
+        </p:txBody>
+      </p:sp>
+      <p:sp>
+        <p:nvSpPr>
+          <p:cNvPr id="4" name="Slide Number Placeholder 3"/>
+          <p:cNvSpPr>
+            <a:spLocks noGrp="1"/>
+          </p:cNvSpPr>
+          <p:nvPr>
+            <p:ph type="sldNum" sz="quarter" idx="5"/>
+          </p:nvPr>
+        </p:nvSpPr>
+        <p:spPr/>
+        <p:txBody>
+          <a:bodyPr/>
+          <a:lstStyle/>
+          <a:p>
+            <a:fld id="{44803312-DAB7-B14E-AFBB-90B0AAE27D21}" type="slidenum">
+              <a:rPr lang="en-US" smtClean="0"/>
+              <a:t>17</a:t>
+            </a:fld>
+            <a:endParaRPr lang="en-US"/>
+          </a:p>
+        </p:txBody>
+      </p:sp>
+    </p:spTree>
+    <p:extLst>
+      <p:ext uri="{BB962C8B-B14F-4D97-AF65-F5344CB8AC3E}">
+        <p14:creationId xmlns:p14="http://schemas.microsoft.com/office/powerpoint/2010/main" val="1790906652"/>
       </p:ext>
     </p:extLst>
   </p:cSld>
@@ -5184,11 +5277,13 @@
           <a:bodyPr/>
           <a:lstStyle/>
           <a:p>
-            <a:fld id="{E0318DDB-88AC-4039-B59C-B05DC4C9C16C}" type="datetime1">
-              <a:rPr lang="en-US" smtClean="0"/>
-              <a:t>7/15/24</a:t>
-            </a:fld>
-            <a:endParaRPr lang="en-US"/>
+            <a:r>
+              <a:rPr lang="en-US" dirty="0"/>
+              <a:t>Sources in appendix</a:t>
+            </a:r>
+          </a:p>
+          <a:p>
+            <a:endParaRPr lang="en-US" dirty="0"/>
           </a:p>
         </p:txBody>
       </p:sp>
@@ -5476,11 +5571,13 @@
           <a:bodyPr/>
           <a:lstStyle/>
           <a:p>
-            <a:fld id="{E0318DDB-88AC-4039-B59C-B05DC4C9C16C}" type="datetime1">
-              <a:rPr lang="en-US" smtClean="0"/>
-              <a:t>7/15/24</a:t>
-            </a:fld>
-            <a:endParaRPr lang="en-US"/>
+            <a:r>
+              <a:rPr lang="en-US" dirty="0"/>
+              <a:t>Sources in appendix</a:t>
+            </a:r>
+          </a:p>
+          <a:p>
+            <a:endParaRPr lang="en-US" dirty="0"/>
           </a:p>
         </p:txBody>
       </p:sp>
@@ -5669,11 +5766,13 @@
           <a:bodyPr/>
           <a:lstStyle/>
           <a:p>
-            <a:fld id="{E0318DDB-88AC-4039-B59C-B05DC4C9C16C}" type="datetime1">
-              <a:rPr lang="en-US" smtClean="0"/>
-              <a:t>7/15/24</a:t>
-            </a:fld>
-            <a:endParaRPr lang="en-US"/>
+            <a:r>
+              <a:rPr lang="en-US" dirty="0"/>
+              <a:t>Sources in appendix</a:t>
+            </a:r>
+          </a:p>
+          <a:p>
+            <a:endParaRPr lang="en-US" dirty="0"/>
           </a:p>
         </p:txBody>
       </p:sp>
@@ -5898,11 +5997,13 @@
           <a:bodyPr/>
           <a:lstStyle/>
           <a:p>
-            <a:fld id="{E0318DDB-88AC-4039-B59C-B05DC4C9C16C}" type="datetime1">
-              <a:rPr lang="en-US" smtClean="0"/>
-              <a:t>7/15/24</a:t>
-            </a:fld>
-            <a:endParaRPr lang="en-US"/>
+            <a:r>
+              <a:rPr lang="en-US" dirty="0"/>
+              <a:t>Sources in appendix</a:t>
+            </a:r>
+          </a:p>
+          <a:p>
+            <a:endParaRPr lang="en-US" dirty="0"/>
           </a:p>
         </p:txBody>
       </p:sp>
@@ -6086,11 +6187,13 @@
           <a:bodyPr/>
           <a:lstStyle/>
           <a:p>
-            <a:fld id="{E0318DDB-88AC-4039-B59C-B05DC4C9C16C}" type="datetime1">
-              <a:rPr lang="en-US" smtClean="0"/>
-              <a:t>7/15/24</a:t>
-            </a:fld>
-            <a:endParaRPr lang="en-US"/>
+            <a:r>
+              <a:rPr lang="en-US" dirty="0"/>
+              <a:t>Sources in appendix</a:t>
+            </a:r>
+          </a:p>
+          <a:p>
+            <a:endParaRPr lang="en-US" dirty="0"/>
           </a:p>
         </p:txBody>
       </p:sp>
@@ -6310,11 +6413,13 @@
           <a:bodyPr/>
           <a:lstStyle/>
           <a:p>
-            <a:fld id="{E0318DDB-88AC-4039-B59C-B05DC4C9C16C}" type="datetime1">
-              <a:rPr lang="en-US" smtClean="0"/>
-              <a:t>7/15/24</a:t>
-            </a:fld>
-            <a:endParaRPr lang="en-US"/>
+            <a:r>
+              <a:rPr lang="en-US" dirty="0"/>
+              <a:t>Sources in appendix</a:t>
+            </a:r>
+          </a:p>
+          <a:p>
+            <a:endParaRPr lang="en-US" dirty="0"/>
           </a:p>
         </p:txBody>
       </p:sp>
@@ -6498,11 +6603,13 @@
           <a:bodyPr/>
           <a:lstStyle/>
           <a:p>
-            <a:fld id="{E0318DDB-88AC-4039-B59C-B05DC4C9C16C}" type="datetime1">
-              <a:rPr lang="en-US" smtClean="0"/>
-              <a:t>7/15/24</a:t>
-            </a:fld>
-            <a:endParaRPr lang="en-US"/>
+            <a:r>
+              <a:rPr lang="en-US" dirty="0"/>
+              <a:t>Sources in appendix</a:t>
+            </a:r>
+          </a:p>
+          <a:p>
+            <a:endParaRPr lang="en-US" dirty="0"/>
           </a:p>
         </p:txBody>
       </p:sp>
@@ -6708,10 +6815,90 @@
       </p:grpSpPr>
       <p:sp>
         <p:nvSpPr>
+          <p:cNvPr id="7" name="Title 6">
+            <a:extLst>
+              <a:ext uri="{FF2B5EF4-FFF2-40B4-BE49-F238E27FC236}">
+                <a16:creationId xmlns:a16="http://schemas.microsoft.com/office/drawing/2014/main" id="{ABC82285-EB6C-6313-F6C5-3DDB45648255}"/>
+              </a:ext>
+            </a:extLst>
+          </p:cNvPr>
+          <p:cNvSpPr>
+            <a:spLocks noGrp="1"/>
+          </p:cNvSpPr>
+          <p:nvPr>
+            <p:ph type="title"/>
+          </p:nvPr>
+        </p:nvSpPr>
+        <p:spPr/>
+        <p:txBody>
+          <a:bodyPr>
+            <a:normAutofit/>
+          </a:bodyPr>
+          <a:lstStyle/>
+          <a:p>
+            <a:r>
+              <a:rPr lang="en-US" sz="3200" dirty="0">
+                <a:solidFill>
+                  <a:schemeClr val="tx1"/>
+                </a:solidFill>
+                <a:latin typeface="+mn-lt"/>
+              </a:rPr>
+              <a:t>Comparing the Entry Dates of Unicorn Companies</a:t>
+            </a:r>
+          </a:p>
+        </p:txBody>
+      </p:sp>
+      <p:sp>
+        <p:nvSpPr>
+          <p:cNvPr id="8" name="Content Placeholder 7">
+            <a:extLst>
+              <a:ext uri="{FF2B5EF4-FFF2-40B4-BE49-F238E27FC236}">
+                <a16:creationId xmlns:a16="http://schemas.microsoft.com/office/drawing/2014/main" id="{A7FC3199-01D3-A0CC-A9D4-1C0F7EBFB689}"/>
+              </a:ext>
+            </a:extLst>
+          </p:cNvPr>
+          <p:cNvSpPr>
+            <a:spLocks noGrp="1"/>
+          </p:cNvSpPr>
+          <p:nvPr>
+            <p:ph idx="1"/>
+          </p:nvPr>
+        </p:nvSpPr>
+        <p:spPr>
+          <a:xfrm>
+            <a:off x="838199" y="3114392"/>
+            <a:ext cx="9527275" cy="2638134"/>
+          </a:xfrm>
+        </p:spPr>
+        <p:txBody>
+          <a:bodyPr/>
+          <a:lstStyle/>
+          <a:p>
+            <a:pPr marL="0" indent="0">
+              <a:buNone/>
+            </a:pPr>
+            <a:r>
+              <a:rPr lang="en-US" dirty="0"/>
+              <a:t>What does “date joined” entail?</a:t>
+            </a:r>
+          </a:p>
+          <a:p>
+            <a:pPr marL="457200" lvl="1" indent="0">
+              <a:buNone/>
+            </a:pPr>
+            <a:r>
+              <a:rPr lang="en-US" dirty="0"/>
+              <a:t>Typically means the date when the company reached a market valuation of $1 billion or more, officially making it a "unicorn“</a:t>
+            </a:r>
+          </a:p>
+        </p:txBody>
+      </p:sp>
+      <p:sp>
+        <p:nvSpPr>
           <p:cNvPr id="2" name="Date Placeholder 1">
             <a:extLst>
               <a:ext uri="{FF2B5EF4-FFF2-40B4-BE49-F238E27FC236}">
-                <a16:creationId xmlns:a16="http://schemas.microsoft.com/office/drawing/2014/main" id="{2057B4EC-A9FC-9F11-0382-3F7DCF05BEFC}"/>
+                <a16:creationId xmlns:a16="http://schemas.microsoft.com/office/drawing/2014/main" id="{4923DC4A-10B5-E4B6-BBA3-1AA6BE9722AC}"/>
               </a:ext>
             </a:extLst>
           </p:cNvPr>
@@ -6729,8 +6916,11 @@
           <a:p>
             <a:r>
               <a:rPr lang="en-US" dirty="0"/>
-              <a:t>SOURCES IN APPENDIX</a:t>
-            </a:r>
+              <a:t>Sources in appendix</a:t>
+            </a:r>
+          </a:p>
+          <a:p>
+            <a:endParaRPr lang="en-US" dirty="0"/>
           </a:p>
         </p:txBody>
       </p:sp>
@@ -6739,7 +6929,7 @@
           <p:cNvPr id="3" name="Footer Placeholder 2">
             <a:extLst>
               <a:ext uri="{FF2B5EF4-FFF2-40B4-BE49-F238E27FC236}">
-                <a16:creationId xmlns:a16="http://schemas.microsoft.com/office/drawing/2014/main" id="{BCBF9281-1C29-F707-BB8C-C2C70A32D511}"/>
+                <a16:creationId xmlns:a16="http://schemas.microsoft.com/office/drawing/2014/main" id="{683E97A1-1D6B-C2CF-12FB-A369423684A0}"/>
               </a:ext>
             </a:extLst>
           </p:cNvPr>
@@ -6756,8 +6946,12 @@
           <a:lstStyle/>
           <a:p>
             <a:r>
-              <a:rPr lang="en-US" sz="2400" dirty="0"/>
-              <a:t>OBSERVATIONS</a:t>
+              <a:rPr lang="en-US" sz="2400" b="0" dirty="0">
+                <a:solidFill>
+                  <a:schemeClr val="tx1"/>
+                </a:solidFill>
+              </a:rPr>
+              <a:t>Trend and Insights</a:t>
             </a:r>
           </a:p>
         </p:txBody>
@@ -6767,7 +6961,7 @@
           <p:cNvPr id="4" name="Slide Number Placeholder 3">
             <a:extLst>
               <a:ext uri="{FF2B5EF4-FFF2-40B4-BE49-F238E27FC236}">
-                <a16:creationId xmlns:a16="http://schemas.microsoft.com/office/drawing/2014/main" id="{60B090CC-CB4F-8AD9-B960-E4A4B7FFA54D}"/>
+                <a16:creationId xmlns:a16="http://schemas.microsoft.com/office/drawing/2014/main" id="{830839C1-B5A9-AB0E-7A1B-6FF787FD8B16}"/>
               </a:ext>
             </a:extLst>
           </p:cNvPr>
@@ -6791,144 +6985,12 @@
           </a:p>
         </p:txBody>
       </p:sp>
-      <p:sp>
-        <p:nvSpPr>
-          <p:cNvPr id="5" name="TextBox 4">
-            <a:extLst>
-              <a:ext uri="{FF2B5EF4-FFF2-40B4-BE49-F238E27FC236}">
-                <a16:creationId xmlns:a16="http://schemas.microsoft.com/office/drawing/2014/main" id="{C45815B2-5CA8-0CAF-3550-33B222DA7881}"/>
-              </a:ext>
-            </a:extLst>
-          </p:cNvPr>
-          <p:cNvSpPr txBox="1"/>
-          <p:nvPr/>
-        </p:nvSpPr>
-        <p:spPr>
-          <a:xfrm>
-            <a:off x="718475" y="430621"/>
-            <a:ext cx="8644858" cy="5632311"/>
-          </a:xfrm>
-          <a:prstGeom prst="rect">
-            <a:avLst/>
-          </a:prstGeom>
-          <a:noFill/>
-        </p:spPr>
-        <p:txBody>
-          <a:bodyPr wrap="square" rtlCol="0">
-            <a:spAutoFit/>
-          </a:bodyPr>
-          <a:lstStyle/>
-          <a:p>
-            <a:r>
-              <a:rPr lang="en-US" b="1" dirty="0"/>
-              <a:t>Valuation Trends</a:t>
-            </a:r>
-            <a:r>
-              <a:rPr lang="en-US" dirty="0"/>
-              <a:t>:</a:t>
-            </a:r>
-          </a:p>
-          <a:p>
-            <a:pPr>
-              <a:buFont typeface="Arial" panose="020B0604020202020204" pitchFamily="34" charset="0"/>
-              <a:buChar char="•"/>
-            </a:pPr>
-            <a:r>
-              <a:rPr lang="en-US" dirty="0"/>
-              <a:t>Significant growth is observed in companies within the Artificial Intelligence and Other industries from 2022 to 2024, while industries like E-commerce &amp; Direct-to-Consumer and Edtech have shown notable declines over the same period.</a:t>
-            </a:r>
-          </a:p>
-          <a:p>
-            <a:r>
-              <a:rPr lang="en-US" b="1" dirty="0"/>
-              <a:t>Geographic Distribution</a:t>
-            </a:r>
-            <a:r>
-              <a:rPr lang="en-US" dirty="0"/>
-              <a:t>:</a:t>
-            </a:r>
-          </a:p>
-          <a:p>
-            <a:pPr>
-              <a:buFont typeface="Arial" panose="020B0604020202020204" pitchFamily="34" charset="0"/>
-              <a:buChar char="•"/>
-            </a:pPr>
-            <a:r>
-              <a:rPr lang="en-US" dirty="0"/>
-              <a:t>The dataset includes companies from diverse geographic locations, with a significant presence in the United States and China. Notable cities with high valuation companies include San Francisco, Beijing, and Shenzhen.</a:t>
-            </a:r>
-          </a:p>
-          <a:p>
-            <a:r>
-              <a:rPr lang="en-US" b="1" dirty="0"/>
-              <a:t>Date of Joining</a:t>
-            </a:r>
-            <a:r>
-              <a:rPr lang="en-US" dirty="0"/>
-              <a:t>:</a:t>
-            </a:r>
-          </a:p>
-          <a:p>
-            <a:pPr>
-              <a:buFont typeface="Arial" panose="020B0604020202020204" pitchFamily="34" charset="0"/>
-              <a:buChar char="•"/>
-            </a:pPr>
-            <a:r>
-              <a:rPr lang="en-US" dirty="0"/>
-              <a:t>A noticeable trend is the influx of high-valuation companies joining around the years 2017 and 2018, indicating a peak period for startup formations and investments.</a:t>
-            </a:r>
-          </a:p>
-          <a:p>
-            <a:r>
-              <a:rPr lang="en-US" b="1" dirty="0"/>
-              <a:t>Industry Distribution</a:t>
-            </a:r>
-            <a:r>
-              <a:rPr lang="en-US" dirty="0"/>
-              <a:t>:</a:t>
-            </a:r>
-          </a:p>
-          <a:p>
-            <a:pPr>
-              <a:buFont typeface="Arial" panose="020B0604020202020204" pitchFamily="34" charset="0"/>
-              <a:buChar char="•"/>
-            </a:pPr>
-            <a:r>
-              <a:rPr lang="en-US" dirty="0"/>
-              <a:t>The dataset is well-represented across various industries, with a strong emphasis on emerging sectors such as Artificial Intelligence, Data Management &amp; Analytics, and Internet Software &amp; Services, indicating a focus on technology-driven growth.</a:t>
-            </a:r>
-          </a:p>
-          <a:p>
-            <a:r>
-              <a:rPr lang="en-US" b="1" dirty="0"/>
-              <a:t>Investor Influence</a:t>
-            </a:r>
-            <a:r>
-              <a:rPr lang="en-US" dirty="0"/>
-              <a:t>:</a:t>
-            </a:r>
-          </a:p>
-          <a:p>
-            <a:pPr>
-              <a:buFont typeface="Arial" panose="020B0604020202020204" pitchFamily="34" charset="0"/>
-              <a:buChar char="•"/>
-            </a:pPr>
-            <a:r>
-              <a:rPr lang="en-US" dirty="0"/>
-              <a:t>Prominent investors like Sequoia Capital, Tiger Global Management, and Andreessen Horowitz are recurrently mentioned, highlighting their significant role in funding and supporting high-valuation startups across multiple industries.</a:t>
-            </a:r>
-          </a:p>
-          <a:p>
-            <a:endParaRPr lang="en-US" dirty="0"/>
-          </a:p>
-        </p:txBody>
-      </p:sp>
       <p:pic>
         <p:nvPicPr>
-          <p:cNvPr id="6" name="Graphic 5" descr="Unicorn outline">
-            <a:extLst>
-              <a:ext uri="{FF2B5EF4-FFF2-40B4-BE49-F238E27FC236}">
-                <a16:creationId xmlns:a16="http://schemas.microsoft.com/office/drawing/2014/main" id="{D8B59B3A-FD1B-E35C-38F7-650F2B1B36F2}"/>
+          <p:cNvPr id="5" name="Graphic 4" descr="Unicorn outline">
+            <a:extLst>
+              <a:ext uri="{FF2B5EF4-FFF2-40B4-BE49-F238E27FC236}">
+                <a16:creationId xmlns:a16="http://schemas.microsoft.com/office/drawing/2014/main" id="{9E35857F-4181-472C-28C0-6485739A1EBA}"/>
               </a:ext>
             </a:extLst>
           </p:cNvPr>
@@ -6938,10 +7000,10 @@
           <p:nvPr/>
         </p:nvPicPr>
         <p:blipFill>
-          <a:blip r:embed="rId2">
+          <a:blip r:embed="rId3">
             <a:extLst>
               <a:ext uri="{96DAC541-7B7A-43D3-8B79-37D633B846F1}">
-                <asvg:svgBlip xmlns:asvg="http://schemas.microsoft.com/office/drawing/2016/SVG/main" r:embed="rId3"/>
+                <asvg:svgBlip xmlns:asvg="http://schemas.microsoft.com/office/drawing/2016/SVG/main" r:embed="rId4"/>
               </a:ext>
             </a:extLst>
           </a:blip>
@@ -6951,8 +7013,8 @@
         </p:blipFill>
         <p:spPr>
           <a:xfrm>
-            <a:off x="11021482" y="5120360"/>
-            <a:ext cx="552346" cy="552346"/>
+            <a:off x="10004425" y="5395707"/>
+            <a:ext cx="553998" cy="553998"/>
           </a:xfrm>
           <a:prstGeom prst="rect">
             <a:avLst/>
@@ -6962,7 +7024,7 @@
     </p:spTree>
     <p:extLst>
       <p:ext uri="{BB962C8B-B14F-4D97-AF65-F5344CB8AC3E}">
-        <p14:creationId xmlns:p14="http://schemas.microsoft.com/office/powerpoint/2010/main" val="4153962363"/>
+        <p14:creationId xmlns:p14="http://schemas.microsoft.com/office/powerpoint/2010/main" val="2456073826"/>
       </p:ext>
     </p:extLst>
   </p:cSld>
@@ -6989,12 +7051,81 @@
           <a:chExt cx="0" cy="0"/>
         </a:xfrm>
       </p:grpSpPr>
-      <p:sp>
-        <p:nvSpPr>
-          <p:cNvPr id="2" name="Date Placeholder 1">
-            <a:extLst>
-              <a:ext uri="{FF2B5EF4-FFF2-40B4-BE49-F238E27FC236}">
-                <a16:creationId xmlns:a16="http://schemas.microsoft.com/office/drawing/2014/main" id="{66B1ECA5-644F-AF76-C9EE-9056A48E1162}"/>
+      <p:pic>
+        <p:nvPicPr>
+          <p:cNvPr id="10" name="Picture 9" descr="A graph with numbers and a bar&#10;&#10;Description automatically generated">
+            <a:extLst>
+              <a:ext uri="{FF2B5EF4-FFF2-40B4-BE49-F238E27FC236}">
+                <a16:creationId xmlns:a16="http://schemas.microsoft.com/office/drawing/2014/main" id="{B3CCBD33-1926-D7A7-B398-9FBC860BAF89}"/>
+              </a:ext>
+            </a:extLst>
+          </p:cNvPr>
+          <p:cNvPicPr>
+            <a:picLocks noChangeAspect="1"/>
+          </p:cNvPicPr>
+          <p:nvPr/>
+        </p:nvPicPr>
+        <p:blipFill>
+          <a:blip r:embed="rId2"/>
+          <a:stretch>
+            <a:fillRect/>
+          </a:stretch>
+        </p:blipFill>
+        <p:spPr>
+          <a:xfrm>
+            <a:off x="1835855" y="1564556"/>
+            <a:ext cx="7457767" cy="3728885"/>
+          </a:xfrm>
+          <a:prstGeom prst="rect">
+            <a:avLst/>
+          </a:prstGeom>
+        </p:spPr>
+      </p:pic>
+      <p:sp>
+        <p:nvSpPr>
+          <p:cNvPr id="5" name="Footer Placeholder 4">
+            <a:extLst>
+              <a:ext uri="{FF2B5EF4-FFF2-40B4-BE49-F238E27FC236}">
+                <a16:creationId xmlns:a16="http://schemas.microsoft.com/office/drawing/2014/main" id="{52F25E2C-CE55-664D-32D1-B9626E02F4A5}"/>
+              </a:ext>
+            </a:extLst>
+          </p:cNvPr>
+          <p:cNvSpPr>
+            <a:spLocks noGrp="1"/>
+          </p:cNvSpPr>
+          <p:nvPr>
+            <p:ph type="ftr" sz="quarter" idx="11"/>
+          </p:nvPr>
+        </p:nvSpPr>
+        <p:spPr>
+          <a:xfrm rot="5400000">
+            <a:off x="8669919" y="2869103"/>
+            <a:ext cx="5242085" cy="365125"/>
+          </a:xfrm>
+        </p:spPr>
+        <p:txBody>
+          <a:bodyPr vert="horz" lIns="91440" tIns="45720" rIns="91440" bIns="45720" rtlCol="0" anchor="ctr">
+            <a:noAutofit/>
+          </a:bodyPr>
+          <a:lstStyle/>
+          <a:p>
+            <a:r>
+              <a:rPr lang="en-US" sz="1800" b="0" dirty="0">
+                <a:solidFill>
+                  <a:schemeClr val="tx1"/>
+                </a:solidFill>
+              </a:rPr>
+              <a:t>Market Valuation vs Year Joined </a:t>
+            </a:r>
+          </a:p>
+        </p:txBody>
+      </p:sp>
+      <p:sp>
+        <p:nvSpPr>
+          <p:cNvPr id="4" name="Date Placeholder 3">
+            <a:extLst>
+              <a:ext uri="{FF2B5EF4-FFF2-40B4-BE49-F238E27FC236}">
+                <a16:creationId xmlns:a16="http://schemas.microsoft.com/office/drawing/2014/main" id="{643BB500-835F-33D8-D967-B312440D8946}"/>
               </a:ext>
             </a:extLst>
           </p:cNvPr>
@@ -7005,25 +7136,44 @@
             <p:ph type="dt" sz="half" idx="10"/>
           </p:nvPr>
         </p:nvSpPr>
-        <p:spPr/>
-        <p:txBody>
-          <a:bodyPr/>
-          <a:lstStyle/>
-          <a:p>
-            <a:fld id="{E0318DDB-88AC-4039-B59C-B05DC4C9C16C}" type="datetime1">
-              <a:rPr lang="en-US" smtClean="0"/>
-              <a:t>7/15/24</a:t>
-            </a:fld>
+        <p:spPr>
+          <a:xfrm>
+            <a:off x="628652" y="6140304"/>
+            <a:ext cx="3154896" cy="287075"/>
+          </a:xfrm>
+        </p:spPr>
+        <p:txBody>
+          <a:bodyPr vert="horz" lIns="91440" tIns="45720" rIns="91440" bIns="45720" rtlCol="0" anchor="ctr">
+            <a:normAutofit fontScale="92500" lnSpcReduction="20000"/>
+          </a:bodyPr>
+          <a:lstStyle/>
+          <a:p>
+            <a:pPr>
+              <a:spcAft>
+                <a:spcPts val="600"/>
+              </a:spcAft>
+            </a:pPr>
+            <a:r>
+              <a:rPr lang="en-US" dirty="0"/>
+              <a:t>Sources in appendix</a:t>
+            </a:r>
+          </a:p>
+          <a:p>
+            <a:pPr>
+              <a:spcAft>
+                <a:spcPts val="600"/>
+              </a:spcAft>
+            </a:pPr>
             <a:endParaRPr lang="en-US" dirty="0"/>
           </a:p>
         </p:txBody>
       </p:sp>
       <p:sp>
         <p:nvSpPr>
-          <p:cNvPr id="4" name="Slide Number Placeholder 3">
-            <a:extLst>
-              <a:ext uri="{FF2B5EF4-FFF2-40B4-BE49-F238E27FC236}">
-                <a16:creationId xmlns:a16="http://schemas.microsoft.com/office/drawing/2014/main" id="{137CC4E6-D852-3907-100A-AA924CEB085C}"/>
+          <p:cNvPr id="6" name="Slide Number Placeholder 5">
+            <a:extLst>
+              <a:ext uri="{FF2B5EF4-FFF2-40B4-BE49-F238E27FC236}">
+                <a16:creationId xmlns:a16="http://schemas.microsoft.com/office/drawing/2014/main" id="{C51992BB-9132-99F2-12ED-3CA0086B9956}"/>
               </a:ext>
             </a:extLst>
           </p:cNvPr>
@@ -7034,13 +7184,30 @@
             <p:ph type="sldNum" sz="quarter" idx="12"/>
           </p:nvPr>
         </p:nvSpPr>
-        <p:spPr/>
-        <p:txBody>
-          <a:bodyPr/>
-          <a:lstStyle/>
-          <a:p>
+        <p:spPr>
+          <a:xfrm>
+            <a:off x="10821701" y="5672706"/>
+            <a:ext cx="951908" cy="754673"/>
+          </a:xfrm>
+        </p:spPr>
+        <p:txBody>
+          <a:bodyPr vert="horz" lIns="91440" tIns="45720" rIns="91440" bIns="45720" rtlCol="0" anchor="ctr">
+            <a:normAutofit/>
+          </a:bodyPr>
+          <a:lstStyle/>
+          <a:p>
+            <a:pPr>
+              <a:spcAft>
+                <a:spcPts val="600"/>
+              </a:spcAft>
+            </a:pPr>
             <a:fld id="{81D2C36F-4504-47C0-B82F-A167342A2754}" type="slidenum">
               <a:rPr lang="en-US" smtClean="0"/>
+              <a:pPr>
+                <a:spcAft>
+                  <a:spcPts val="600"/>
+                </a:spcAft>
+              </a:pPr>
               <a:t>18</a:t>
             </a:fld>
             <a:endParaRPr lang="en-US"/>
@@ -7049,10 +7216,10 @@
       </p:sp>
       <p:sp>
         <p:nvSpPr>
-          <p:cNvPr id="6" name="TextBox 5">
-            <a:extLst>
-              <a:ext uri="{FF2B5EF4-FFF2-40B4-BE49-F238E27FC236}">
-                <a16:creationId xmlns:a16="http://schemas.microsoft.com/office/drawing/2014/main" id="{0A280019-26DA-862A-0FB3-5E66E674A86C}"/>
+          <p:cNvPr id="12" name="TextBox 11">
+            <a:extLst>
+              <a:ext uri="{FF2B5EF4-FFF2-40B4-BE49-F238E27FC236}">
+                <a16:creationId xmlns:a16="http://schemas.microsoft.com/office/drawing/2014/main" id="{60B90605-B625-1BE5-412E-5241B5832ED7}"/>
               </a:ext>
             </a:extLst>
           </p:cNvPr>
@@ -7061,8 +7228,8 @@
         </p:nvSpPr>
         <p:spPr>
           <a:xfrm>
-            <a:off x="628652" y="906839"/>
-            <a:ext cx="9709148" cy="3139321"/>
+            <a:off x="628652" y="561315"/>
+            <a:ext cx="9886947" cy="646331"/>
           </a:xfrm>
           <a:prstGeom prst="rect">
             <a:avLst/>
@@ -7077,99 +7244,237 @@
           <a:p>
             <a:r>
               <a:rPr lang="en-US" dirty="0"/>
-              <a:t>Data Set Sources: </a:t>
-            </a:r>
-          </a:p>
-          <a:p>
+              <a:t>There is a significant Increase in Unicorn Companies in 2021. Possibly due to accelerated digital transformation and increased adoption of technology driven by the COVID-19 pandemic.</a:t>
+            </a:r>
+          </a:p>
+        </p:txBody>
+      </p:sp>
+      <p:pic>
+        <p:nvPicPr>
+          <p:cNvPr id="2" name="Graphic 1" descr="Unicorn outline">
+            <a:extLst>
+              <a:ext uri="{FF2B5EF4-FFF2-40B4-BE49-F238E27FC236}">
+                <a16:creationId xmlns:a16="http://schemas.microsoft.com/office/drawing/2014/main" id="{4D51407A-B19D-0AAF-90F7-FB35D43F130D}"/>
+              </a:ext>
+            </a:extLst>
+          </p:cNvPr>
+          <p:cNvPicPr>
+            <a:picLocks noChangeAspect="1"/>
+          </p:cNvPicPr>
+          <p:nvPr/>
+        </p:nvPicPr>
+        <p:blipFill>
+          <a:blip r:embed="rId3">
+            <a:extLst>
+              <a:ext uri="{96DAC541-7B7A-43D3-8B79-37D633B846F1}">
+                <asvg:svgBlip xmlns:asvg="http://schemas.microsoft.com/office/drawing/2016/SVG/main" r:embed="rId4"/>
+              </a:ext>
+            </a:extLst>
+          </a:blip>
+          <a:stretch>
+            <a:fillRect/>
+          </a:stretch>
+        </p:blipFill>
+        <p:spPr>
+          <a:xfrm>
+            <a:off x="628652" y="5395707"/>
+            <a:ext cx="553998" cy="553998"/>
+          </a:xfrm>
+          <a:prstGeom prst="rect">
+            <a:avLst/>
+          </a:prstGeom>
+        </p:spPr>
+      </p:pic>
+    </p:spTree>
+    <p:extLst>
+      <p:ext uri="{BB962C8B-B14F-4D97-AF65-F5344CB8AC3E}">
+        <p14:creationId xmlns:p14="http://schemas.microsoft.com/office/powerpoint/2010/main" val="1558712455"/>
+      </p:ext>
+    </p:extLst>
+  </p:cSld>
+  <p:clrMapOvr>
+    <a:masterClrMapping/>
+  </p:clrMapOvr>
+</p:sld>
+</file>
+
+<file path=ppt/slides/slide19.xml><?xml version="1.0" encoding="utf-8"?>
+<p:sld xmlns:a="http://schemas.openxmlformats.org/drawingml/2006/main" xmlns:r="http://schemas.openxmlformats.org/officeDocument/2006/relationships" xmlns:p="http://schemas.openxmlformats.org/presentationml/2006/main">
+  <p:cSld>
+    <p:spTree>
+      <p:nvGrpSpPr>
+        <p:cNvPr id="1" name=""/>
+        <p:cNvGrpSpPr/>
+        <p:nvPr/>
+      </p:nvGrpSpPr>
+      <p:grpSpPr>
+        <a:xfrm>
+          <a:off x="0" y="0"/>
+          <a:ext cx="0" cy="0"/>
+          <a:chOff x="0" y="0"/>
+          <a:chExt cx="0" cy="0"/>
+        </a:xfrm>
+      </p:grpSpPr>
+      <p:pic>
+        <p:nvPicPr>
+          <p:cNvPr id="3" name="Picture 2" descr="A graph with numbers and a bar&#10;&#10;Description automatically generated with medium confidence">
+            <a:extLst>
+              <a:ext uri="{FF2B5EF4-FFF2-40B4-BE49-F238E27FC236}">
+                <a16:creationId xmlns:a16="http://schemas.microsoft.com/office/drawing/2014/main" id="{A0966C60-B0FD-AF7B-0FF7-2EEEEB475F9F}"/>
+              </a:ext>
+            </a:extLst>
+          </p:cNvPr>
+          <p:cNvPicPr>
+            <a:picLocks noChangeAspect="1"/>
+          </p:cNvPicPr>
+          <p:nvPr/>
+        </p:nvPicPr>
+        <p:blipFill>
+          <a:blip r:embed="rId2"/>
+          <a:stretch>
+            <a:fillRect/>
+          </a:stretch>
+        </p:blipFill>
+        <p:spPr>
+          <a:xfrm>
+            <a:off x="1835855" y="1564556"/>
+            <a:ext cx="7457767" cy="3728885"/>
+          </a:xfrm>
+          <a:prstGeom prst="rect">
+            <a:avLst/>
+          </a:prstGeom>
+        </p:spPr>
+      </p:pic>
+      <p:sp>
+        <p:nvSpPr>
+          <p:cNvPr id="5" name="Footer Placeholder 4">
+            <a:extLst>
+              <a:ext uri="{FF2B5EF4-FFF2-40B4-BE49-F238E27FC236}">
+                <a16:creationId xmlns:a16="http://schemas.microsoft.com/office/drawing/2014/main" id="{52F25E2C-CE55-664D-32D1-B9626E02F4A5}"/>
+              </a:ext>
+            </a:extLst>
+          </p:cNvPr>
+          <p:cNvSpPr>
+            <a:spLocks noGrp="1"/>
+          </p:cNvSpPr>
+          <p:nvPr>
+            <p:ph type="ftr" sz="quarter" idx="11"/>
+          </p:nvPr>
+        </p:nvSpPr>
+        <p:spPr>
+          <a:xfrm rot="5400000">
+            <a:off x="8436119" y="3007206"/>
+            <a:ext cx="5709684" cy="365125"/>
+          </a:xfrm>
+        </p:spPr>
+        <p:txBody>
+          <a:bodyPr vert="horz" lIns="91440" tIns="45720" rIns="91440" bIns="45720" rtlCol="0" anchor="ctr">
+            <a:noAutofit/>
+          </a:bodyPr>
+          <a:lstStyle/>
+          <a:p>
+            <a:r>
+              <a:rPr lang="en-US" sz="2000" b="0" dirty="0">
+                <a:solidFill>
+                  <a:schemeClr val="tx1"/>
+                </a:solidFill>
+              </a:rPr>
+              <a:t>Market Valuation vs Year Joined </a:t>
+            </a:r>
+          </a:p>
+        </p:txBody>
+      </p:sp>
+      <p:sp>
+        <p:nvSpPr>
+          <p:cNvPr id="4" name="Date Placeholder 3">
+            <a:extLst>
+              <a:ext uri="{FF2B5EF4-FFF2-40B4-BE49-F238E27FC236}">
+                <a16:creationId xmlns:a16="http://schemas.microsoft.com/office/drawing/2014/main" id="{643BB500-835F-33D8-D967-B312440D8946}"/>
+              </a:ext>
+            </a:extLst>
+          </p:cNvPr>
+          <p:cNvSpPr>
+            <a:spLocks noGrp="1"/>
+          </p:cNvSpPr>
+          <p:nvPr>
+            <p:ph type="dt" sz="half" idx="10"/>
+          </p:nvPr>
+        </p:nvSpPr>
+        <p:spPr>
+          <a:xfrm>
+            <a:off x="628652" y="6140304"/>
+            <a:ext cx="3154896" cy="287075"/>
+          </a:xfrm>
+        </p:spPr>
+        <p:txBody>
+          <a:bodyPr vert="horz" lIns="91440" tIns="45720" rIns="91440" bIns="45720" rtlCol="0" anchor="ctr">
+            <a:normAutofit fontScale="92500" lnSpcReduction="20000"/>
+          </a:bodyPr>
+          <a:lstStyle/>
+          <a:p>
+            <a:pPr>
+              <a:spcAft>
+                <a:spcPts val="600"/>
+              </a:spcAft>
+            </a:pPr>
+            <a:r>
+              <a:rPr lang="en-US" dirty="0"/>
+              <a:t>Sources in appendix</a:t>
+            </a:r>
+          </a:p>
+          <a:p>
+            <a:pPr>
+              <a:spcAft>
+                <a:spcPts val="600"/>
+              </a:spcAft>
+            </a:pPr>
             <a:endParaRPr lang="en-US" dirty="0"/>
           </a:p>
-          <a:p>
-            <a:r>
-              <a:rPr lang="en-US" dirty="0"/>
-              <a:t>CB Insights:</a:t>
-            </a:r>
-          </a:p>
-          <a:p>
-            <a:r>
-              <a:rPr lang="en-US" dirty="0"/>
-              <a:t> </a:t>
-            </a:r>
-          </a:p>
-          <a:p>
-            <a:r>
-              <a:rPr lang="en-US" dirty="0"/>
-              <a:t>	- https://</a:t>
-            </a:r>
-            <a:r>
-              <a:rPr lang="en-US" dirty="0" err="1"/>
-              <a:t>www.cbinsights.com</a:t>
-            </a:r>
-            <a:r>
-              <a:rPr lang="en-US" dirty="0"/>
-              <a:t>/research-unicorn-companies</a:t>
-            </a:r>
-          </a:p>
-          <a:p>
-            <a:endParaRPr lang="en-US" dirty="0"/>
-          </a:p>
-          <a:p>
-            <a:r>
-              <a:rPr lang="en-US" dirty="0"/>
-              <a:t>Kaggle: </a:t>
-            </a:r>
-          </a:p>
-          <a:p>
-            <a:endParaRPr lang="en-US" dirty="0"/>
-          </a:p>
-          <a:p>
-            <a:r>
-              <a:rPr lang="en-US" dirty="0"/>
-              <a:t>	- https://</a:t>
-            </a:r>
-            <a:r>
-              <a:rPr lang="en-US" dirty="0" err="1"/>
-              <a:t>www.kaggle.com</a:t>
-            </a:r>
-            <a:r>
-              <a:rPr lang="en-US" dirty="0"/>
-              <a:t>/datasets/</a:t>
-            </a:r>
-            <a:r>
-              <a:rPr lang="en-US" dirty="0" err="1"/>
-              <a:t>tahzeer</a:t>
-            </a:r>
-            <a:r>
-              <a:rPr lang="en-US" dirty="0"/>
-              <a:t>/unicorn-startup-companies-july-2023</a:t>
-            </a:r>
-          </a:p>
-          <a:p>
-            <a:r>
-              <a:rPr lang="en-US" dirty="0"/>
-              <a:t>	- https://</a:t>
-            </a:r>
-            <a:r>
-              <a:rPr lang="en-US" dirty="0" err="1"/>
-              <a:t>www.kaggle.com</a:t>
-            </a:r>
-            <a:r>
-              <a:rPr lang="en-US" dirty="0"/>
-              <a:t>/datasets/</a:t>
-            </a:r>
-            <a:r>
-              <a:rPr lang="en-US" dirty="0" err="1"/>
-              <a:t>ramjasmaurya</a:t>
-            </a:r>
-            <a:r>
-              <a:rPr lang="en-US" dirty="0"/>
-              <a:t>/unicorn-startups</a:t>
-            </a:r>
-          </a:p>
-          <a:p>
-            <a:r>
-              <a:rPr lang="en-US" dirty="0"/>
-              <a:t> </a:t>
-            </a:r>
+        </p:txBody>
+      </p:sp>
+      <p:sp>
+        <p:nvSpPr>
+          <p:cNvPr id="6" name="Slide Number Placeholder 5">
+            <a:extLst>
+              <a:ext uri="{FF2B5EF4-FFF2-40B4-BE49-F238E27FC236}">
+                <a16:creationId xmlns:a16="http://schemas.microsoft.com/office/drawing/2014/main" id="{C51992BB-9132-99F2-12ED-3CA0086B9956}"/>
+              </a:ext>
+            </a:extLst>
+          </p:cNvPr>
+          <p:cNvSpPr>
+            <a:spLocks noGrp="1"/>
+          </p:cNvSpPr>
+          <p:nvPr>
+            <p:ph type="sldNum" sz="quarter" idx="12"/>
+          </p:nvPr>
+        </p:nvSpPr>
+        <p:spPr>
+          <a:xfrm>
+            <a:off x="10821701" y="5672706"/>
+            <a:ext cx="951908" cy="754673"/>
+          </a:xfrm>
+        </p:spPr>
+        <p:txBody>
+          <a:bodyPr vert="horz" lIns="91440" tIns="45720" rIns="91440" bIns="45720" rtlCol="0" anchor="ctr">
+            <a:normAutofit/>
+          </a:bodyPr>
+          <a:lstStyle/>
+          <a:p>
+            <a:pPr>
+              <a:spcAft>
+                <a:spcPts val="600"/>
+              </a:spcAft>
+            </a:pPr>
+            <a:fld id="{81D2C36F-4504-47C0-B82F-A167342A2754}" type="slidenum">
+              <a:rPr lang="en-US" smtClean="0"/>
+              <a:pPr>
+                <a:spcAft>
+                  <a:spcPts val="600"/>
+                </a:spcAft>
+              </a:pPr>
+              <a:t>19</a:t>
+            </a:fld>
+            <a:endParaRPr lang="en-US"/>
           </a:p>
         </p:txBody>
       </p:sp>
@@ -7178,7 +7483,7 @@
           <p:cNvPr id="7" name="TextBox 6">
             <a:extLst>
               <a:ext uri="{FF2B5EF4-FFF2-40B4-BE49-F238E27FC236}">
-                <a16:creationId xmlns:a16="http://schemas.microsoft.com/office/drawing/2014/main" id="{63D999B6-05AF-5AD3-9B80-35582EBD3205}"/>
+                <a16:creationId xmlns:a16="http://schemas.microsoft.com/office/drawing/2014/main" id="{85D212B5-F35D-6A08-27BA-29E6536F4174}"/>
               </a:ext>
             </a:extLst>
           </p:cNvPr>
@@ -7187,8 +7492,8 @@
         </p:nvSpPr>
         <p:spPr>
           <a:xfrm>
-            <a:off x="10928323" y="1243390"/>
-            <a:ext cx="738664" cy="4371220"/>
+            <a:off x="628652" y="561315"/>
+            <a:ext cx="9886947" cy="646331"/>
           </a:xfrm>
           <a:prstGeom prst="rect">
             <a:avLst/>
@@ -7196,22 +7501,58 @@
           <a:noFill/>
         </p:spPr>
         <p:txBody>
-          <a:bodyPr vert="vert" wrap="square" rtlCol="0">
+          <a:bodyPr wrap="square" rtlCol="0">
             <a:spAutoFit/>
           </a:bodyPr>
           <a:lstStyle/>
           <a:p>
             <a:r>
-              <a:rPr lang="en-US" sz="3600" dirty="0"/>
-              <a:t>sources</a:t>
-            </a:r>
-          </a:p>
-        </p:txBody>
-      </p:sp>
+              <a:rPr lang="en-US" dirty="0"/>
+              <a:t>As years went on, there were a notable 136 start up companies that no longer had a market value of $1B or more. 2021 still greatly holds the highest quantity of Unicorn companies founded.</a:t>
+            </a:r>
+          </a:p>
+        </p:txBody>
+      </p:sp>
+      <p:pic>
+        <p:nvPicPr>
+          <p:cNvPr id="2" name="Graphic 1" descr="Unicorn outline">
+            <a:extLst>
+              <a:ext uri="{FF2B5EF4-FFF2-40B4-BE49-F238E27FC236}">
+                <a16:creationId xmlns:a16="http://schemas.microsoft.com/office/drawing/2014/main" id="{1B1FE515-1732-5EC8-5DF0-9B2B85952C7D}"/>
+              </a:ext>
+            </a:extLst>
+          </p:cNvPr>
+          <p:cNvPicPr>
+            <a:picLocks noChangeAspect="1"/>
+          </p:cNvPicPr>
+          <p:nvPr/>
+        </p:nvPicPr>
+        <p:blipFill>
+          <a:blip r:embed="rId3">
+            <a:extLst>
+              <a:ext uri="{96DAC541-7B7A-43D3-8B79-37D633B846F1}">
+                <asvg:svgBlip xmlns:asvg="http://schemas.microsoft.com/office/drawing/2016/SVG/main" r:embed="rId4"/>
+              </a:ext>
+            </a:extLst>
+          </a:blip>
+          <a:stretch>
+            <a:fillRect/>
+          </a:stretch>
+        </p:blipFill>
+        <p:spPr>
+          <a:xfrm>
+            <a:off x="10004425" y="5395707"/>
+            <a:ext cx="553998" cy="553998"/>
+          </a:xfrm>
+          <a:prstGeom prst="rect">
+            <a:avLst/>
+          </a:prstGeom>
+        </p:spPr>
+      </p:pic>
     </p:spTree>
     <p:extLst>
       <p:ext uri="{BB962C8B-B14F-4D97-AF65-F5344CB8AC3E}">
-        <p14:creationId xmlns:p14="http://schemas.microsoft.com/office/powerpoint/2010/main" val="1136109393"/>
+        <p14:creationId xmlns:p14="http://schemas.microsoft.com/office/powerpoint/2010/main" val="32269998"/>
       </p:ext>
     </p:extLst>
   </p:cSld>
@@ -7437,6 +7778,2119 @@
     <p:extLst>
       <p:ext uri="{BB962C8B-B14F-4D97-AF65-F5344CB8AC3E}">
         <p14:creationId xmlns:p14="http://schemas.microsoft.com/office/powerpoint/2010/main" val="3095945725"/>
+      </p:ext>
+    </p:extLst>
+  </p:cSld>
+  <p:clrMapOvr>
+    <a:masterClrMapping/>
+  </p:clrMapOvr>
+</p:sld>
+</file>
+
+<file path=ppt/slides/slide20.xml><?xml version="1.0" encoding="utf-8"?>
+<p:sld xmlns:a="http://schemas.openxmlformats.org/drawingml/2006/main" xmlns:r="http://schemas.openxmlformats.org/officeDocument/2006/relationships" xmlns:p="http://schemas.openxmlformats.org/presentationml/2006/main">
+  <p:cSld>
+    <p:spTree>
+      <p:nvGrpSpPr>
+        <p:cNvPr id="1" name=""/>
+        <p:cNvGrpSpPr/>
+        <p:nvPr/>
+      </p:nvGrpSpPr>
+      <p:grpSpPr>
+        <a:xfrm>
+          <a:off x="0" y="0"/>
+          <a:ext cx="0" cy="0"/>
+          <a:chOff x="0" y="0"/>
+          <a:chExt cx="0" cy="0"/>
+        </a:xfrm>
+      </p:grpSpPr>
+      <p:sp>
+        <p:nvSpPr>
+          <p:cNvPr id="7" name="Title 6">
+            <a:extLst>
+              <a:ext uri="{FF2B5EF4-FFF2-40B4-BE49-F238E27FC236}">
+                <a16:creationId xmlns:a16="http://schemas.microsoft.com/office/drawing/2014/main" id="{B920747F-D92F-E6DF-90C6-3F986ADCBDC1}"/>
+              </a:ext>
+            </a:extLst>
+          </p:cNvPr>
+          <p:cNvSpPr>
+            <a:spLocks noGrp="1"/>
+          </p:cNvSpPr>
+          <p:nvPr>
+            <p:ph type="title"/>
+          </p:nvPr>
+        </p:nvSpPr>
+        <p:spPr/>
+        <p:txBody>
+          <a:bodyPr/>
+          <a:lstStyle/>
+          <a:p>
+            <a:r>
+              <a:rPr lang="en-US" dirty="0">
+                <a:solidFill>
+                  <a:schemeClr val="tx1"/>
+                </a:solidFill>
+                <a:latin typeface="+mn-lt"/>
+              </a:rPr>
+              <a:t>Average Growth Rates</a:t>
+            </a:r>
+          </a:p>
+        </p:txBody>
+      </p:sp>
+      <p:pic>
+        <p:nvPicPr>
+          <p:cNvPr id="11" name="Content Placeholder 10" descr="A graph with numbers and a bar chart&#10;&#10;Description automatically generated">
+            <a:extLst>
+              <a:ext uri="{FF2B5EF4-FFF2-40B4-BE49-F238E27FC236}">
+                <a16:creationId xmlns:a16="http://schemas.microsoft.com/office/drawing/2014/main" id="{CE8C6086-82DE-8DE2-DC24-33E9B7D3E2C0}"/>
+              </a:ext>
+            </a:extLst>
+          </p:cNvPr>
+          <p:cNvPicPr>
+            <a:picLocks noGrp="1" noChangeAspect="1"/>
+          </p:cNvPicPr>
+          <p:nvPr>
+            <p:ph sz="half" idx="1"/>
+          </p:nvPr>
+        </p:nvPicPr>
+        <p:blipFill>
+          <a:blip r:embed="rId2"/>
+          <a:stretch>
+            <a:fillRect/>
+          </a:stretch>
+        </p:blipFill>
+        <p:spPr>
+          <a:xfrm>
+            <a:off x="416188" y="1903204"/>
+            <a:ext cx="5079579" cy="3051591"/>
+          </a:xfrm>
+        </p:spPr>
+      </p:pic>
+      <p:pic>
+        <p:nvPicPr>
+          <p:cNvPr id="13" name="Content Placeholder 12" descr="A graph of growth rates&#10;&#10;Description automatically generated">
+            <a:extLst>
+              <a:ext uri="{FF2B5EF4-FFF2-40B4-BE49-F238E27FC236}">
+                <a16:creationId xmlns:a16="http://schemas.microsoft.com/office/drawing/2014/main" id="{E7869874-9479-BE39-A382-34A0FDF2FE65}"/>
+              </a:ext>
+            </a:extLst>
+          </p:cNvPr>
+          <p:cNvPicPr>
+            <a:picLocks noGrp="1" noChangeAspect="1"/>
+          </p:cNvPicPr>
+          <p:nvPr>
+            <p:ph sz="half" idx="2"/>
+          </p:nvPr>
+        </p:nvPicPr>
+        <p:blipFill>
+          <a:blip r:embed="rId3"/>
+          <a:stretch>
+            <a:fillRect/>
+          </a:stretch>
+        </p:blipFill>
+        <p:spPr>
+          <a:xfrm>
+            <a:off x="5627540" y="1903204"/>
+            <a:ext cx="5079579" cy="3051590"/>
+          </a:xfrm>
+        </p:spPr>
+      </p:pic>
+      <p:sp>
+        <p:nvSpPr>
+          <p:cNvPr id="4" name="Date Placeholder 3">
+            <a:extLst>
+              <a:ext uri="{FF2B5EF4-FFF2-40B4-BE49-F238E27FC236}">
+                <a16:creationId xmlns:a16="http://schemas.microsoft.com/office/drawing/2014/main" id="{4CDF9942-B66B-BBAC-2155-A9FC6F5C53B2}"/>
+              </a:ext>
+            </a:extLst>
+          </p:cNvPr>
+          <p:cNvSpPr>
+            <a:spLocks noGrp="1"/>
+          </p:cNvSpPr>
+          <p:nvPr>
+            <p:ph type="dt" sz="half" idx="10"/>
+          </p:nvPr>
+        </p:nvSpPr>
+        <p:spPr/>
+        <p:txBody>
+          <a:bodyPr/>
+          <a:lstStyle/>
+          <a:p>
+            <a:r>
+              <a:rPr lang="en-US" dirty="0"/>
+              <a:t>Sources in appendix</a:t>
+            </a:r>
+          </a:p>
+          <a:p>
+            <a:endParaRPr lang="en-US" dirty="0"/>
+          </a:p>
+        </p:txBody>
+      </p:sp>
+      <p:sp>
+        <p:nvSpPr>
+          <p:cNvPr id="5" name="Footer Placeholder 4">
+            <a:extLst>
+              <a:ext uri="{FF2B5EF4-FFF2-40B4-BE49-F238E27FC236}">
+                <a16:creationId xmlns:a16="http://schemas.microsoft.com/office/drawing/2014/main" id="{CEE229C3-FB6D-0838-60D8-977227B06C70}"/>
+              </a:ext>
+            </a:extLst>
+          </p:cNvPr>
+          <p:cNvSpPr>
+            <a:spLocks noGrp="1"/>
+          </p:cNvSpPr>
+          <p:nvPr>
+            <p:ph type="ftr" sz="quarter" idx="11"/>
+          </p:nvPr>
+        </p:nvSpPr>
+        <p:spPr>
+          <a:xfrm rot="5400000">
+            <a:off x="8341967" y="3197054"/>
+            <a:ext cx="5897988" cy="365125"/>
+          </a:xfrm>
+        </p:spPr>
+        <p:txBody>
+          <a:bodyPr/>
+          <a:lstStyle/>
+          <a:p>
+            <a:r>
+              <a:rPr lang="en-US" sz="2000" b="0" dirty="0">
+                <a:solidFill>
+                  <a:schemeClr val="tx1"/>
+                </a:solidFill>
+              </a:rPr>
+              <a:t>Market Valuation vs Year Joined </a:t>
+            </a:r>
+          </a:p>
+        </p:txBody>
+      </p:sp>
+      <p:sp>
+        <p:nvSpPr>
+          <p:cNvPr id="6" name="Slide Number Placeholder 5">
+            <a:extLst>
+              <a:ext uri="{FF2B5EF4-FFF2-40B4-BE49-F238E27FC236}">
+                <a16:creationId xmlns:a16="http://schemas.microsoft.com/office/drawing/2014/main" id="{D6556555-9B9A-6ADE-CE1C-9BE4713EBCB3}"/>
+              </a:ext>
+            </a:extLst>
+          </p:cNvPr>
+          <p:cNvSpPr>
+            <a:spLocks noGrp="1"/>
+          </p:cNvSpPr>
+          <p:nvPr>
+            <p:ph type="sldNum" sz="quarter" idx="12"/>
+          </p:nvPr>
+        </p:nvSpPr>
+        <p:spPr/>
+        <p:txBody>
+          <a:bodyPr/>
+          <a:lstStyle/>
+          <a:p>
+            <a:fld id="{81D2C36F-4504-47C0-B82F-A167342A2754}" type="slidenum">
+              <a:rPr lang="en-US" smtClean="0"/>
+              <a:t>20</a:t>
+            </a:fld>
+            <a:endParaRPr lang="en-US"/>
+          </a:p>
+        </p:txBody>
+      </p:sp>
+      <p:pic>
+        <p:nvPicPr>
+          <p:cNvPr id="2" name="Graphic 1" descr="Unicorn outline">
+            <a:extLst>
+              <a:ext uri="{FF2B5EF4-FFF2-40B4-BE49-F238E27FC236}">
+                <a16:creationId xmlns:a16="http://schemas.microsoft.com/office/drawing/2014/main" id="{B20D58C4-3FA3-33BD-EB99-29F10A65B0C2}"/>
+              </a:ext>
+            </a:extLst>
+          </p:cNvPr>
+          <p:cNvPicPr>
+            <a:picLocks noChangeAspect="1"/>
+          </p:cNvPicPr>
+          <p:nvPr/>
+        </p:nvPicPr>
+        <p:blipFill>
+          <a:blip r:embed="rId4">
+            <a:extLst>
+              <a:ext uri="{96DAC541-7B7A-43D3-8B79-37D633B846F1}">
+                <asvg:svgBlip xmlns:asvg="http://schemas.microsoft.com/office/drawing/2016/SVG/main" r:embed="rId5"/>
+              </a:ext>
+            </a:extLst>
+          </a:blip>
+          <a:stretch>
+            <a:fillRect/>
+          </a:stretch>
+        </p:blipFill>
+        <p:spPr>
+          <a:xfrm>
+            <a:off x="10004425" y="5395707"/>
+            <a:ext cx="553998" cy="553998"/>
+          </a:xfrm>
+          <a:prstGeom prst="rect">
+            <a:avLst/>
+          </a:prstGeom>
+        </p:spPr>
+      </p:pic>
+    </p:spTree>
+    <p:extLst>
+      <p:ext uri="{BB962C8B-B14F-4D97-AF65-F5344CB8AC3E}">
+        <p14:creationId xmlns:p14="http://schemas.microsoft.com/office/powerpoint/2010/main" val="1786520412"/>
+      </p:ext>
+    </p:extLst>
+  </p:cSld>
+  <p:clrMapOvr>
+    <a:masterClrMapping/>
+  </p:clrMapOvr>
+</p:sld>
+</file>
+
+<file path=ppt/slides/slide21.xml><?xml version="1.0" encoding="utf-8"?>
+<p:sld xmlns:a="http://schemas.openxmlformats.org/drawingml/2006/main" xmlns:r="http://schemas.openxmlformats.org/officeDocument/2006/relationships" xmlns:p="http://schemas.openxmlformats.org/presentationml/2006/main">
+  <p:cSld>
+    <p:spTree>
+      <p:nvGrpSpPr>
+        <p:cNvPr id="1" name=""/>
+        <p:cNvGrpSpPr/>
+        <p:nvPr/>
+      </p:nvGrpSpPr>
+      <p:grpSpPr>
+        <a:xfrm>
+          <a:off x="0" y="0"/>
+          <a:ext cx="0" cy="0"/>
+          <a:chOff x="0" y="0"/>
+          <a:chExt cx="0" cy="0"/>
+        </a:xfrm>
+      </p:grpSpPr>
+      <p:pic>
+        <p:nvPicPr>
+          <p:cNvPr id="12" name="Picture 11" descr="A graph with different colored bars&#10;&#10;Description automatically generated">
+            <a:extLst>
+              <a:ext uri="{FF2B5EF4-FFF2-40B4-BE49-F238E27FC236}">
+                <a16:creationId xmlns:a16="http://schemas.microsoft.com/office/drawing/2014/main" id="{25629CD2-F35E-521D-944C-CCF573696BBD}"/>
+              </a:ext>
+            </a:extLst>
+          </p:cNvPr>
+          <p:cNvPicPr>
+            <a:picLocks noChangeAspect="1"/>
+          </p:cNvPicPr>
+          <p:nvPr/>
+        </p:nvPicPr>
+        <p:blipFill>
+          <a:blip r:embed="rId2"/>
+          <a:stretch>
+            <a:fillRect/>
+          </a:stretch>
+        </p:blipFill>
+        <p:spPr>
+          <a:xfrm>
+            <a:off x="1139466" y="594474"/>
+            <a:ext cx="8824205" cy="5118038"/>
+          </a:xfrm>
+          <a:prstGeom prst="rect">
+            <a:avLst/>
+          </a:prstGeom>
+        </p:spPr>
+      </p:pic>
+      <p:sp>
+        <p:nvSpPr>
+          <p:cNvPr id="9" name="Footer Placeholder 4">
+            <a:extLst>
+              <a:ext uri="{FF2B5EF4-FFF2-40B4-BE49-F238E27FC236}">
+                <a16:creationId xmlns:a16="http://schemas.microsoft.com/office/drawing/2014/main" id="{52F25E2C-CE55-664D-32D1-B9626E02F4A5}"/>
+              </a:ext>
+            </a:extLst>
+          </p:cNvPr>
+          <p:cNvSpPr>
+            <a:spLocks noGrp="1"/>
+          </p:cNvSpPr>
+          <p:nvPr>
+            <p:ph type="ftr" sz="quarter" idx="11"/>
+          </p:nvPr>
+        </p:nvSpPr>
+        <p:spPr>
+          <a:xfrm rot="5400000">
+            <a:off x="8602169" y="2841158"/>
+            <a:ext cx="5377586" cy="365125"/>
+          </a:xfrm>
+        </p:spPr>
+        <p:txBody>
+          <a:bodyPr vert="horz" lIns="91440" tIns="45720" rIns="91440" bIns="45720" rtlCol="0" anchor="ctr">
+            <a:noAutofit/>
+          </a:bodyPr>
+          <a:lstStyle/>
+          <a:p>
+            <a:pPr>
+              <a:spcAft>
+                <a:spcPts val="600"/>
+              </a:spcAft>
+            </a:pPr>
+            <a:r>
+              <a:rPr lang="en-US" sz="2000" b="0" kern="1200" cap="all" spc="300" baseline="0" dirty="0">
+                <a:solidFill>
+                  <a:schemeClr val="tx1"/>
+                </a:solidFill>
+                <a:latin typeface="+mn-lt"/>
+                <a:ea typeface="+mn-ea"/>
+                <a:cs typeface="+mn-cs"/>
+              </a:rPr>
+              <a:t>Market Valuation vs Year Joined </a:t>
+            </a:r>
+          </a:p>
+        </p:txBody>
+      </p:sp>
+      <p:sp>
+        <p:nvSpPr>
+          <p:cNvPr id="4" name="Date Placeholder 3">
+            <a:extLst>
+              <a:ext uri="{FF2B5EF4-FFF2-40B4-BE49-F238E27FC236}">
+                <a16:creationId xmlns:a16="http://schemas.microsoft.com/office/drawing/2014/main" id="{643BB500-835F-33D8-D967-B312440D8946}"/>
+              </a:ext>
+            </a:extLst>
+          </p:cNvPr>
+          <p:cNvSpPr>
+            <a:spLocks noGrp="1"/>
+          </p:cNvSpPr>
+          <p:nvPr>
+            <p:ph type="dt" sz="half" idx="10"/>
+          </p:nvPr>
+        </p:nvSpPr>
+        <p:spPr>
+          <a:xfrm>
+            <a:off x="628652" y="6140304"/>
+            <a:ext cx="3154896" cy="287075"/>
+          </a:xfrm>
+        </p:spPr>
+        <p:txBody>
+          <a:bodyPr vert="horz" lIns="91440" tIns="45720" rIns="91440" bIns="45720" rtlCol="0" anchor="ctr">
+            <a:normAutofit fontScale="92500" lnSpcReduction="20000"/>
+          </a:bodyPr>
+          <a:lstStyle/>
+          <a:p>
+            <a:pPr>
+              <a:spcAft>
+                <a:spcPts val="600"/>
+              </a:spcAft>
+            </a:pPr>
+            <a:r>
+              <a:rPr lang="en-US" dirty="0"/>
+              <a:t>Sources in appendix</a:t>
+            </a:r>
+          </a:p>
+          <a:p>
+            <a:pPr>
+              <a:spcAft>
+                <a:spcPts val="600"/>
+              </a:spcAft>
+            </a:pPr>
+            <a:endParaRPr lang="en-US" dirty="0"/>
+          </a:p>
+        </p:txBody>
+      </p:sp>
+      <p:sp>
+        <p:nvSpPr>
+          <p:cNvPr id="6" name="Slide Number Placeholder 5">
+            <a:extLst>
+              <a:ext uri="{FF2B5EF4-FFF2-40B4-BE49-F238E27FC236}">
+                <a16:creationId xmlns:a16="http://schemas.microsoft.com/office/drawing/2014/main" id="{C51992BB-9132-99F2-12ED-3CA0086B9956}"/>
+              </a:ext>
+            </a:extLst>
+          </p:cNvPr>
+          <p:cNvSpPr>
+            <a:spLocks noGrp="1"/>
+          </p:cNvSpPr>
+          <p:nvPr>
+            <p:ph type="sldNum" sz="quarter" idx="12"/>
+          </p:nvPr>
+        </p:nvSpPr>
+        <p:spPr>
+          <a:xfrm>
+            <a:off x="10821701" y="5672706"/>
+            <a:ext cx="951908" cy="754673"/>
+          </a:xfrm>
+        </p:spPr>
+        <p:txBody>
+          <a:bodyPr vert="horz" lIns="91440" tIns="45720" rIns="91440" bIns="45720" rtlCol="0" anchor="ctr">
+            <a:normAutofit/>
+          </a:bodyPr>
+          <a:lstStyle/>
+          <a:p>
+            <a:pPr>
+              <a:spcAft>
+                <a:spcPts val="600"/>
+              </a:spcAft>
+            </a:pPr>
+            <a:fld id="{81D2C36F-4504-47C0-B82F-A167342A2754}" type="slidenum">
+              <a:rPr lang="en-US" smtClean="0"/>
+              <a:pPr>
+                <a:spcAft>
+                  <a:spcPts val="600"/>
+                </a:spcAft>
+              </a:pPr>
+              <a:t>21</a:t>
+            </a:fld>
+            <a:endParaRPr lang="en-US"/>
+          </a:p>
+        </p:txBody>
+      </p:sp>
+      <p:pic>
+        <p:nvPicPr>
+          <p:cNvPr id="2" name="Graphic 1" descr="Unicorn outline">
+            <a:extLst>
+              <a:ext uri="{FF2B5EF4-FFF2-40B4-BE49-F238E27FC236}">
+                <a16:creationId xmlns:a16="http://schemas.microsoft.com/office/drawing/2014/main" id="{8F7E3356-720A-685D-8D45-767F36D5DA01}"/>
+              </a:ext>
+            </a:extLst>
+          </p:cNvPr>
+          <p:cNvPicPr>
+            <a:picLocks noChangeAspect="1"/>
+          </p:cNvPicPr>
+          <p:nvPr/>
+        </p:nvPicPr>
+        <p:blipFill>
+          <a:blip r:embed="rId3">
+            <a:extLst>
+              <a:ext uri="{96DAC541-7B7A-43D3-8B79-37D633B846F1}">
+                <asvg:svgBlip xmlns:asvg="http://schemas.microsoft.com/office/drawing/2016/SVG/main" r:embed="rId4"/>
+              </a:ext>
+            </a:extLst>
+          </a:blip>
+          <a:stretch>
+            <a:fillRect/>
+          </a:stretch>
+        </p:blipFill>
+        <p:spPr>
+          <a:xfrm>
+            <a:off x="10004425" y="5395707"/>
+            <a:ext cx="553998" cy="553998"/>
+          </a:xfrm>
+          <a:prstGeom prst="rect">
+            <a:avLst/>
+          </a:prstGeom>
+        </p:spPr>
+      </p:pic>
+    </p:spTree>
+    <p:extLst>
+      <p:ext uri="{BB962C8B-B14F-4D97-AF65-F5344CB8AC3E}">
+        <p14:creationId xmlns:p14="http://schemas.microsoft.com/office/powerpoint/2010/main" val="1041849257"/>
+      </p:ext>
+    </p:extLst>
+  </p:cSld>
+  <p:clrMapOvr>
+    <a:masterClrMapping/>
+  </p:clrMapOvr>
+</p:sld>
+</file>
+
+<file path=ppt/slides/slide22.xml><?xml version="1.0" encoding="utf-8"?>
+<p:sld xmlns:a="http://schemas.openxmlformats.org/drawingml/2006/main" xmlns:r="http://schemas.openxmlformats.org/officeDocument/2006/relationships" xmlns:p="http://schemas.openxmlformats.org/presentationml/2006/main">
+  <p:cSld>
+    <p:spTree>
+      <p:nvGrpSpPr>
+        <p:cNvPr id="1" name=""/>
+        <p:cNvGrpSpPr/>
+        <p:nvPr/>
+      </p:nvGrpSpPr>
+      <p:grpSpPr>
+        <a:xfrm>
+          <a:off x="0" y="0"/>
+          <a:ext cx="0" cy="0"/>
+          <a:chOff x="0" y="0"/>
+          <a:chExt cx="0" cy="0"/>
+        </a:xfrm>
+      </p:grpSpPr>
+      <p:pic>
+        <p:nvPicPr>
+          <p:cNvPr id="8" name="Picture 7" descr="A bar graph with green squares&#10;&#10;Description automatically generated">
+            <a:extLst>
+              <a:ext uri="{FF2B5EF4-FFF2-40B4-BE49-F238E27FC236}">
+                <a16:creationId xmlns:a16="http://schemas.microsoft.com/office/drawing/2014/main" id="{3ECBBDDA-B295-EE70-4AF6-256ADE7F8EC4}"/>
+              </a:ext>
+            </a:extLst>
+          </p:cNvPr>
+          <p:cNvPicPr>
+            <a:picLocks noChangeAspect="1"/>
+          </p:cNvPicPr>
+          <p:nvPr/>
+        </p:nvPicPr>
+        <p:blipFill>
+          <a:blip r:embed="rId2"/>
+          <a:stretch>
+            <a:fillRect/>
+          </a:stretch>
+        </p:blipFill>
+        <p:spPr>
+          <a:xfrm>
+            <a:off x="2102742" y="747715"/>
+            <a:ext cx="6890461" cy="4823323"/>
+          </a:xfrm>
+          <a:prstGeom prst="rect">
+            <a:avLst/>
+          </a:prstGeom>
+        </p:spPr>
+      </p:pic>
+      <p:sp>
+        <p:nvSpPr>
+          <p:cNvPr id="5" name="Footer Placeholder 4">
+            <a:extLst>
+              <a:ext uri="{FF2B5EF4-FFF2-40B4-BE49-F238E27FC236}">
+                <a16:creationId xmlns:a16="http://schemas.microsoft.com/office/drawing/2014/main" id="{2578C44C-8E87-2D29-FC95-0175527E6AC0}"/>
+              </a:ext>
+            </a:extLst>
+          </p:cNvPr>
+          <p:cNvSpPr>
+            <a:spLocks noGrp="1"/>
+          </p:cNvSpPr>
+          <p:nvPr>
+            <p:ph type="ftr" sz="quarter" idx="11"/>
+          </p:nvPr>
+        </p:nvSpPr>
+        <p:spPr>
+          <a:xfrm rot="5400000">
+            <a:off x="8244735" y="3198591"/>
+            <a:ext cx="6092453" cy="365125"/>
+          </a:xfrm>
+        </p:spPr>
+        <p:txBody>
+          <a:bodyPr vert="horz" lIns="91440" tIns="45720" rIns="91440" bIns="45720" rtlCol="0" anchor="ctr">
+            <a:noAutofit/>
+          </a:bodyPr>
+          <a:lstStyle/>
+          <a:p>
+            <a:pPr>
+              <a:spcAft>
+                <a:spcPts val="600"/>
+              </a:spcAft>
+            </a:pPr>
+            <a:r>
+              <a:rPr lang="en-US" sz="2000" b="0" kern="1200" cap="all" spc="300" baseline="0" dirty="0">
+                <a:solidFill>
+                  <a:schemeClr val="tx1"/>
+                </a:solidFill>
+                <a:latin typeface="+mn-lt"/>
+                <a:ea typeface="+mn-ea"/>
+                <a:cs typeface="+mn-cs"/>
+              </a:rPr>
+              <a:t>Country of Origin vs Year Joined </a:t>
+            </a:r>
+          </a:p>
+        </p:txBody>
+      </p:sp>
+      <p:sp>
+        <p:nvSpPr>
+          <p:cNvPr id="4" name="Date Placeholder 3">
+            <a:extLst>
+              <a:ext uri="{FF2B5EF4-FFF2-40B4-BE49-F238E27FC236}">
+                <a16:creationId xmlns:a16="http://schemas.microsoft.com/office/drawing/2014/main" id="{C8FB8CCE-F6C2-0B72-00EE-BB7B54618F3E}"/>
+              </a:ext>
+            </a:extLst>
+          </p:cNvPr>
+          <p:cNvSpPr>
+            <a:spLocks noGrp="1"/>
+          </p:cNvSpPr>
+          <p:nvPr>
+            <p:ph type="dt" sz="half" idx="10"/>
+          </p:nvPr>
+        </p:nvSpPr>
+        <p:spPr>
+          <a:xfrm>
+            <a:off x="628652" y="6140304"/>
+            <a:ext cx="3154896" cy="287075"/>
+          </a:xfrm>
+        </p:spPr>
+        <p:txBody>
+          <a:bodyPr vert="horz" lIns="91440" tIns="45720" rIns="91440" bIns="45720" rtlCol="0" anchor="ctr">
+            <a:normAutofit fontScale="92500" lnSpcReduction="20000"/>
+          </a:bodyPr>
+          <a:lstStyle/>
+          <a:p>
+            <a:pPr>
+              <a:spcAft>
+                <a:spcPts val="600"/>
+              </a:spcAft>
+            </a:pPr>
+            <a:r>
+              <a:rPr lang="en-US" dirty="0"/>
+              <a:t>Sources in appendix</a:t>
+            </a:r>
+          </a:p>
+          <a:p>
+            <a:pPr>
+              <a:spcAft>
+                <a:spcPts val="600"/>
+              </a:spcAft>
+            </a:pPr>
+            <a:endParaRPr lang="en-US" dirty="0"/>
+          </a:p>
+        </p:txBody>
+      </p:sp>
+      <p:sp>
+        <p:nvSpPr>
+          <p:cNvPr id="6" name="Slide Number Placeholder 5">
+            <a:extLst>
+              <a:ext uri="{FF2B5EF4-FFF2-40B4-BE49-F238E27FC236}">
+                <a16:creationId xmlns:a16="http://schemas.microsoft.com/office/drawing/2014/main" id="{C538C2C5-330A-B43B-251E-02BD0BE49153}"/>
+              </a:ext>
+            </a:extLst>
+          </p:cNvPr>
+          <p:cNvSpPr>
+            <a:spLocks noGrp="1"/>
+          </p:cNvSpPr>
+          <p:nvPr>
+            <p:ph type="sldNum" sz="quarter" idx="12"/>
+          </p:nvPr>
+        </p:nvSpPr>
+        <p:spPr>
+          <a:xfrm>
+            <a:off x="10821701" y="5672706"/>
+            <a:ext cx="951908" cy="754673"/>
+          </a:xfrm>
+        </p:spPr>
+        <p:txBody>
+          <a:bodyPr vert="horz" lIns="91440" tIns="45720" rIns="91440" bIns="45720" rtlCol="0" anchor="ctr">
+            <a:normAutofit/>
+          </a:bodyPr>
+          <a:lstStyle/>
+          <a:p>
+            <a:pPr>
+              <a:spcAft>
+                <a:spcPts val="600"/>
+              </a:spcAft>
+            </a:pPr>
+            <a:fld id="{81D2C36F-4504-47C0-B82F-A167342A2754}" type="slidenum">
+              <a:rPr lang="en-US" smtClean="0"/>
+              <a:pPr>
+                <a:spcAft>
+                  <a:spcPts val="600"/>
+                </a:spcAft>
+              </a:pPr>
+              <a:t>22</a:t>
+            </a:fld>
+            <a:endParaRPr lang="en-US"/>
+          </a:p>
+        </p:txBody>
+      </p:sp>
+      <p:pic>
+        <p:nvPicPr>
+          <p:cNvPr id="2" name="Graphic 1" descr="Unicorn outline">
+            <a:extLst>
+              <a:ext uri="{FF2B5EF4-FFF2-40B4-BE49-F238E27FC236}">
+                <a16:creationId xmlns:a16="http://schemas.microsoft.com/office/drawing/2014/main" id="{5EF9F041-3AEC-81A4-FD80-8F7A48559B75}"/>
+              </a:ext>
+            </a:extLst>
+          </p:cNvPr>
+          <p:cNvPicPr>
+            <a:picLocks noChangeAspect="1"/>
+          </p:cNvPicPr>
+          <p:nvPr/>
+        </p:nvPicPr>
+        <p:blipFill>
+          <a:blip r:embed="rId3">
+            <a:extLst>
+              <a:ext uri="{96DAC541-7B7A-43D3-8B79-37D633B846F1}">
+                <asvg:svgBlip xmlns:asvg="http://schemas.microsoft.com/office/drawing/2016/SVG/main" r:embed="rId4"/>
+              </a:ext>
+            </a:extLst>
+          </a:blip>
+          <a:stretch>
+            <a:fillRect/>
+          </a:stretch>
+        </p:blipFill>
+        <p:spPr>
+          <a:xfrm>
+            <a:off x="10004425" y="5395707"/>
+            <a:ext cx="553998" cy="553998"/>
+          </a:xfrm>
+          <a:prstGeom prst="rect">
+            <a:avLst/>
+          </a:prstGeom>
+        </p:spPr>
+      </p:pic>
+    </p:spTree>
+    <p:extLst>
+      <p:ext uri="{BB962C8B-B14F-4D97-AF65-F5344CB8AC3E}">
+        <p14:creationId xmlns:p14="http://schemas.microsoft.com/office/powerpoint/2010/main" val="1760491539"/>
+      </p:ext>
+    </p:extLst>
+  </p:cSld>
+  <p:clrMapOvr>
+    <a:masterClrMapping/>
+  </p:clrMapOvr>
+</p:sld>
+</file>
+
+<file path=ppt/slides/slide23.xml><?xml version="1.0" encoding="utf-8"?>
+<p:sld xmlns:a="http://schemas.openxmlformats.org/drawingml/2006/main" xmlns:r="http://schemas.openxmlformats.org/officeDocument/2006/relationships" xmlns:p="http://schemas.openxmlformats.org/presentationml/2006/main">
+  <p:cSld>
+    <p:spTree>
+      <p:nvGrpSpPr>
+        <p:cNvPr id="1" name=""/>
+        <p:cNvGrpSpPr/>
+        <p:nvPr/>
+      </p:nvGrpSpPr>
+      <p:grpSpPr>
+        <a:xfrm>
+          <a:off x="0" y="0"/>
+          <a:ext cx="0" cy="0"/>
+          <a:chOff x="0" y="0"/>
+          <a:chExt cx="0" cy="0"/>
+        </a:xfrm>
+      </p:grpSpPr>
+      <p:pic>
+        <p:nvPicPr>
+          <p:cNvPr id="7" name="Picture 6" descr="A graph with numbers and lines&#10;&#10;Description automatically generated">
+            <a:extLst>
+              <a:ext uri="{FF2B5EF4-FFF2-40B4-BE49-F238E27FC236}">
+                <a16:creationId xmlns:a16="http://schemas.microsoft.com/office/drawing/2014/main" id="{E676110B-745F-7E02-0B6C-03F7CB818A9B}"/>
+              </a:ext>
+            </a:extLst>
+          </p:cNvPr>
+          <p:cNvPicPr>
+            <a:picLocks noChangeAspect="1"/>
+          </p:cNvPicPr>
+          <p:nvPr/>
+        </p:nvPicPr>
+        <p:blipFill>
+          <a:blip r:embed="rId2"/>
+          <a:stretch>
+            <a:fillRect/>
+          </a:stretch>
+        </p:blipFill>
+        <p:spPr>
+          <a:xfrm>
+            <a:off x="579425" y="356149"/>
+            <a:ext cx="9936174" cy="5688460"/>
+          </a:xfrm>
+          <a:prstGeom prst="rect">
+            <a:avLst/>
+          </a:prstGeom>
+        </p:spPr>
+      </p:pic>
+      <p:sp>
+        <p:nvSpPr>
+          <p:cNvPr id="5" name="Footer Placeholder 4">
+            <a:extLst>
+              <a:ext uri="{FF2B5EF4-FFF2-40B4-BE49-F238E27FC236}">
+                <a16:creationId xmlns:a16="http://schemas.microsoft.com/office/drawing/2014/main" id="{2578C44C-8E87-2D29-FC95-0175527E6AC0}"/>
+              </a:ext>
+            </a:extLst>
+          </p:cNvPr>
+          <p:cNvSpPr>
+            <a:spLocks noGrp="1"/>
+          </p:cNvSpPr>
+          <p:nvPr>
+            <p:ph type="ftr" sz="quarter" idx="11"/>
+          </p:nvPr>
+        </p:nvSpPr>
+        <p:spPr>
+          <a:xfrm rot="5400000">
+            <a:off x="8584858" y="2784041"/>
+            <a:ext cx="5412208" cy="365125"/>
+          </a:xfrm>
+        </p:spPr>
+        <p:txBody>
+          <a:bodyPr vert="horz" lIns="91440" tIns="45720" rIns="91440" bIns="45720" rtlCol="0" anchor="ctr">
+            <a:noAutofit/>
+          </a:bodyPr>
+          <a:lstStyle/>
+          <a:p>
+            <a:pPr>
+              <a:spcAft>
+                <a:spcPts val="600"/>
+              </a:spcAft>
+            </a:pPr>
+            <a:r>
+              <a:rPr lang="en-US" sz="2000" b="0" kern="1200" cap="all" spc="300" baseline="0" dirty="0">
+                <a:solidFill>
+                  <a:schemeClr val="tx1"/>
+                </a:solidFill>
+                <a:latin typeface="+mn-lt"/>
+                <a:ea typeface="+mn-ea"/>
+                <a:cs typeface="+mn-cs"/>
+              </a:rPr>
+              <a:t>Country of Origin vs Year Joined </a:t>
+            </a:r>
+          </a:p>
+        </p:txBody>
+      </p:sp>
+      <p:sp>
+        <p:nvSpPr>
+          <p:cNvPr id="4" name="Date Placeholder 3">
+            <a:extLst>
+              <a:ext uri="{FF2B5EF4-FFF2-40B4-BE49-F238E27FC236}">
+                <a16:creationId xmlns:a16="http://schemas.microsoft.com/office/drawing/2014/main" id="{C8FB8CCE-F6C2-0B72-00EE-BB7B54618F3E}"/>
+              </a:ext>
+            </a:extLst>
+          </p:cNvPr>
+          <p:cNvSpPr>
+            <a:spLocks noGrp="1"/>
+          </p:cNvSpPr>
+          <p:nvPr>
+            <p:ph type="dt" sz="half" idx="10"/>
+          </p:nvPr>
+        </p:nvSpPr>
+        <p:spPr>
+          <a:xfrm>
+            <a:off x="628652" y="6140304"/>
+            <a:ext cx="3154896" cy="287075"/>
+          </a:xfrm>
+        </p:spPr>
+        <p:txBody>
+          <a:bodyPr vert="horz" lIns="91440" tIns="45720" rIns="91440" bIns="45720" rtlCol="0" anchor="ctr">
+            <a:normAutofit fontScale="92500" lnSpcReduction="20000"/>
+          </a:bodyPr>
+          <a:lstStyle/>
+          <a:p>
+            <a:pPr>
+              <a:spcAft>
+                <a:spcPts val="600"/>
+              </a:spcAft>
+            </a:pPr>
+            <a:r>
+              <a:rPr lang="en-US" dirty="0"/>
+              <a:t>Sources in appendix</a:t>
+            </a:r>
+          </a:p>
+          <a:p>
+            <a:pPr>
+              <a:spcAft>
+                <a:spcPts val="600"/>
+              </a:spcAft>
+            </a:pPr>
+            <a:endParaRPr lang="en-US" dirty="0"/>
+          </a:p>
+        </p:txBody>
+      </p:sp>
+      <p:sp>
+        <p:nvSpPr>
+          <p:cNvPr id="6" name="Slide Number Placeholder 5">
+            <a:extLst>
+              <a:ext uri="{FF2B5EF4-FFF2-40B4-BE49-F238E27FC236}">
+                <a16:creationId xmlns:a16="http://schemas.microsoft.com/office/drawing/2014/main" id="{C538C2C5-330A-B43B-251E-02BD0BE49153}"/>
+              </a:ext>
+            </a:extLst>
+          </p:cNvPr>
+          <p:cNvSpPr>
+            <a:spLocks noGrp="1"/>
+          </p:cNvSpPr>
+          <p:nvPr>
+            <p:ph type="sldNum" sz="quarter" idx="12"/>
+          </p:nvPr>
+        </p:nvSpPr>
+        <p:spPr>
+          <a:xfrm>
+            <a:off x="10821701" y="5672706"/>
+            <a:ext cx="951908" cy="754673"/>
+          </a:xfrm>
+        </p:spPr>
+        <p:txBody>
+          <a:bodyPr vert="horz" lIns="91440" tIns="45720" rIns="91440" bIns="45720" rtlCol="0" anchor="ctr">
+            <a:normAutofit/>
+          </a:bodyPr>
+          <a:lstStyle/>
+          <a:p>
+            <a:pPr>
+              <a:spcAft>
+                <a:spcPts val="600"/>
+              </a:spcAft>
+            </a:pPr>
+            <a:fld id="{81D2C36F-4504-47C0-B82F-A167342A2754}" type="slidenum">
+              <a:rPr lang="en-US" smtClean="0"/>
+              <a:pPr>
+                <a:spcAft>
+                  <a:spcPts val="600"/>
+                </a:spcAft>
+              </a:pPr>
+              <a:t>23</a:t>
+            </a:fld>
+            <a:endParaRPr lang="en-US"/>
+          </a:p>
+        </p:txBody>
+      </p:sp>
+      <p:sp>
+        <p:nvSpPr>
+          <p:cNvPr id="9" name="TextBox 8">
+            <a:extLst>
+              <a:ext uri="{FF2B5EF4-FFF2-40B4-BE49-F238E27FC236}">
+                <a16:creationId xmlns:a16="http://schemas.microsoft.com/office/drawing/2014/main" id="{956623FA-36F3-73B6-1942-6DBDE173A4E3}"/>
+              </a:ext>
+            </a:extLst>
+          </p:cNvPr>
+          <p:cNvSpPr txBox="1"/>
+          <p:nvPr/>
+        </p:nvSpPr>
+        <p:spPr>
+          <a:xfrm>
+            <a:off x="489393" y="317678"/>
+            <a:ext cx="9959221" cy="646331"/>
+          </a:xfrm>
+          <a:prstGeom prst="rect">
+            <a:avLst/>
+          </a:prstGeom>
+          <a:noFill/>
+        </p:spPr>
+        <p:txBody>
+          <a:bodyPr wrap="square" rtlCol="0">
+            <a:spAutoFit/>
+          </a:bodyPr>
+          <a:lstStyle/>
+          <a:p>
+            <a:r>
+              <a:rPr lang="en-US" dirty="0"/>
+              <a:t>Important observation that there are a lot more active Unicorn Companies that were founded between the years 2016-2022</a:t>
+            </a:r>
+          </a:p>
+        </p:txBody>
+      </p:sp>
+      <p:pic>
+        <p:nvPicPr>
+          <p:cNvPr id="2" name="Graphic 1" descr="Unicorn outline">
+            <a:extLst>
+              <a:ext uri="{FF2B5EF4-FFF2-40B4-BE49-F238E27FC236}">
+                <a16:creationId xmlns:a16="http://schemas.microsoft.com/office/drawing/2014/main" id="{B63CB851-AED6-3D14-F8E2-E2142438372D}"/>
+              </a:ext>
+            </a:extLst>
+          </p:cNvPr>
+          <p:cNvPicPr>
+            <a:picLocks noChangeAspect="1"/>
+          </p:cNvPicPr>
+          <p:nvPr/>
+        </p:nvPicPr>
+        <p:blipFill>
+          <a:blip r:embed="rId3">
+            <a:extLst>
+              <a:ext uri="{96DAC541-7B7A-43D3-8B79-37D633B846F1}">
+                <asvg:svgBlip xmlns:asvg="http://schemas.microsoft.com/office/drawing/2016/SVG/main" r:embed="rId4"/>
+              </a:ext>
+            </a:extLst>
+          </a:blip>
+          <a:stretch>
+            <a:fillRect/>
+          </a:stretch>
+        </p:blipFill>
+        <p:spPr>
+          <a:xfrm>
+            <a:off x="10004425" y="5395707"/>
+            <a:ext cx="553998" cy="553998"/>
+          </a:xfrm>
+          <a:prstGeom prst="rect">
+            <a:avLst/>
+          </a:prstGeom>
+        </p:spPr>
+      </p:pic>
+    </p:spTree>
+    <p:extLst>
+      <p:ext uri="{BB962C8B-B14F-4D97-AF65-F5344CB8AC3E}">
+        <p14:creationId xmlns:p14="http://schemas.microsoft.com/office/powerpoint/2010/main" val="541157146"/>
+      </p:ext>
+    </p:extLst>
+  </p:cSld>
+  <p:clrMapOvr>
+    <a:masterClrMapping/>
+  </p:clrMapOvr>
+</p:sld>
+</file>
+
+<file path=ppt/slides/slide24.xml><?xml version="1.0" encoding="utf-8"?>
+<p:sld xmlns:a="http://schemas.openxmlformats.org/drawingml/2006/main" xmlns:r="http://schemas.openxmlformats.org/officeDocument/2006/relationships" xmlns:p="http://schemas.openxmlformats.org/presentationml/2006/main">
+  <p:cSld>
+    <p:spTree>
+      <p:nvGrpSpPr>
+        <p:cNvPr id="1" name=""/>
+        <p:cNvGrpSpPr/>
+        <p:nvPr/>
+      </p:nvGrpSpPr>
+      <p:grpSpPr>
+        <a:xfrm>
+          <a:off x="0" y="0"/>
+          <a:ext cx="0" cy="0"/>
+          <a:chOff x="0" y="0"/>
+          <a:chExt cx="0" cy="0"/>
+        </a:xfrm>
+      </p:grpSpPr>
+      <p:sp>
+        <p:nvSpPr>
+          <p:cNvPr id="7" name="Title 6">
+            <a:extLst>
+              <a:ext uri="{FF2B5EF4-FFF2-40B4-BE49-F238E27FC236}">
+                <a16:creationId xmlns:a16="http://schemas.microsoft.com/office/drawing/2014/main" id="{B920747F-D92F-E6DF-90C6-3F986ADCBDC1}"/>
+              </a:ext>
+            </a:extLst>
+          </p:cNvPr>
+          <p:cNvSpPr>
+            <a:spLocks noGrp="1"/>
+          </p:cNvSpPr>
+          <p:nvPr>
+            <p:ph type="title"/>
+          </p:nvPr>
+        </p:nvSpPr>
+        <p:spPr>
+          <a:xfrm>
+            <a:off x="838200" y="4719484"/>
+            <a:ext cx="9542748" cy="1150368"/>
+          </a:xfrm>
+        </p:spPr>
+        <p:txBody>
+          <a:bodyPr vert="horz" lIns="91440" tIns="45720" rIns="91440" bIns="45720" rtlCol="0" anchor="ctr">
+            <a:normAutofit/>
+          </a:bodyPr>
+          <a:lstStyle/>
+          <a:p>
+            <a:pPr algn="ctr"/>
+            <a:r>
+              <a:rPr lang="en-US" dirty="0">
+                <a:solidFill>
+                  <a:schemeClr val="tx1"/>
+                </a:solidFill>
+                <a:latin typeface="+mn-lt"/>
+              </a:rPr>
+              <a:t>US vs China Unicorn Growth</a:t>
+            </a:r>
+          </a:p>
+        </p:txBody>
+      </p:sp>
+      <p:sp>
+        <p:nvSpPr>
+          <p:cNvPr id="5" name="Footer Placeholder 4">
+            <a:extLst>
+              <a:ext uri="{FF2B5EF4-FFF2-40B4-BE49-F238E27FC236}">
+                <a16:creationId xmlns:a16="http://schemas.microsoft.com/office/drawing/2014/main" id="{CEE229C3-FB6D-0838-60D8-977227B06C70}"/>
+              </a:ext>
+            </a:extLst>
+          </p:cNvPr>
+          <p:cNvSpPr>
+            <a:spLocks noGrp="1"/>
+          </p:cNvSpPr>
+          <p:nvPr>
+            <p:ph type="ftr" sz="quarter" idx="11"/>
+          </p:nvPr>
+        </p:nvSpPr>
+        <p:spPr>
+          <a:xfrm rot="5400000">
+            <a:off x="8225398" y="3112285"/>
+            <a:ext cx="6092450" cy="729128"/>
+          </a:xfrm>
+        </p:spPr>
+        <p:txBody>
+          <a:bodyPr vert="horz" lIns="91440" tIns="45720" rIns="91440" bIns="45720" rtlCol="0" anchor="ctr">
+            <a:noAutofit/>
+          </a:bodyPr>
+          <a:lstStyle/>
+          <a:p>
+            <a:pPr>
+              <a:spcAft>
+                <a:spcPts val="600"/>
+              </a:spcAft>
+            </a:pPr>
+            <a:r>
+              <a:rPr lang="en-US" sz="2000" b="0" kern="1200" cap="all" spc="300" baseline="0" dirty="0">
+                <a:solidFill>
+                  <a:schemeClr val="tx1"/>
+                </a:solidFill>
+                <a:latin typeface="+mn-lt"/>
+                <a:ea typeface="+mn-ea"/>
+                <a:cs typeface="+mn-cs"/>
+              </a:rPr>
+              <a:t>Country of Origin vs Year Joined </a:t>
+            </a:r>
+          </a:p>
+        </p:txBody>
+      </p:sp>
+      <p:sp>
+        <p:nvSpPr>
+          <p:cNvPr id="4" name="Date Placeholder 3">
+            <a:extLst>
+              <a:ext uri="{FF2B5EF4-FFF2-40B4-BE49-F238E27FC236}">
+                <a16:creationId xmlns:a16="http://schemas.microsoft.com/office/drawing/2014/main" id="{4CDF9942-B66B-BBAC-2155-A9FC6F5C53B2}"/>
+              </a:ext>
+            </a:extLst>
+          </p:cNvPr>
+          <p:cNvSpPr>
+            <a:spLocks noGrp="1"/>
+          </p:cNvSpPr>
+          <p:nvPr>
+            <p:ph type="dt" sz="half" idx="10"/>
+          </p:nvPr>
+        </p:nvSpPr>
+        <p:spPr>
+          <a:xfrm>
+            <a:off x="759013" y="6140304"/>
+            <a:ext cx="5080000" cy="287075"/>
+          </a:xfrm>
+        </p:spPr>
+        <p:txBody>
+          <a:bodyPr vert="horz" lIns="91440" tIns="45720" rIns="91440" bIns="45720" rtlCol="0" anchor="ctr">
+            <a:normAutofit fontScale="92500" lnSpcReduction="20000"/>
+          </a:bodyPr>
+          <a:lstStyle/>
+          <a:p>
+            <a:pPr>
+              <a:spcAft>
+                <a:spcPts val="600"/>
+              </a:spcAft>
+            </a:pPr>
+            <a:r>
+              <a:rPr lang="en-US" dirty="0"/>
+              <a:t>Sources in appendix</a:t>
+            </a:r>
+          </a:p>
+          <a:p>
+            <a:pPr>
+              <a:spcAft>
+                <a:spcPts val="600"/>
+              </a:spcAft>
+            </a:pPr>
+            <a:endParaRPr lang="en-US" dirty="0"/>
+          </a:p>
+        </p:txBody>
+      </p:sp>
+      <p:sp>
+        <p:nvSpPr>
+          <p:cNvPr id="6" name="Slide Number Placeholder 5">
+            <a:extLst>
+              <a:ext uri="{FF2B5EF4-FFF2-40B4-BE49-F238E27FC236}">
+                <a16:creationId xmlns:a16="http://schemas.microsoft.com/office/drawing/2014/main" id="{D6556555-9B9A-6ADE-CE1C-9BE4713EBCB3}"/>
+              </a:ext>
+            </a:extLst>
+          </p:cNvPr>
+          <p:cNvSpPr>
+            <a:spLocks noGrp="1"/>
+          </p:cNvSpPr>
+          <p:nvPr>
+            <p:ph type="sldNum" sz="quarter" idx="12"/>
+          </p:nvPr>
+        </p:nvSpPr>
+        <p:spPr>
+          <a:xfrm>
+            <a:off x="10821701" y="5672706"/>
+            <a:ext cx="951908" cy="754673"/>
+          </a:xfrm>
+        </p:spPr>
+        <p:txBody>
+          <a:bodyPr vert="horz" lIns="91440" tIns="45720" rIns="91440" bIns="45720" rtlCol="0" anchor="ctr">
+            <a:normAutofit/>
+          </a:bodyPr>
+          <a:lstStyle/>
+          <a:p>
+            <a:pPr>
+              <a:spcAft>
+                <a:spcPts val="600"/>
+              </a:spcAft>
+            </a:pPr>
+            <a:fld id="{81D2C36F-4504-47C0-B82F-A167342A2754}" type="slidenum">
+              <a:rPr lang="en-US" smtClean="0"/>
+              <a:pPr>
+                <a:spcAft>
+                  <a:spcPts val="600"/>
+                </a:spcAft>
+              </a:pPr>
+              <a:t>24</a:t>
+            </a:fld>
+            <a:endParaRPr lang="en-US"/>
+          </a:p>
+        </p:txBody>
+      </p:sp>
+      <p:pic>
+        <p:nvPicPr>
+          <p:cNvPr id="15" name="Content Placeholder 14" descr="A graph with blue lines and numbers&#10;&#10;Description automatically generated">
+            <a:extLst>
+              <a:ext uri="{FF2B5EF4-FFF2-40B4-BE49-F238E27FC236}">
+                <a16:creationId xmlns:a16="http://schemas.microsoft.com/office/drawing/2014/main" id="{25A4C973-7CE4-8A2E-A8F9-7A1D889FDF53}"/>
+              </a:ext>
+            </a:extLst>
+          </p:cNvPr>
+          <p:cNvPicPr>
+            <a:picLocks noGrp="1" noChangeAspect="1"/>
+          </p:cNvPicPr>
+          <p:nvPr>
+            <p:ph sz="half" idx="2"/>
+          </p:nvPr>
+        </p:nvPicPr>
+        <p:blipFill>
+          <a:blip r:embed="rId2"/>
+          <a:stretch>
+            <a:fillRect/>
+          </a:stretch>
+        </p:blipFill>
+        <p:spPr>
+          <a:xfrm>
+            <a:off x="5556111" y="810561"/>
+            <a:ext cx="5119586" cy="3071751"/>
+          </a:xfrm>
+        </p:spPr>
+      </p:pic>
+      <p:pic>
+        <p:nvPicPr>
+          <p:cNvPr id="9" name="Content Placeholder 8" descr="A graph with a line going up&#10;&#10;Description automatically generated">
+            <a:extLst>
+              <a:ext uri="{FF2B5EF4-FFF2-40B4-BE49-F238E27FC236}">
+                <a16:creationId xmlns:a16="http://schemas.microsoft.com/office/drawing/2014/main" id="{32EF978C-CAD2-4BD4-3BD8-4CBD0D578B84}"/>
+              </a:ext>
+            </a:extLst>
+          </p:cNvPr>
+          <p:cNvPicPr>
+            <a:picLocks noGrp="1" noChangeAspect="1"/>
+          </p:cNvPicPr>
+          <p:nvPr>
+            <p:ph sz="half" idx="1"/>
+          </p:nvPr>
+        </p:nvPicPr>
+        <p:blipFill>
+          <a:blip r:embed="rId3"/>
+          <a:stretch>
+            <a:fillRect/>
+          </a:stretch>
+        </p:blipFill>
+        <p:spPr>
+          <a:xfrm>
+            <a:off x="448345" y="810562"/>
+            <a:ext cx="5119574" cy="3071744"/>
+          </a:xfrm>
+          <a:prstGeom prst="rect">
+            <a:avLst/>
+          </a:prstGeom>
+        </p:spPr>
+      </p:pic>
+      <p:pic>
+        <p:nvPicPr>
+          <p:cNvPr id="2" name="Graphic 1" descr="Unicorn outline">
+            <a:extLst>
+              <a:ext uri="{FF2B5EF4-FFF2-40B4-BE49-F238E27FC236}">
+                <a16:creationId xmlns:a16="http://schemas.microsoft.com/office/drawing/2014/main" id="{632147CF-5020-2AE6-6E66-A40817BCB4C9}"/>
+              </a:ext>
+            </a:extLst>
+          </p:cNvPr>
+          <p:cNvPicPr>
+            <a:picLocks noChangeAspect="1"/>
+          </p:cNvPicPr>
+          <p:nvPr/>
+        </p:nvPicPr>
+        <p:blipFill>
+          <a:blip r:embed="rId4">
+            <a:extLst>
+              <a:ext uri="{96DAC541-7B7A-43D3-8B79-37D633B846F1}">
+                <asvg:svgBlip xmlns:asvg="http://schemas.microsoft.com/office/drawing/2016/SVG/main" r:embed="rId5"/>
+              </a:ext>
+            </a:extLst>
+          </a:blip>
+          <a:stretch>
+            <a:fillRect/>
+          </a:stretch>
+        </p:blipFill>
+        <p:spPr>
+          <a:xfrm>
+            <a:off x="10004425" y="5395707"/>
+            <a:ext cx="553998" cy="553998"/>
+          </a:xfrm>
+          <a:prstGeom prst="rect">
+            <a:avLst/>
+          </a:prstGeom>
+        </p:spPr>
+      </p:pic>
+    </p:spTree>
+    <p:extLst>
+      <p:ext uri="{BB962C8B-B14F-4D97-AF65-F5344CB8AC3E}">
+        <p14:creationId xmlns:p14="http://schemas.microsoft.com/office/powerpoint/2010/main" val="829125180"/>
+      </p:ext>
+    </p:extLst>
+  </p:cSld>
+  <p:clrMapOvr>
+    <a:masterClrMapping/>
+  </p:clrMapOvr>
+</p:sld>
+</file>
+
+<file path=ppt/slides/slide25.xml><?xml version="1.0" encoding="utf-8"?>
+<p:sld xmlns:a="http://schemas.openxmlformats.org/drawingml/2006/main" xmlns:r="http://schemas.openxmlformats.org/officeDocument/2006/relationships" xmlns:p="http://schemas.openxmlformats.org/presentationml/2006/main">
+  <p:cSld>
+    <p:spTree>
+      <p:nvGrpSpPr>
+        <p:cNvPr id="1" name=""/>
+        <p:cNvGrpSpPr/>
+        <p:nvPr/>
+      </p:nvGrpSpPr>
+      <p:grpSpPr>
+        <a:xfrm>
+          <a:off x="0" y="0"/>
+          <a:ext cx="0" cy="0"/>
+          <a:chOff x="0" y="0"/>
+          <a:chExt cx="0" cy="0"/>
+        </a:xfrm>
+      </p:grpSpPr>
+      <p:pic>
+        <p:nvPicPr>
+          <p:cNvPr id="10" name="Picture 9" descr="A graph of different colored bars&#10;&#10;Description automatically generated">
+            <a:extLst>
+              <a:ext uri="{FF2B5EF4-FFF2-40B4-BE49-F238E27FC236}">
+                <a16:creationId xmlns:a16="http://schemas.microsoft.com/office/drawing/2014/main" id="{B3310B46-2EA9-56CB-ECD4-9034ED1C43AF}"/>
+              </a:ext>
+            </a:extLst>
+          </p:cNvPr>
+          <p:cNvPicPr>
+            <a:picLocks noChangeAspect="1"/>
+          </p:cNvPicPr>
+          <p:nvPr/>
+        </p:nvPicPr>
+        <p:blipFill>
+          <a:blip r:embed="rId2"/>
+          <a:stretch>
+            <a:fillRect/>
+          </a:stretch>
+        </p:blipFill>
+        <p:spPr>
+          <a:xfrm>
+            <a:off x="410772" y="573059"/>
+            <a:ext cx="10325020" cy="4930198"/>
+          </a:xfrm>
+          <a:prstGeom prst="rect">
+            <a:avLst/>
+          </a:prstGeom>
+        </p:spPr>
+      </p:pic>
+      <p:sp>
+        <p:nvSpPr>
+          <p:cNvPr id="5" name="Footer Placeholder 4">
+            <a:extLst>
+              <a:ext uri="{FF2B5EF4-FFF2-40B4-BE49-F238E27FC236}">
+                <a16:creationId xmlns:a16="http://schemas.microsoft.com/office/drawing/2014/main" id="{2578C44C-8E87-2D29-FC95-0175527E6AC0}"/>
+              </a:ext>
+            </a:extLst>
+          </p:cNvPr>
+          <p:cNvSpPr>
+            <a:spLocks noGrp="1"/>
+          </p:cNvSpPr>
+          <p:nvPr>
+            <p:ph type="ftr" sz="quarter" idx="11"/>
+          </p:nvPr>
+        </p:nvSpPr>
+        <p:spPr>
+          <a:xfrm rot="5400000">
+            <a:off x="8806452" y="3005635"/>
+            <a:ext cx="4969020" cy="365125"/>
+          </a:xfrm>
+        </p:spPr>
+        <p:txBody>
+          <a:bodyPr vert="horz" lIns="91440" tIns="45720" rIns="91440" bIns="45720" rtlCol="0" anchor="ctr">
+            <a:noAutofit/>
+          </a:bodyPr>
+          <a:lstStyle/>
+          <a:p>
+            <a:pPr>
+              <a:spcAft>
+                <a:spcPts val="600"/>
+              </a:spcAft>
+            </a:pPr>
+            <a:r>
+              <a:rPr lang="en-US" sz="2400" b="0" kern="1200" cap="all" spc="300" baseline="0" dirty="0">
+                <a:solidFill>
+                  <a:schemeClr val="tx1"/>
+                </a:solidFill>
+                <a:latin typeface="+mn-lt"/>
+                <a:ea typeface="+mn-ea"/>
+                <a:cs typeface="+mn-cs"/>
+              </a:rPr>
+              <a:t>Industry vs Year Joined</a:t>
+            </a:r>
+          </a:p>
+        </p:txBody>
+      </p:sp>
+      <p:sp>
+        <p:nvSpPr>
+          <p:cNvPr id="4" name="Date Placeholder 3">
+            <a:extLst>
+              <a:ext uri="{FF2B5EF4-FFF2-40B4-BE49-F238E27FC236}">
+                <a16:creationId xmlns:a16="http://schemas.microsoft.com/office/drawing/2014/main" id="{C8FB8CCE-F6C2-0B72-00EE-BB7B54618F3E}"/>
+              </a:ext>
+            </a:extLst>
+          </p:cNvPr>
+          <p:cNvSpPr>
+            <a:spLocks noGrp="1"/>
+          </p:cNvSpPr>
+          <p:nvPr>
+            <p:ph type="dt" sz="half" idx="10"/>
+          </p:nvPr>
+        </p:nvSpPr>
+        <p:spPr>
+          <a:xfrm>
+            <a:off x="628652" y="6140304"/>
+            <a:ext cx="3154896" cy="287075"/>
+          </a:xfrm>
+        </p:spPr>
+        <p:txBody>
+          <a:bodyPr vert="horz" lIns="91440" tIns="45720" rIns="91440" bIns="45720" rtlCol="0" anchor="ctr">
+            <a:normAutofit fontScale="92500" lnSpcReduction="20000"/>
+          </a:bodyPr>
+          <a:lstStyle/>
+          <a:p>
+            <a:pPr>
+              <a:spcAft>
+                <a:spcPts val="600"/>
+              </a:spcAft>
+            </a:pPr>
+            <a:r>
+              <a:rPr lang="en-US" dirty="0"/>
+              <a:t>Sources in appendix</a:t>
+            </a:r>
+          </a:p>
+          <a:p>
+            <a:pPr>
+              <a:spcAft>
+                <a:spcPts val="600"/>
+              </a:spcAft>
+            </a:pPr>
+            <a:endParaRPr lang="en-US" dirty="0"/>
+          </a:p>
+        </p:txBody>
+      </p:sp>
+      <p:sp>
+        <p:nvSpPr>
+          <p:cNvPr id="6" name="Slide Number Placeholder 5">
+            <a:extLst>
+              <a:ext uri="{FF2B5EF4-FFF2-40B4-BE49-F238E27FC236}">
+                <a16:creationId xmlns:a16="http://schemas.microsoft.com/office/drawing/2014/main" id="{C538C2C5-330A-B43B-251E-02BD0BE49153}"/>
+              </a:ext>
+            </a:extLst>
+          </p:cNvPr>
+          <p:cNvSpPr>
+            <a:spLocks noGrp="1"/>
+          </p:cNvSpPr>
+          <p:nvPr>
+            <p:ph type="sldNum" sz="quarter" idx="12"/>
+          </p:nvPr>
+        </p:nvSpPr>
+        <p:spPr>
+          <a:xfrm>
+            <a:off x="10821701" y="5672706"/>
+            <a:ext cx="951908" cy="754673"/>
+          </a:xfrm>
+        </p:spPr>
+        <p:txBody>
+          <a:bodyPr vert="horz" lIns="91440" tIns="45720" rIns="91440" bIns="45720" rtlCol="0" anchor="ctr">
+            <a:normAutofit/>
+          </a:bodyPr>
+          <a:lstStyle/>
+          <a:p>
+            <a:pPr>
+              <a:spcAft>
+                <a:spcPts val="600"/>
+              </a:spcAft>
+            </a:pPr>
+            <a:fld id="{81D2C36F-4504-47C0-B82F-A167342A2754}" type="slidenum">
+              <a:rPr lang="en-US" smtClean="0"/>
+              <a:pPr>
+                <a:spcAft>
+                  <a:spcPts val="600"/>
+                </a:spcAft>
+              </a:pPr>
+              <a:t>25</a:t>
+            </a:fld>
+            <a:endParaRPr lang="en-US"/>
+          </a:p>
+        </p:txBody>
+      </p:sp>
+      <p:sp>
+        <p:nvSpPr>
+          <p:cNvPr id="11" name="TextBox 10">
+            <a:extLst>
+              <a:ext uri="{FF2B5EF4-FFF2-40B4-BE49-F238E27FC236}">
+                <a16:creationId xmlns:a16="http://schemas.microsoft.com/office/drawing/2014/main" id="{7784D432-6C75-D5D1-628B-C603BF11F005}"/>
+              </a:ext>
+            </a:extLst>
+          </p:cNvPr>
+          <p:cNvSpPr txBox="1"/>
+          <p:nvPr/>
+        </p:nvSpPr>
+        <p:spPr>
+          <a:xfrm>
+            <a:off x="7970671" y="4161399"/>
+            <a:ext cx="2587752" cy="1477328"/>
+          </a:xfrm>
+          <a:prstGeom prst="rect">
+            <a:avLst/>
+          </a:prstGeom>
+          <a:noFill/>
+        </p:spPr>
+        <p:txBody>
+          <a:bodyPr wrap="square" rtlCol="0">
+            <a:spAutoFit/>
+          </a:bodyPr>
+          <a:lstStyle/>
+          <a:p>
+            <a:r>
+              <a:rPr lang="en-US" dirty="0"/>
+              <a:t>Fintech is the most consistent industry throughout the years to join Unicorn Company status</a:t>
+            </a:r>
+          </a:p>
+        </p:txBody>
+      </p:sp>
+      <p:pic>
+        <p:nvPicPr>
+          <p:cNvPr id="2" name="Graphic 1" descr="Unicorn outline">
+            <a:extLst>
+              <a:ext uri="{FF2B5EF4-FFF2-40B4-BE49-F238E27FC236}">
+                <a16:creationId xmlns:a16="http://schemas.microsoft.com/office/drawing/2014/main" id="{66E0EF39-08F8-25BF-A638-52568E7782F5}"/>
+              </a:ext>
+            </a:extLst>
+          </p:cNvPr>
+          <p:cNvPicPr>
+            <a:picLocks noChangeAspect="1"/>
+          </p:cNvPicPr>
+          <p:nvPr/>
+        </p:nvPicPr>
+        <p:blipFill>
+          <a:blip r:embed="rId3">
+            <a:extLst>
+              <a:ext uri="{96DAC541-7B7A-43D3-8B79-37D633B846F1}">
+                <asvg:svgBlip xmlns:asvg="http://schemas.microsoft.com/office/drawing/2016/SVG/main" r:embed="rId4"/>
+              </a:ext>
+            </a:extLst>
+          </a:blip>
+          <a:stretch>
+            <a:fillRect/>
+          </a:stretch>
+        </p:blipFill>
+        <p:spPr>
+          <a:xfrm>
+            <a:off x="10004425" y="5395707"/>
+            <a:ext cx="553998" cy="553998"/>
+          </a:xfrm>
+          <a:prstGeom prst="rect">
+            <a:avLst/>
+          </a:prstGeom>
+        </p:spPr>
+      </p:pic>
+    </p:spTree>
+    <p:extLst>
+      <p:ext uri="{BB962C8B-B14F-4D97-AF65-F5344CB8AC3E}">
+        <p14:creationId xmlns:p14="http://schemas.microsoft.com/office/powerpoint/2010/main" val="100869828"/>
+      </p:ext>
+    </p:extLst>
+  </p:cSld>
+  <p:clrMapOvr>
+    <a:masterClrMapping/>
+  </p:clrMapOvr>
+</p:sld>
+</file>
+
+<file path=ppt/slides/slide26.xml><?xml version="1.0" encoding="utf-8"?>
+<p:sld xmlns:a="http://schemas.openxmlformats.org/drawingml/2006/main" xmlns:r="http://schemas.openxmlformats.org/officeDocument/2006/relationships" xmlns:p="http://schemas.openxmlformats.org/presentationml/2006/main">
+  <p:cSld>
+    <p:spTree>
+      <p:nvGrpSpPr>
+        <p:cNvPr id="1" name=""/>
+        <p:cNvGrpSpPr/>
+        <p:nvPr/>
+      </p:nvGrpSpPr>
+      <p:grpSpPr>
+        <a:xfrm>
+          <a:off x="0" y="0"/>
+          <a:ext cx="0" cy="0"/>
+          <a:chOff x="0" y="0"/>
+          <a:chExt cx="0" cy="0"/>
+        </a:xfrm>
+      </p:grpSpPr>
+      <p:sp>
+        <p:nvSpPr>
+          <p:cNvPr id="2" name="Date Placeholder 1">
+            <a:extLst>
+              <a:ext uri="{FF2B5EF4-FFF2-40B4-BE49-F238E27FC236}">
+                <a16:creationId xmlns:a16="http://schemas.microsoft.com/office/drawing/2014/main" id="{2057B4EC-A9FC-9F11-0382-3F7DCF05BEFC}"/>
+              </a:ext>
+            </a:extLst>
+          </p:cNvPr>
+          <p:cNvSpPr>
+            <a:spLocks noGrp="1"/>
+          </p:cNvSpPr>
+          <p:nvPr>
+            <p:ph type="dt" sz="half" idx="10"/>
+          </p:nvPr>
+        </p:nvSpPr>
+        <p:spPr/>
+        <p:txBody>
+          <a:bodyPr/>
+          <a:lstStyle/>
+          <a:p>
+            <a:r>
+              <a:rPr lang="en-US" dirty="0"/>
+              <a:t>SOURCES IN APPENDIX</a:t>
+            </a:r>
+          </a:p>
+        </p:txBody>
+      </p:sp>
+      <p:sp>
+        <p:nvSpPr>
+          <p:cNvPr id="3" name="Footer Placeholder 2">
+            <a:extLst>
+              <a:ext uri="{FF2B5EF4-FFF2-40B4-BE49-F238E27FC236}">
+                <a16:creationId xmlns:a16="http://schemas.microsoft.com/office/drawing/2014/main" id="{BCBF9281-1C29-F707-BB8C-C2C70A32D511}"/>
+              </a:ext>
+            </a:extLst>
+          </p:cNvPr>
+          <p:cNvSpPr>
+            <a:spLocks noGrp="1"/>
+          </p:cNvSpPr>
+          <p:nvPr>
+            <p:ph type="ftr" sz="quarter" idx="11"/>
+          </p:nvPr>
+        </p:nvSpPr>
+        <p:spPr/>
+        <p:txBody>
+          <a:bodyPr/>
+          <a:lstStyle/>
+          <a:p>
+            <a:r>
+              <a:rPr lang="en-US" sz="2400" dirty="0"/>
+              <a:t>OBSERVATIONS</a:t>
+            </a:r>
+          </a:p>
+        </p:txBody>
+      </p:sp>
+      <p:sp>
+        <p:nvSpPr>
+          <p:cNvPr id="4" name="Slide Number Placeholder 3">
+            <a:extLst>
+              <a:ext uri="{FF2B5EF4-FFF2-40B4-BE49-F238E27FC236}">
+                <a16:creationId xmlns:a16="http://schemas.microsoft.com/office/drawing/2014/main" id="{60B090CC-CB4F-8AD9-B960-E4A4B7FFA54D}"/>
+              </a:ext>
+            </a:extLst>
+          </p:cNvPr>
+          <p:cNvSpPr>
+            <a:spLocks noGrp="1"/>
+          </p:cNvSpPr>
+          <p:nvPr>
+            <p:ph type="sldNum" sz="quarter" idx="12"/>
+          </p:nvPr>
+        </p:nvSpPr>
+        <p:spPr/>
+        <p:txBody>
+          <a:bodyPr/>
+          <a:lstStyle/>
+          <a:p>
+            <a:fld id="{81D2C36F-4504-47C0-B82F-A167342A2754}" type="slidenum">
+              <a:rPr lang="en-US" smtClean="0"/>
+              <a:t>26</a:t>
+            </a:fld>
+            <a:endParaRPr lang="en-US"/>
+          </a:p>
+        </p:txBody>
+      </p:sp>
+      <p:sp>
+        <p:nvSpPr>
+          <p:cNvPr id="5" name="TextBox 4">
+            <a:extLst>
+              <a:ext uri="{FF2B5EF4-FFF2-40B4-BE49-F238E27FC236}">
+                <a16:creationId xmlns:a16="http://schemas.microsoft.com/office/drawing/2014/main" id="{C45815B2-5CA8-0CAF-3550-33B222DA7881}"/>
+              </a:ext>
+            </a:extLst>
+          </p:cNvPr>
+          <p:cNvSpPr txBox="1"/>
+          <p:nvPr/>
+        </p:nvSpPr>
+        <p:spPr>
+          <a:xfrm>
+            <a:off x="718475" y="430621"/>
+            <a:ext cx="8644858" cy="5632311"/>
+          </a:xfrm>
+          <a:prstGeom prst="rect">
+            <a:avLst/>
+          </a:prstGeom>
+          <a:noFill/>
+        </p:spPr>
+        <p:txBody>
+          <a:bodyPr wrap="square" rtlCol="0">
+            <a:spAutoFit/>
+          </a:bodyPr>
+          <a:lstStyle/>
+          <a:p>
+            <a:r>
+              <a:rPr lang="en-US" b="1" dirty="0"/>
+              <a:t>Valuation Trends</a:t>
+            </a:r>
+            <a:r>
+              <a:rPr lang="en-US" dirty="0"/>
+              <a:t>:</a:t>
+            </a:r>
+          </a:p>
+          <a:p>
+            <a:pPr>
+              <a:buFont typeface="Arial" panose="020B0604020202020204" pitchFamily="34" charset="0"/>
+              <a:buChar char="•"/>
+            </a:pPr>
+            <a:r>
+              <a:rPr lang="en-US" dirty="0"/>
+              <a:t>Significant growth is observed in companies within the Artificial Intelligence and Other industries from 2022 to 2024, while industries like E-commerce &amp; Direct-to-Consumer and Edtech have shown notable declines over the same period.</a:t>
+            </a:r>
+          </a:p>
+          <a:p>
+            <a:r>
+              <a:rPr lang="en-US" b="1" dirty="0"/>
+              <a:t>Geographic Distribution</a:t>
+            </a:r>
+            <a:r>
+              <a:rPr lang="en-US" dirty="0"/>
+              <a:t>:</a:t>
+            </a:r>
+          </a:p>
+          <a:p>
+            <a:pPr>
+              <a:buFont typeface="Arial" panose="020B0604020202020204" pitchFamily="34" charset="0"/>
+              <a:buChar char="•"/>
+            </a:pPr>
+            <a:r>
+              <a:rPr lang="en-US" dirty="0"/>
+              <a:t>The dataset includes companies from diverse geographic locations, with a significant presence in the United States and China. Notable cities with high valuation companies include San Francisco, Beijing, and Shenzhen.</a:t>
+            </a:r>
+          </a:p>
+          <a:p>
+            <a:r>
+              <a:rPr lang="en-US" b="1" dirty="0"/>
+              <a:t>Date of Joining</a:t>
+            </a:r>
+            <a:r>
+              <a:rPr lang="en-US" dirty="0"/>
+              <a:t>:</a:t>
+            </a:r>
+          </a:p>
+          <a:p>
+            <a:pPr>
+              <a:buFont typeface="Arial" panose="020B0604020202020204" pitchFamily="34" charset="0"/>
+              <a:buChar char="•"/>
+            </a:pPr>
+            <a:r>
+              <a:rPr lang="en-US" dirty="0"/>
+              <a:t>A noticeable trend is the influx of high-valuation companies joining around the years 2017 and 2018, indicating a peak period for startup formations and investments.</a:t>
+            </a:r>
+          </a:p>
+          <a:p>
+            <a:r>
+              <a:rPr lang="en-US" b="1" dirty="0"/>
+              <a:t>Industry Distribution</a:t>
+            </a:r>
+            <a:r>
+              <a:rPr lang="en-US" dirty="0"/>
+              <a:t>:</a:t>
+            </a:r>
+          </a:p>
+          <a:p>
+            <a:pPr>
+              <a:buFont typeface="Arial" panose="020B0604020202020204" pitchFamily="34" charset="0"/>
+              <a:buChar char="•"/>
+            </a:pPr>
+            <a:r>
+              <a:rPr lang="en-US" dirty="0"/>
+              <a:t>The dataset is well-represented across various industries, with a strong emphasis on emerging sectors such as Artificial Intelligence, Data Management &amp; Analytics, and Internet Software &amp; Services, indicating a focus on technology-driven growth.</a:t>
+            </a:r>
+          </a:p>
+          <a:p>
+            <a:r>
+              <a:rPr lang="en-US" b="1" dirty="0"/>
+              <a:t>Investor Influence</a:t>
+            </a:r>
+            <a:r>
+              <a:rPr lang="en-US" dirty="0"/>
+              <a:t>:</a:t>
+            </a:r>
+          </a:p>
+          <a:p>
+            <a:pPr>
+              <a:buFont typeface="Arial" panose="020B0604020202020204" pitchFamily="34" charset="0"/>
+              <a:buChar char="•"/>
+            </a:pPr>
+            <a:r>
+              <a:rPr lang="en-US" dirty="0"/>
+              <a:t>Prominent investors like Sequoia Capital, Tiger Global Management, and Andreessen Horowitz are recurrently mentioned, highlighting their significant role in funding and supporting high-valuation startups across multiple industries.</a:t>
+            </a:r>
+          </a:p>
+          <a:p>
+            <a:endParaRPr lang="en-US" dirty="0"/>
+          </a:p>
+        </p:txBody>
+      </p:sp>
+      <p:pic>
+        <p:nvPicPr>
+          <p:cNvPr id="6" name="Graphic 5" descr="Unicorn outline">
+            <a:extLst>
+              <a:ext uri="{FF2B5EF4-FFF2-40B4-BE49-F238E27FC236}">
+                <a16:creationId xmlns:a16="http://schemas.microsoft.com/office/drawing/2014/main" id="{D8B59B3A-FD1B-E35C-38F7-650F2B1B36F2}"/>
+              </a:ext>
+            </a:extLst>
+          </p:cNvPr>
+          <p:cNvPicPr>
+            <a:picLocks noChangeAspect="1"/>
+          </p:cNvPicPr>
+          <p:nvPr/>
+        </p:nvPicPr>
+        <p:blipFill>
+          <a:blip r:embed="rId2">
+            <a:extLst>
+              <a:ext uri="{96DAC541-7B7A-43D3-8B79-37D633B846F1}">
+                <asvg:svgBlip xmlns:asvg="http://schemas.microsoft.com/office/drawing/2016/SVG/main" r:embed="rId3"/>
+              </a:ext>
+            </a:extLst>
+          </a:blip>
+          <a:stretch>
+            <a:fillRect/>
+          </a:stretch>
+        </p:blipFill>
+        <p:spPr>
+          <a:xfrm>
+            <a:off x="11021482" y="5120360"/>
+            <a:ext cx="552346" cy="552346"/>
+          </a:xfrm>
+          <a:prstGeom prst="rect">
+            <a:avLst/>
+          </a:prstGeom>
+        </p:spPr>
+      </p:pic>
+    </p:spTree>
+    <p:extLst>
+      <p:ext uri="{BB962C8B-B14F-4D97-AF65-F5344CB8AC3E}">
+        <p14:creationId xmlns:p14="http://schemas.microsoft.com/office/powerpoint/2010/main" val="4153962363"/>
+      </p:ext>
+    </p:extLst>
+  </p:cSld>
+  <p:clrMapOvr>
+    <a:masterClrMapping/>
+  </p:clrMapOvr>
+</p:sld>
+</file>
+
+<file path=ppt/slides/slide27.xml><?xml version="1.0" encoding="utf-8"?>
+<p:sld xmlns:a="http://schemas.openxmlformats.org/drawingml/2006/main" xmlns:r="http://schemas.openxmlformats.org/officeDocument/2006/relationships" xmlns:p="http://schemas.openxmlformats.org/presentationml/2006/main">
+  <p:cSld>
+    <p:spTree>
+      <p:nvGrpSpPr>
+        <p:cNvPr id="1" name=""/>
+        <p:cNvGrpSpPr/>
+        <p:nvPr/>
+      </p:nvGrpSpPr>
+      <p:grpSpPr>
+        <a:xfrm>
+          <a:off x="0" y="0"/>
+          <a:ext cx="0" cy="0"/>
+          <a:chOff x="0" y="0"/>
+          <a:chExt cx="0" cy="0"/>
+        </a:xfrm>
+      </p:grpSpPr>
+      <p:sp>
+        <p:nvSpPr>
+          <p:cNvPr id="2" name="Date Placeholder 1">
+            <a:extLst>
+              <a:ext uri="{FF2B5EF4-FFF2-40B4-BE49-F238E27FC236}">
+                <a16:creationId xmlns:a16="http://schemas.microsoft.com/office/drawing/2014/main" id="{66B1ECA5-644F-AF76-C9EE-9056A48E1162}"/>
+              </a:ext>
+            </a:extLst>
+          </p:cNvPr>
+          <p:cNvSpPr>
+            <a:spLocks noGrp="1"/>
+          </p:cNvSpPr>
+          <p:nvPr>
+            <p:ph type="dt" sz="half" idx="10"/>
+          </p:nvPr>
+        </p:nvSpPr>
+        <p:spPr/>
+        <p:txBody>
+          <a:bodyPr/>
+          <a:lstStyle/>
+          <a:p>
+            <a:fld id="{E0318DDB-88AC-4039-B59C-B05DC4C9C16C}" type="datetime1">
+              <a:rPr lang="en-US" smtClean="0"/>
+              <a:t>7/15/24</a:t>
+            </a:fld>
+            <a:endParaRPr lang="en-US" dirty="0"/>
+          </a:p>
+        </p:txBody>
+      </p:sp>
+      <p:sp>
+        <p:nvSpPr>
+          <p:cNvPr id="4" name="Slide Number Placeholder 3">
+            <a:extLst>
+              <a:ext uri="{FF2B5EF4-FFF2-40B4-BE49-F238E27FC236}">
+                <a16:creationId xmlns:a16="http://schemas.microsoft.com/office/drawing/2014/main" id="{137CC4E6-D852-3907-100A-AA924CEB085C}"/>
+              </a:ext>
+            </a:extLst>
+          </p:cNvPr>
+          <p:cNvSpPr>
+            <a:spLocks noGrp="1"/>
+          </p:cNvSpPr>
+          <p:nvPr>
+            <p:ph type="sldNum" sz="quarter" idx="12"/>
+          </p:nvPr>
+        </p:nvSpPr>
+        <p:spPr/>
+        <p:txBody>
+          <a:bodyPr/>
+          <a:lstStyle/>
+          <a:p>
+            <a:fld id="{81D2C36F-4504-47C0-B82F-A167342A2754}" type="slidenum">
+              <a:rPr lang="en-US" smtClean="0"/>
+              <a:t>27</a:t>
+            </a:fld>
+            <a:endParaRPr lang="en-US"/>
+          </a:p>
+        </p:txBody>
+      </p:sp>
+      <p:sp>
+        <p:nvSpPr>
+          <p:cNvPr id="6" name="TextBox 5">
+            <a:extLst>
+              <a:ext uri="{FF2B5EF4-FFF2-40B4-BE49-F238E27FC236}">
+                <a16:creationId xmlns:a16="http://schemas.microsoft.com/office/drawing/2014/main" id="{0A280019-26DA-862A-0FB3-5E66E674A86C}"/>
+              </a:ext>
+            </a:extLst>
+          </p:cNvPr>
+          <p:cNvSpPr txBox="1"/>
+          <p:nvPr/>
+        </p:nvSpPr>
+        <p:spPr>
+          <a:xfrm>
+            <a:off x="628652" y="906839"/>
+            <a:ext cx="9709148" cy="3139321"/>
+          </a:xfrm>
+          <a:prstGeom prst="rect">
+            <a:avLst/>
+          </a:prstGeom>
+          <a:noFill/>
+        </p:spPr>
+        <p:txBody>
+          <a:bodyPr wrap="square" rtlCol="0">
+            <a:spAutoFit/>
+          </a:bodyPr>
+          <a:lstStyle/>
+          <a:p>
+            <a:r>
+              <a:rPr lang="en-US" dirty="0"/>
+              <a:t>Data Set Sources: </a:t>
+            </a:r>
+          </a:p>
+          <a:p>
+            <a:endParaRPr lang="en-US" dirty="0"/>
+          </a:p>
+          <a:p>
+            <a:r>
+              <a:rPr lang="en-US" dirty="0"/>
+              <a:t>CB Insights:</a:t>
+            </a:r>
+          </a:p>
+          <a:p>
+            <a:r>
+              <a:rPr lang="en-US" dirty="0"/>
+              <a:t> </a:t>
+            </a:r>
+          </a:p>
+          <a:p>
+            <a:r>
+              <a:rPr lang="en-US" dirty="0"/>
+              <a:t>	- https://</a:t>
+            </a:r>
+            <a:r>
+              <a:rPr lang="en-US" dirty="0" err="1"/>
+              <a:t>www.cbinsights.com</a:t>
+            </a:r>
+            <a:r>
+              <a:rPr lang="en-US" dirty="0"/>
+              <a:t>/research-unicorn-companies</a:t>
+            </a:r>
+          </a:p>
+          <a:p>
+            <a:endParaRPr lang="en-US" dirty="0"/>
+          </a:p>
+          <a:p>
+            <a:r>
+              <a:rPr lang="en-US" dirty="0"/>
+              <a:t>Kaggle: </a:t>
+            </a:r>
+          </a:p>
+          <a:p>
+            <a:endParaRPr lang="en-US" dirty="0"/>
+          </a:p>
+          <a:p>
+            <a:r>
+              <a:rPr lang="en-US" dirty="0"/>
+              <a:t>	- https://</a:t>
+            </a:r>
+            <a:r>
+              <a:rPr lang="en-US" dirty="0" err="1"/>
+              <a:t>www.kaggle.com</a:t>
+            </a:r>
+            <a:r>
+              <a:rPr lang="en-US" dirty="0"/>
+              <a:t>/datasets/</a:t>
+            </a:r>
+            <a:r>
+              <a:rPr lang="en-US" dirty="0" err="1"/>
+              <a:t>tahzeer</a:t>
+            </a:r>
+            <a:r>
+              <a:rPr lang="en-US" dirty="0"/>
+              <a:t>/unicorn-startup-companies-july-2023</a:t>
+            </a:r>
+          </a:p>
+          <a:p>
+            <a:r>
+              <a:rPr lang="en-US" dirty="0"/>
+              <a:t>	- https://</a:t>
+            </a:r>
+            <a:r>
+              <a:rPr lang="en-US" dirty="0" err="1"/>
+              <a:t>www.kaggle.com</a:t>
+            </a:r>
+            <a:r>
+              <a:rPr lang="en-US" dirty="0"/>
+              <a:t>/datasets/</a:t>
+            </a:r>
+            <a:r>
+              <a:rPr lang="en-US" dirty="0" err="1"/>
+              <a:t>ramjasmaurya</a:t>
+            </a:r>
+            <a:r>
+              <a:rPr lang="en-US" dirty="0"/>
+              <a:t>/unicorn-startups</a:t>
+            </a:r>
+          </a:p>
+          <a:p>
+            <a:r>
+              <a:rPr lang="en-US" dirty="0"/>
+              <a:t> </a:t>
+            </a:r>
+          </a:p>
+        </p:txBody>
+      </p:sp>
+      <p:sp>
+        <p:nvSpPr>
+          <p:cNvPr id="7" name="TextBox 6">
+            <a:extLst>
+              <a:ext uri="{FF2B5EF4-FFF2-40B4-BE49-F238E27FC236}">
+                <a16:creationId xmlns:a16="http://schemas.microsoft.com/office/drawing/2014/main" id="{63D999B6-05AF-5AD3-9B80-35582EBD3205}"/>
+              </a:ext>
+            </a:extLst>
+          </p:cNvPr>
+          <p:cNvSpPr txBox="1"/>
+          <p:nvPr/>
+        </p:nvSpPr>
+        <p:spPr>
+          <a:xfrm>
+            <a:off x="10928323" y="1243390"/>
+            <a:ext cx="738664" cy="4371220"/>
+          </a:xfrm>
+          <a:prstGeom prst="rect">
+            <a:avLst/>
+          </a:prstGeom>
+          <a:noFill/>
+        </p:spPr>
+        <p:txBody>
+          <a:bodyPr vert="vert" wrap="square" rtlCol="0">
+            <a:spAutoFit/>
+          </a:bodyPr>
+          <a:lstStyle/>
+          <a:p>
+            <a:r>
+              <a:rPr lang="en-US" sz="3600" dirty="0"/>
+              <a:t>sources</a:t>
+            </a:r>
+          </a:p>
+        </p:txBody>
+      </p:sp>
+    </p:spTree>
+    <p:extLst>
+      <p:ext uri="{BB962C8B-B14F-4D97-AF65-F5344CB8AC3E}">
+        <p14:creationId xmlns:p14="http://schemas.microsoft.com/office/powerpoint/2010/main" val="1136109393"/>
       </p:ext>
     </p:extLst>
   </p:cSld>

--- a/Presentation/Presentation_Group 7.pptx
+++ b/Presentation/Presentation_Group 7.pptx
@@ -4638,7 +4638,7 @@
         </p:blipFill>
         <p:spPr>
           <a:xfrm>
-            <a:off x="-1" y="1"/>
+            <a:off x="101599" y="1"/>
             <a:ext cx="12191999" cy="6857999"/>
           </a:xfrm>
           <a:prstGeom prst="rect">
